--- a/Lectures/(8) Tools for Data Manipulation _ Management.pptx
+++ b/Lectures/(8) Tools for Data Manipulation _ Management.pptx
@@ -6,51 +6,49 @@
     <p:sldMasterId id="2147483673" r:id="rId2"/>
   </p:sldMasterIdLst>
   <p:notesMasterIdLst>
-    <p:notesMasterId r:id="rId21"/>
+    <p:notesMasterId r:id="rId19"/>
   </p:notesMasterIdLst>
   <p:sldIdLst>
     <p:sldId id="256" r:id="rId3"/>
     <p:sldId id="257" r:id="rId4"/>
     <p:sldId id="259" r:id="rId5"/>
     <p:sldId id="260" r:id="rId6"/>
-    <p:sldId id="261" r:id="rId7"/>
-    <p:sldId id="262" r:id="rId8"/>
-    <p:sldId id="263" r:id="rId9"/>
-    <p:sldId id="264" r:id="rId10"/>
-    <p:sldId id="265" r:id="rId11"/>
-    <p:sldId id="266" r:id="rId12"/>
-    <p:sldId id="267" r:id="rId13"/>
-    <p:sldId id="268" r:id="rId14"/>
-    <p:sldId id="269" r:id="rId15"/>
-    <p:sldId id="270" r:id="rId16"/>
-    <p:sldId id="271" r:id="rId17"/>
-    <p:sldId id="272" r:id="rId18"/>
-    <p:sldId id="273" r:id="rId19"/>
-    <p:sldId id="274" r:id="rId20"/>
+    <p:sldId id="262" r:id="rId7"/>
+    <p:sldId id="263" r:id="rId8"/>
+    <p:sldId id="264" r:id="rId9"/>
+    <p:sldId id="265" r:id="rId10"/>
+    <p:sldId id="266" r:id="rId11"/>
+    <p:sldId id="267" r:id="rId12"/>
+    <p:sldId id="268" r:id="rId13"/>
+    <p:sldId id="269" r:id="rId14"/>
+    <p:sldId id="270" r:id="rId15"/>
+    <p:sldId id="271" r:id="rId16"/>
+    <p:sldId id="272" r:id="rId17"/>
+    <p:sldId id="274" r:id="rId18"/>
   </p:sldIdLst>
   <p:sldSz cx="12192000" cy="6858000"/>
   <p:notesSz cx="6858000" cy="9144000"/>
   <p:embeddedFontLst>
     <p:embeddedFont>
       <p:font typeface="Calibri" panose="020F0502020204030204" pitchFamily="34" charset="0"/>
-      <p:regular r:id="rId22"/>
-      <p:bold r:id="rId23"/>
-      <p:italic r:id="rId24"/>
-      <p:boldItalic r:id="rId25"/>
+      <p:regular r:id="rId20"/>
+      <p:bold r:id="rId21"/>
+      <p:italic r:id="rId22"/>
+      <p:boldItalic r:id="rId23"/>
     </p:embeddedFont>
     <p:embeddedFont>
       <p:font typeface="Lato" panose="020B0604020202020204" charset="0"/>
-      <p:regular r:id="rId26"/>
-      <p:bold r:id="rId27"/>
-      <p:italic r:id="rId28"/>
-      <p:boldItalic r:id="rId29"/>
+      <p:regular r:id="rId24"/>
+      <p:bold r:id="rId25"/>
+      <p:italic r:id="rId26"/>
+      <p:boldItalic r:id="rId27"/>
     </p:embeddedFont>
     <p:embeddedFont>
       <p:font typeface="Raleway" panose="020B0604020202020204" charset="0"/>
-      <p:regular r:id="rId30"/>
-      <p:bold r:id="rId31"/>
-      <p:italic r:id="rId32"/>
-      <p:boldItalic r:id="rId33"/>
+      <p:regular r:id="rId28"/>
+      <p:bold r:id="rId29"/>
+      <p:italic r:id="rId30"/>
+      <p:boldItalic r:id="rId31"/>
     </p:embeddedFont>
   </p:embeddedFontLst>
   <p:defaultTextStyle>
@@ -1643,134 +1641,6 @@
   <p:cSld>
     <p:spTree>
       <p:nvGrpSpPr>
-        <p:cNvPr id="1" name="Shape 247"/>
-        <p:cNvGrpSpPr/>
-        <p:nvPr/>
-      </p:nvGrpSpPr>
-      <p:grpSpPr>
-        <a:xfrm>
-          <a:off x="0" y="0"/>
-          <a:ext cx="0" cy="0"/>
-          <a:chOff x="0" y="0"/>
-          <a:chExt cx="0" cy="0"/>
-        </a:xfrm>
-      </p:grpSpPr>
-      <p:sp>
-        <p:nvSpPr>
-          <p:cNvPr id="248" name="Google Shape;248;g5275e2a24e_0_45:notes"/>
-          <p:cNvSpPr txBox="1">
-            <a:spLocks noGrp="1"/>
-          </p:cNvSpPr>
-          <p:nvPr>
-            <p:ph type="body" idx="1"/>
-          </p:nvPr>
-        </p:nvSpPr>
-        <p:spPr>
-          <a:xfrm>
-            <a:off x="685800" y="4400550"/>
-            <a:ext cx="5486400" cy="3600600"/>
-          </a:xfrm>
-          <a:prstGeom prst="rect">
-            <a:avLst/>
-          </a:prstGeom>
-          <a:noFill/>
-          <a:ln>
-            <a:noFill/>
-          </a:ln>
-        </p:spPr>
-        <p:txBody>
-          <a:bodyPr spcFirstLastPara="1" wrap="square" lIns="91425" tIns="45700" rIns="91425" bIns="45700" anchor="t" anchorCtr="0">
-            <a:noAutofit/>
-          </a:bodyPr>
-          <a:lstStyle/>
-          <a:p>
-            <a:pPr marL="0" lvl="0" indent="0" algn="l" rtl="0">
-              <a:lnSpc>
-                <a:spcPct val="100000"/>
-              </a:lnSpc>
-              <a:spcBef>
-                <a:spcPts val="0"/>
-              </a:spcBef>
-              <a:spcAft>
-                <a:spcPts val="0"/>
-              </a:spcAft>
-              <a:buSzPts val="1400"/>
-              <a:buNone/>
-            </a:pPr>
-            <a:r>
-              <a:rPr lang="en-US" dirty="0">
-                <a:hlinkClick r:id="rId3"/>
-              </a:rPr>
-              <a:t>NoSQL &amp; Hadoop Intro: https://datajobs.com/what-is-hadoop-and-nosql</a:t>
-            </a:r>
-            <a:endParaRPr dirty="0"/>
-          </a:p>
-        </p:txBody>
-      </p:sp>
-      <p:sp>
-        <p:nvSpPr>
-          <p:cNvPr id="249" name="Google Shape;249;g5275e2a24e_0_45:notes"/>
-          <p:cNvSpPr>
-            <a:spLocks noGrp="1" noRot="1" noChangeAspect="1"/>
-          </p:cNvSpPr>
-          <p:nvPr>
-            <p:ph type="sldImg" idx="2"/>
-          </p:nvPr>
-        </p:nvSpPr>
-        <p:spPr>
-          <a:xfrm>
-            <a:off x="685800" y="1143000"/>
-            <a:ext cx="5486400" cy="3086100"/>
-          </a:xfrm>
-          <a:custGeom>
-            <a:avLst/>
-            <a:gdLst/>
-            <a:ahLst/>
-            <a:cxnLst/>
-            <a:rect l="l" t="t" r="r" b="b"/>
-            <a:pathLst>
-              <a:path w="120000" h="120000" extrusionOk="0">
-                <a:moveTo>
-                  <a:pt x="0" y="0"/>
-                </a:moveTo>
-                <a:lnTo>
-                  <a:pt x="120000" y="0"/>
-                </a:lnTo>
-                <a:lnTo>
-                  <a:pt x="120000" y="120000"/>
-                </a:lnTo>
-                <a:lnTo>
-                  <a:pt x="0" y="120000"/>
-                </a:lnTo>
-                <a:close/>
-              </a:path>
-            </a:pathLst>
-          </a:custGeom>
-          <a:noFill/>
-          <a:ln w="12700" cap="flat" cmpd="sng">
-            <a:solidFill>
-              <a:srgbClr val="000000"/>
-            </a:solidFill>
-            <a:prstDash val="solid"/>
-            <a:round/>
-            <a:headEnd type="none" w="sm" len="sm"/>
-            <a:tailEnd type="none" w="sm" len="sm"/>
-          </a:ln>
-        </p:spPr>
-      </p:sp>
-    </p:spTree>
-  </p:cSld>
-  <p:clrMapOvr>
-    <a:masterClrMapping/>
-  </p:clrMapOvr>
-</p:notes>
-</file>
-
-<file path=ppt/notesSlides/notesSlide11.xml><?xml version="1.0" encoding="utf-8"?>
-<p:notes xmlns:a="http://schemas.openxmlformats.org/drawingml/2006/main" xmlns:r="http://schemas.openxmlformats.org/officeDocument/2006/relationships" xmlns:p="http://schemas.openxmlformats.org/presentationml/2006/main" showMasterSp="0" showMasterPhAnim="0">
-  <p:cSld>
-    <p:spTree>
-      <p:nvGrpSpPr>
         <p:cNvPr id="1" name="Shape 255"/>
         <p:cNvGrpSpPr/>
         <p:nvPr/>
@@ -2049,7 +1919,7 @@
 </p:notes>
 </file>
 
-<file path=ppt/notesSlides/notesSlide12.xml><?xml version="1.0" encoding="utf-8"?>
+<file path=ppt/notesSlides/notesSlide11.xml><?xml version="1.0" encoding="utf-8"?>
 <p:notes xmlns:a="http://schemas.openxmlformats.org/drawingml/2006/main" xmlns:r="http://schemas.openxmlformats.org/officeDocument/2006/relationships" xmlns:p="http://schemas.openxmlformats.org/presentationml/2006/main" showMasterSp="0" showMasterPhAnim="0">
   <p:cSld>
     <p:spTree>
@@ -2175,7 +2045,7 @@
 </p:notes>
 </file>
 
-<file path=ppt/notesSlides/notesSlide13.xml><?xml version="1.0" encoding="utf-8"?>
+<file path=ppt/notesSlides/notesSlide12.xml><?xml version="1.0" encoding="utf-8"?>
 <p:notes xmlns:a="http://schemas.openxmlformats.org/drawingml/2006/main" xmlns:r="http://schemas.openxmlformats.org/officeDocument/2006/relationships" xmlns:p="http://schemas.openxmlformats.org/presentationml/2006/main" showMasterSp="0" showMasterPhAnim="0">
   <p:cSld>
     <p:spTree>
@@ -2334,7 +2204,7 @@
 </p:notes>
 </file>
 
-<file path=ppt/notesSlides/notesSlide14.xml><?xml version="1.0" encoding="utf-8"?>
+<file path=ppt/notesSlides/notesSlide13.xml><?xml version="1.0" encoding="utf-8"?>
 <p:notes xmlns:a="http://schemas.openxmlformats.org/drawingml/2006/main" xmlns:r="http://schemas.openxmlformats.org/officeDocument/2006/relationships" xmlns:p="http://schemas.openxmlformats.org/presentationml/2006/main" showMasterSp="0" showMasterPhAnim="0">
   <p:cSld>
     <p:spTree>
@@ -2460,7 +2330,7 @@
 </p:notes>
 </file>
 
-<file path=ppt/notesSlides/notesSlide15.xml><?xml version="1.0" encoding="utf-8"?>
+<file path=ppt/notesSlides/notesSlide14.xml><?xml version="1.0" encoding="utf-8"?>
 <p:notes xmlns:a="http://schemas.openxmlformats.org/drawingml/2006/main" xmlns:r="http://schemas.openxmlformats.org/officeDocument/2006/relationships" xmlns:p="http://schemas.openxmlformats.org/presentationml/2006/main" showMasterSp="0" showMasterPhAnim="0">
   <p:cSld>
     <p:spTree>
@@ -2586,7 +2456,7 @@
 </p:notes>
 </file>
 
-<file path=ppt/notesSlides/notesSlide16.xml><?xml version="1.0" encoding="utf-8"?>
+<file path=ppt/notesSlides/notesSlide15.xml><?xml version="1.0" encoding="utf-8"?>
 <p:notes xmlns:a="http://schemas.openxmlformats.org/drawingml/2006/main" xmlns:r="http://schemas.openxmlformats.org/officeDocument/2006/relationships" xmlns:p="http://schemas.openxmlformats.org/presentationml/2006/main" showMasterSp="0" showMasterPhAnim="0">
   <p:cSld>
     <p:spTree>
@@ -2722,7 +2592,7 @@
             </a:pPr>
             <a:fld id="{00000000-1234-1234-1234-123412341234}" type="slidenum">
               <a:rPr lang="en-US"/>
-              <a:t>16</a:t>
+              <a:t>15</a:t>
             </a:fld>
             <a:endParaRPr/>
           </a:p>
@@ -2736,658 +2606,7 @@
 </p:notes>
 </file>
 
-<file path=ppt/notesSlides/notesSlide17.xml><?xml version="1.0" encoding="utf-8"?>
-<p:notes xmlns:a="http://schemas.openxmlformats.org/drawingml/2006/main" xmlns:r="http://schemas.openxmlformats.org/officeDocument/2006/relationships" xmlns:p="http://schemas.openxmlformats.org/presentationml/2006/main" showMasterSp="0" showMasterPhAnim="0">
-  <p:cSld>
-    <p:spTree>
-      <p:nvGrpSpPr>
-        <p:cNvPr id="1" name="Shape 298"/>
-        <p:cNvGrpSpPr/>
-        <p:nvPr/>
-      </p:nvGrpSpPr>
-      <p:grpSpPr>
-        <a:xfrm>
-          <a:off x="0" y="0"/>
-          <a:ext cx="0" cy="0"/>
-          <a:chOff x="0" y="0"/>
-          <a:chExt cx="0" cy="0"/>
-        </a:xfrm>
-      </p:grpSpPr>
-      <p:sp>
-        <p:nvSpPr>
-          <p:cNvPr id="299" name="Google Shape;299;g5e13918e3f_0_178:notes"/>
-          <p:cNvSpPr txBox="1">
-            <a:spLocks noGrp="1"/>
-          </p:cNvSpPr>
-          <p:nvPr>
-            <p:ph type="body" idx="1"/>
-          </p:nvPr>
-        </p:nvSpPr>
-        <p:spPr>
-          <a:xfrm>
-            <a:off x="685800" y="4400550"/>
-            <a:ext cx="5486400" cy="3600600"/>
-          </a:xfrm>
-          <a:prstGeom prst="rect">
-            <a:avLst/>
-          </a:prstGeom>
-        </p:spPr>
-        <p:txBody>
-          <a:bodyPr spcFirstLastPara="1" wrap="square" lIns="91425" tIns="45700" rIns="91425" bIns="45700" anchor="t" anchorCtr="0">
-            <a:noAutofit/>
-          </a:bodyPr>
-          <a:lstStyle/>
-          <a:p>
-            <a:pPr marL="0" lvl="0" indent="0" algn="l" rtl="0">
-              <a:lnSpc>
-                <a:spcPct val="115000"/>
-              </a:lnSpc>
-              <a:spcBef>
-                <a:spcPts val="0"/>
-              </a:spcBef>
-              <a:spcAft>
-                <a:spcPts val="0"/>
-              </a:spcAft>
-              <a:buNone/>
-            </a:pPr>
-            <a:r>
-              <a:rPr lang="en-US" sz="1150" b="1" dirty="0">
-                <a:solidFill>
-                  <a:srgbClr val="242729"/>
-                </a:solidFill>
-                <a:latin typeface="Arial"/>
-                <a:ea typeface="Arial"/>
-                <a:cs typeface="Arial"/>
-                <a:sym typeface="Arial"/>
-              </a:rPr>
-              <a:t>Note:  Install Anaconda - Pandas, </a:t>
-            </a:r>
-            <a:r>
-              <a:rPr lang="en-US" sz="1150" b="1" dirty="0" err="1">
-                <a:solidFill>
-                  <a:srgbClr val="242729"/>
-                </a:solidFill>
-                <a:latin typeface="Arial"/>
-                <a:ea typeface="Arial"/>
-                <a:cs typeface="Arial"/>
-                <a:sym typeface="Arial"/>
-              </a:rPr>
-              <a:t>Numpy</a:t>
-            </a:r>
-            <a:r>
-              <a:rPr lang="en-US" sz="1150" b="1" dirty="0">
-                <a:solidFill>
-                  <a:srgbClr val="242729"/>
-                </a:solidFill>
-                <a:latin typeface="Arial"/>
-                <a:ea typeface="Arial"/>
-                <a:cs typeface="Arial"/>
-                <a:sym typeface="Arial"/>
-              </a:rPr>
-              <a:t> &amp; </a:t>
-            </a:r>
-            <a:r>
-              <a:rPr lang="en-US" sz="1150" b="1" dirty="0" err="1">
-                <a:solidFill>
-                  <a:srgbClr val="242729"/>
-                </a:solidFill>
-                <a:latin typeface="Arial"/>
-                <a:ea typeface="Arial"/>
-                <a:cs typeface="Arial"/>
-                <a:sym typeface="Arial"/>
-              </a:rPr>
-              <a:t>PyMySQL</a:t>
-            </a:r>
-            <a:r>
-              <a:rPr lang="en-US" sz="1150" b="1" dirty="0">
-                <a:solidFill>
-                  <a:srgbClr val="242729"/>
-                </a:solidFill>
-                <a:latin typeface="Arial"/>
-                <a:ea typeface="Arial"/>
-                <a:cs typeface="Arial"/>
-                <a:sym typeface="Arial"/>
-              </a:rPr>
-              <a:t> packages</a:t>
-            </a:r>
-            <a:endParaRPr sz="1150" b="1" dirty="0">
-              <a:solidFill>
-                <a:srgbClr val="242729"/>
-              </a:solidFill>
-              <a:latin typeface="Arial"/>
-              <a:ea typeface="Arial"/>
-              <a:cs typeface="Arial"/>
-              <a:sym typeface="Arial"/>
-            </a:endParaRPr>
-          </a:p>
-          <a:p>
-            <a:pPr marL="0" lvl="0" indent="0" algn="l" rtl="0">
-              <a:lnSpc>
-                <a:spcPct val="115000"/>
-              </a:lnSpc>
-              <a:spcBef>
-                <a:spcPts val="1100"/>
-              </a:spcBef>
-              <a:spcAft>
-                <a:spcPts val="0"/>
-              </a:spcAft>
-              <a:buNone/>
-            </a:pPr>
-            <a:r>
-              <a:rPr lang="en-US" sz="1150" b="1" dirty="0">
-                <a:solidFill>
-                  <a:srgbClr val="242729"/>
-                </a:solidFill>
-                <a:latin typeface="Arial"/>
-                <a:ea typeface="Arial"/>
-                <a:cs typeface="Arial"/>
-                <a:sym typeface="Arial"/>
-              </a:rPr>
-              <a:t>Run Python from Command-line in Windows, or </a:t>
-            </a:r>
-            <a:r>
-              <a:rPr lang="en-US" sz="1150" b="1" dirty="0" err="1">
-                <a:solidFill>
-                  <a:srgbClr val="242729"/>
-                </a:solidFill>
-                <a:latin typeface="Arial"/>
-                <a:ea typeface="Arial"/>
-                <a:cs typeface="Arial"/>
-                <a:sym typeface="Arial"/>
-              </a:rPr>
-              <a:t>juypter</a:t>
-            </a:r>
-            <a:r>
-              <a:rPr lang="en-US" sz="1150" b="1">
-                <a:solidFill>
-                  <a:srgbClr val="242729"/>
-                </a:solidFill>
-                <a:latin typeface="Arial"/>
-                <a:ea typeface="Arial"/>
-                <a:cs typeface="Arial"/>
-                <a:sym typeface="Arial"/>
-              </a:rPr>
-              <a:t> notebook</a:t>
-            </a:r>
-            <a:endParaRPr sz="1150" b="1" dirty="0">
-              <a:solidFill>
-                <a:srgbClr val="242729"/>
-              </a:solidFill>
-              <a:latin typeface="Arial"/>
-              <a:ea typeface="Arial"/>
-              <a:cs typeface="Arial"/>
-              <a:sym typeface="Arial"/>
-            </a:endParaRPr>
-          </a:p>
-          <a:p>
-            <a:pPr marL="749300" lvl="0" indent="-301625" algn="l" rtl="0">
-              <a:lnSpc>
-                <a:spcPct val="115000"/>
-              </a:lnSpc>
-              <a:spcBef>
-                <a:spcPts val="1100"/>
-              </a:spcBef>
-              <a:spcAft>
-                <a:spcPts val="0"/>
-              </a:spcAft>
-              <a:buClr>
-                <a:srgbClr val="242729"/>
-              </a:buClr>
-              <a:buSzPts val="1150"/>
-              <a:buAutoNum type="arabicPeriod"/>
-            </a:pPr>
-            <a:r>
-              <a:rPr lang="en-US" sz="1150" dirty="0">
-                <a:solidFill>
-                  <a:srgbClr val="242729"/>
-                </a:solidFill>
-                <a:latin typeface="Arial"/>
-                <a:ea typeface="Arial"/>
-                <a:cs typeface="Arial"/>
-                <a:sym typeface="Arial"/>
-              </a:rPr>
-              <a:t>Save your python code file somewhere, using "Save" or "Save as" in your editor. Lets call it 'first.py' in some folder, like "</a:t>
-            </a:r>
-            <a:r>
-              <a:rPr lang="en-US" sz="1150" dirty="0" err="1">
-                <a:solidFill>
-                  <a:srgbClr val="242729"/>
-                </a:solidFill>
-                <a:latin typeface="Arial"/>
-                <a:ea typeface="Arial"/>
-                <a:cs typeface="Arial"/>
-                <a:sym typeface="Arial"/>
-              </a:rPr>
-              <a:t>pyscripts</a:t>
-            </a:r>
-            <a:r>
-              <a:rPr lang="en-US" sz="1150" dirty="0">
-                <a:solidFill>
-                  <a:srgbClr val="242729"/>
-                </a:solidFill>
-                <a:latin typeface="Arial"/>
-                <a:ea typeface="Arial"/>
-                <a:cs typeface="Arial"/>
-                <a:sym typeface="Arial"/>
-              </a:rPr>
-              <a:t>" that you make on your Desktop.</a:t>
-            </a:r>
-            <a:endParaRPr sz="1150" dirty="0">
-              <a:solidFill>
-                <a:srgbClr val="242729"/>
-              </a:solidFill>
-              <a:latin typeface="Arial"/>
-              <a:ea typeface="Arial"/>
-              <a:cs typeface="Arial"/>
-              <a:sym typeface="Arial"/>
-            </a:endParaRPr>
-          </a:p>
-          <a:p>
-            <a:pPr marL="749300" lvl="0" indent="-301625" algn="l" rtl="0">
-              <a:lnSpc>
-                <a:spcPct val="115000"/>
-              </a:lnSpc>
-              <a:spcBef>
-                <a:spcPts val="0"/>
-              </a:spcBef>
-              <a:spcAft>
-                <a:spcPts val="0"/>
-              </a:spcAft>
-              <a:buClr>
-                <a:srgbClr val="242729"/>
-              </a:buClr>
-              <a:buSzPts val="1150"/>
-              <a:buAutoNum type="arabicPeriod"/>
-            </a:pPr>
-            <a:r>
-              <a:rPr lang="en-US" sz="1150" dirty="0">
-                <a:solidFill>
-                  <a:srgbClr val="242729"/>
-                </a:solidFill>
-                <a:latin typeface="Arial"/>
-                <a:ea typeface="Arial"/>
-                <a:cs typeface="Arial"/>
-                <a:sym typeface="Arial"/>
-              </a:rPr>
-              <a:t>Open a </a:t>
-            </a:r>
-            <a:r>
-              <a:rPr lang="en-US" sz="1150" b="1" dirty="0">
-                <a:solidFill>
-                  <a:srgbClr val="242729"/>
-                </a:solidFill>
-                <a:latin typeface="Arial"/>
-                <a:ea typeface="Arial"/>
-                <a:cs typeface="Arial"/>
-                <a:sym typeface="Arial"/>
-              </a:rPr>
-              <a:t>prompt</a:t>
-            </a:r>
-            <a:r>
-              <a:rPr lang="en-US" sz="1150" dirty="0">
-                <a:solidFill>
-                  <a:srgbClr val="242729"/>
-                </a:solidFill>
-                <a:latin typeface="Arial"/>
-                <a:ea typeface="Arial"/>
-                <a:cs typeface="Arial"/>
-                <a:sym typeface="Arial"/>
-              </a:rPr>
-              <a:t> (a Windows '</a:t>
-            </a:r>
-            <a:r>
-              <a:rPr lang="en-US" sz="1150" dirty="0" err="1">
-                <a:solidFill>
-                  <a:srgbClr val="242729"/>
-                </a:solidFill>
-                <a:latin typeface="Arial"/>
-                <a:ea typeface="Arial"/>
-                <a:cs typeface="Arial"/>
-                <a:sym typeface="Arial"/>
-              </a:rPr>
-              <a:t>cmd</a:t>
-            </a:r>
-            <a:r>
-              <a:rPr lang="en-US" sz="1150" dirty="0">
-                <a:solidFill>
-                  <a:srgbClr val="242729"/>
-                </a:solidFill>
-                <a:latin typeface="Arial"/>
-                <a:ea typeface="Arial"/>
-                <a:cs typeface="Arial"/>
-                <a:sym typeface="Arial"/>
-              </a:rPr>
-              <a:t>' shell that is a text interface into the computer):</a:t>
-            </a:r>
-            <a:endParaRPr sz="1150" dirty="0">
-              <a:solidFill>
-                <a:srgbClr val="242729"/>
-              </a:solidFill>
-              <a:latin typeface="Arial"/>
-              <a:ea typeface="Arial"/>
-              <a:cs typeface="Arial"/>
-              <a:sym typeface="Arial"/>
-            </a:endParaRPr>
-          </a:p>
-          <a:p>
-            <a:pPr marL="749300" lvl="0" indent="-301625" algn="l" rtl="0">
-              <a:lnSpc>
-                <a:spcPct val="115000"/>
-              </a:lnSpc>
-              <a:spcBef>
-                <a:spcPts val="0"/>
-              </a:spcBef>
-              <a:spcAft>
-                <a:spcPts val="0"/>
-              </a:spcAft>
-              <a:buClr>
-                <a:srgbClr val="242729"/>
-              </a:buClr>
-              <a:buSzPts val="1150"/>
-              <a:buAutoNum type="arabicPeriod"/>
-            </a:pPr>
-            <a:r>
-              <a:rPr lang="en-US" sz="1150" dirty="0">
-                <a:solidFill>
-                  <a:srgbClr val="242729"/>
-                </a:solidFill>
-                <a:latin typeface="Arial"/>
-                <a:ea typeface="Arial"/>
-                <a:cs typeface="Arial"/>
-                <a:sym typeface="Arial"/>
-              </a:rPr>
-              <a:t>start &gt; run &gt; "</a:t>
-            </a:r>
-            <a:r>
-              <a:rPr lang="en-US" sz="1150" dirty="0" err="1">
-                <a:solidFill>
-                  <a:srgbClr val="242729"/>
-                </a:solidFill>
-                <a:latin typeface="Arial"/>
-                <a:ea typeface="Arial"/>
-                <a:cs typeface="Arial"/>
-                <a:sym typeface="Arial"/>
-              </a:rPr>
-              <a:t>cmd</a:t>
-            </a:r>
-            <a:r>
-              <a:rPr lang="en-US" sz="1150" dirty="0">
-                <a:solidFill>
-                  <a:srgbClr val="242729"/>
-                </a:solidFill>
-                <a:latin typeface="Arial"/>
-                <a:ea typeface="Arial"/>
-                <a:cs typeface="Arial"/>
-                <a:sym typeface="Arial"/>
-              </a:rPr>
-              <a:t>" (in the little box). OK.</a:t>
-            </a:r>
-            <a:endParaRPr sz="1150" dirty="0">
-              <a:solidFill>
-                <a:srgbClr val="242729"/>
-              </a:solidFill>
-              <a:latin typeface="Arial"/>
-              <a:ea typeface="Arial"/>
-              <a:cs typeface="Arial"/>
-              <a:sym typeface="Arial"/>
-            </a:endParaRPr>
-          </a:p>
-          <a:p>
-            <a:pPr marL="749300" lvl="0" indent="-301625" algn="l" rtl="0">
-              <a:lnSpc>
-                <a:spcPct val="115000"/>
-              </a:lnSpc>
-              <a:spcBef>
-                <a:spcPts val="0"/>
-              </a:spcBef>
-              <a:spcAft>
-                <a:spcPts val="0"/>
-              </a:spcAft>
-              <a:buClr>
-                <a:srgbClr val="242729"/>
-              </a:buClr>
-              <a:buSzPts val="1150"/>
-              <a:buAutoNum type="arabicPeriod"/>
-            </a:pPr>
-            <a:r>
-              <a:rPr lang="en-US" sz="1150" dirty="0">
-                <a:solidFill>
-                  <a:srgbClr val="242729"/>
-                </a:solidFill>
-                <a:latin typeface="Arial"/>
-                <a:ea typeface="Arial"/>
-                <a:cs typeface="Arial"/>
-                <a:sym typeface="Arial"/>
-              </a:rPr>
-              <a:t>Navigate to where your python file is, using the commands 'cd' (change directory) and '</a:t>
-            </a:r>
-            <a:r>
-              <a:rPr lang="en-US" sz="1150" dirty="0" err="1">
-                <a:solidFill>
-                  <a:srgbClr val="242729"/>
-                </a:solidFill>
-                <a:latin typeface="Arial"/>
-                <a:ea typeface="Arial"/>
-                <a:cs typeface="Arial"/>
-                <a:sym typeface="Arial"/>
-              </a:rPr>
-              <a:t>dir</a:t>
-            </a:r>
-            <a:r>
-              <a:rPr lang="en-US" sz="1150" dirty="0">
-                <a:solidFill>
-                  <a:srgbClr val="242729"/>
-                </a:solidFill>
-                <a:latin typeface="Arial"/>
-                <a:ea typeface="Arial"/>
-                <a:cs typeface="Arial"/>
-                <a:sym typeface="Arial"/>
-              </a:rPr>
-              <a:t>' (to show files in the directory, to verify your head). For our example something like,</a:t>
-            </a:r>
-            <a:endParaRPr sz="1150" dirty="0">
-              <a:solidFill>
-                <a:srgbClr val="242729"/>
-              </a:solidFill>
-              <a:latin typeface="Arial"/>
-              <a:ea typeface="Arial"/>
-              <a:cs typeface="Arial"/>
-              <a:sym typeface="Arial"/>
-            </a:endParaRPr>
-          </a:p>
-          <a:p>
-            <a:pPr marL="749300" lvl="0" indent="-301625" algn="l" rtl="0">
-              <a:lnSpc>
-                <a:spcPct val="115000"/>
-              </a:lnSpc>
-              <a:spcBef>
-                <a:spcPts val="0"/>
-              </a:spcBef>
-              <a:spcAft>
-                <a:spcPts val="0"/>
-              </a:spcAft>
-              <a:buClr>
-                <a:srgbClr val="242729"/>
-              </a:buClr>
-              <a:buSzPts val="1150"/>
-              <a:buAutoNum type="arabicPeriod"/>
-            </a:pPr>
-            <a:r>
-              <a:rPr lang="en-US" sz="1150" dirty="0">
-                <a:solidFill>
-                  <a:srgbClr val="242729"/>
-                </a:solidFill>
-                <a:latin typeface="Arial"/>
-                <a:ea typeface="Arial"/>
-                <a:cs typeface="Arial"/>
-                <a:sym typeface="Arial"/>
-              </a:rPr>
-              <a:t>&gt; cd C:\Documents and Settings\Gregg\Desktop\</a:t>
-            </a:r>
-            <a:r>
-              <a:rPr lang="en-US" sz="1150" dirty="0" err="1">
-                <a:solidFill>
-                  <a:srgbClr val="242729"/>
-                </a:solidFill>
-                <a:latin typeface="Arial"/>
-                <a:ea typeface="Arial"/>
-                <a:cs typeface="Arial"/>
-                <a:sym typeface="Arial"/>
-              </a:rPr>
-              <a:t>pyscripts</a:t>
-            </a:r>
-            <a:endParaRPr sz="1150" dirty="0">
-              <a:solidFill>
-                <a:srgbClr val="242729"/>
-              </a:solidFill>
-              <a:latin typeface="Arial"/>
-              <a:ea typeface="Arial"/>
-              <a:cs typeface="Arial"/>
-              <a:sym typeface="Arial"/>
-            </a:endParaRPr>
-          </a:p>
-          <a:p>
-            <a:pPr marL="749300" lvl="0" indent="-301625" algn="l" rtl="0">
-              <a:lnSpc>
-                <a:spcPct val="115000"/>
-              </a:lnSpc>
-              <a:spcBef>
-                <a:spcPts val="0"/>
-              </a:spcBef>
-              <a:spcAft>
-                <a:spcPts val="0"/>
-              </a:spcAft>
-              <a:buClr>
-                <a:srgbClr val="242729"/>
-              </a:buClr>
-              <a:buSzPts val="1150"/>
-              <a:buAutoNum type="arabicPeriod"/>
-            </a:pPr>
-            <a:r>
-              <a:rPr lang="en-US" sz="1150" dirty="0">
-                <a:solidFill>
-                  <a:srgbClr val="242729"/>
-                </a:solidFill>
-                <a:latin typeface="Arial"/>
-                <a:ea typeface="Arial"/>
-                <a:cs typeface="Arial"/>
-                <a:sym typeface="Arial"/>
-              </a:rPr>
-              <a:t>try:</a:t>
-            </a:r>
-            <a:endParaRPr sz="1150" dirty="0">
-              <a:solidFill>
-                <a:srgbClr val="242729"/>
-              </a:solidFill>
-              <a:latin typeface="Arial"/>
-              <a:ea typeface="Arial"/>
-              <a:cs typeface="Arial"/>
-              <a:sym typeface="Arial"/>
-            </a:endParaRPr>
-          </a:p>
-          <a:p>
-            <a:pPr marL="749300" lvl="0" indent="-301625" algn="l" rtl="0">
-              <a:lnSpc>
-                <a:spcPct val="115000"/>
-              </a:lnSpc>
-              <a:spcBef>
-                <a:spcPts val="0"/>
-              </a:spcBef>
-              <a:spcAft>
-                <a:spcPts val="0"/>
-              </a:spcAft>
-              <a:buClr>
-                <a:srgbClr val="242729"/>
-              </a:buClr>
-              <a:buSzPts val="1150"/>
-              <a:buAutoNum type="arabicPeriod"/>
-            </a:pPr>
-            <a:r>
-              <a:rPr lang="en-US" sz="1150" dirty="0">
-                <a:solidFill>
-                  <a:srgbClr val="242729"/>
-                </a:solidFill>
-                <a:latin typeface="Arial"/>
-                <a:ea typeface="Arial"/>
-                <a:cs typeface="Arial"/>
-                <a:sym typeface="Arial"/>
-              </a:rPr>
-              <a:t>&gt; python first.py</a:t>
-            </a:r>
-            <a:endParaRPr sz="1150" dirty="0">
-              <a:solidFill>
-                <a:srgbClr val="242729"/>
-              </a:solidFill>
-              <a:latin typeface="Arial"/>
-              <a:ea typeface="Arial"/>
-              <a:cs typeface="Arial"/>
-              <a:sym typeface="Arial"/>
-            </a:endParaRPr>
-          </a:p>
-          <a:p>
-            <a:pPr marL="0" lvl="0" indent="0" algn="l" rtl="0">
-              <a:spcBef>
-                <a:spcPts val="2200"/>
-              </a:spcBef>
-              <a:spcAft>
-                <a:spcPts val="0"/>
-              </a:spcAft>
-              <a:buNone/>
-            </a:pPr>
-            <a:endParaRPr dirty="0"/>
-          </a:p>
-        </p:txBody>
-      </p:sp>
-      <p:sp>
-        <p:nvSpPr>
-          <p:cNvPr id="300" name="Google Shape;300;g5e13918e3f_0_178:notes"/>
-          <p:cNvSpPr>
-            <a:spLocks noGrp="1" noRot="1" noChangeAspect="1"/>
-          </p:cNvSpPr>
-          <p:nvPr>
-            <p:ph type="sldImg" idx="2"/>
-          </p:nvPr>
-        </p:nvSpPr>
-        <p:spPr>
-          <a:xfrm>
-            <a:off x="685800" y="1143000"/>
-            <a:ext cx="5486400" cy="3086100"/>
-          </a:xfrm>
-          <a:custGeom>
-            <a:avLst/>
-            <a:gdLst/>
-            <a:ahLst/>
-            <a:cxnLst/>
-            <a:rect l="l" t="t" r="r" b="b"/>
-            <a:pathLst>
-              <a:path w="120000" h="120000" extrusionOk="0">
-                <a:moveTo>
-                  <a:pt x="0" y="0"/>
-                </a:moveTo>
-                <a:lnTo>
-                  <a:pt x="120000" y="0"/>
-                </a:lnTo>
-                <a:lnTo>
-                  <a:pt x="120000" y="120000"/>
-                </a:lnTo>
-                <a:lnTo>
-                  <a:pt x="0" y="120000"/>
-                </a:lnTo>
-                <a:close/>
-              </a:path>
-            </a:pathLst>
-          </a:custGeom>
-        </p:spPr>
-      </p:sp>
-    </p:spTree>
-  </p:cSld>
-  <p:clrMapOvr>
-    <a:masterClrMapping/>
-  </p:clrMapOvr>
-</p:notes>
-</file>
-
-<file path=ppt/notesSlides/notesSlide18.xml><?xml version="1.0" encoding="utf-8"?>
+<file path=ppt/notesSlides/notesSlide16.xml><?xml version="1.0" encoding="utf-8"?>
 <p:notes xmlns:a="http://schemas.openxmlformats.org/drawingml/2006/main" xmlns:r="http://schemas.openxmlformats.org/officeDocument/2006/relationships" xmlns:p="http://schemas.openxmlformats.org/presentationml/2006/main" showMasterSp="0" showMasterPhAnim="0">
   <p:cSld>
     <p:spTree>
@@ -3433,24 +2652,65 @@
           </a:bodyPr>
           <a:lstStyle/>
           <a:p>
-            <a:pPr marL="0" lvl="0" indent="0" algn="l" rtl="0">
-              <a:lnSpc>
-                <a:spcPct val="100000"/>
-              </a:lnSpc>
-              <a:spcBef>
-                <a:spcPts val="0"/>
-              </a:spcBef>
-              <a:spcAft>
-                <a:spcPts val="0"/>
-              </a:spcAft>
-              <a:buSzPts val="1400"/>
+            <a:pPr marL="0" marR="0" lvl="0" indent="0" algn="l" rtl="0">
+              <a:lnSpc>
+                <a:spcPct val="100000"/>
+              </a:lnSpc>
+              <a:spcBef>
+                <a:spcPts val="0"/>
+              </a:spcBef>
+              <a:spcAft>
+                <a:spcPts val="0"/>
+              </a:spcAft>
               <a:buNone/>
             </a:pPr>
             <a:r>
-              <a:rPr lang="en-US"/>
-              <a:t>Relationship:   OLTP = Source for OLAP </a:t>
+              <a:rPr lang="en-US" dirty="0">
+                <a:latin typeface="Lato"/>
+                <a:ea typeface="Lato"/>
+                <a:cs typeface="Lato"/>
+                <a:sym typeface="Lato"/>
+              </a:rPr>
+              <a:t>Steps at: https://cloud.google.com/sql/docs/mysql/import-export/importing</a:t>
             </a:r>
-            <a:endParaRPr/>
+          </a:p>
+          <a:p>
+            <a:pPr marL="0" marR="0" lvl="0" indent="0" algn="l" rtl="0">
+              <a:lnSpc>
+                <a:spcPct val="100000"/>
+              </a:lnSpc>
+              <a:spcBef>
+                <a:spcPts val="0"/>
+              </a:spcBef>
+              <a:spcAft>
+                <a:spcPts val="0"/>
+              </a:spcAft>
+              <a:buNone/>
+            </a:pPr>
+            <a:r>
+              <a:rPr lang="en-US" dirty="0">
+                <a:latin typeface="Lato"/>
+                <a:ea typeface="Lato"/>
+                <a:cs typeface="Lato"/>
+                <a:sym typeface="Lato"/>
+              </a:rPr>
+              <a:t>If “SUPER” access is needed on dump file import to “MySQL” database – create a new database via google cloud </a:t>
+            </a:r>
+            <a:r>
+              <a:rPr lang="en-US" dirty="0" err="1">
+                <a:latin typeface="Lato"/>
+                <a:ea typeface="Lato"/>
+                <a:cs typeface="Lato"/>
+                <a:sym typeface="Lato"/>
+              </a:rPr>
+              <a:t>sql</a:t>
+            </a:r>
+            <a:endParaRPr lang="en-US" dirty="0">
+              <a:latin typeface="Lato"/>
+              <a:ea typeface="Lato"/>
+              <a:cs typeface="Lato"/>
+              <a:sym typeface="Lato"/>
+            </a:endParaRPr>
           </a:p>
         </p:txBody>
       </p:sp>
@@ -4178,126 +3438,6 @@
   <p:cSld>
     <p:spTree>
       <p:nvGrpSpPr>
-        <p:cNvPr id="1" name="Shape 205"/>
-        <p:cNvGrpSpPr/>
-        <p:nvPr/>
-      </p:nvGrpSpPr>
-      <p:grpSpPr>
-        <a:xfrm>
-          <a:off x="0" y="0"/>
-          <a:ext cx="0" cy="0"/>
-          <a:chOff x="0" y="0"/>
-          <a:chExt cx="0" cy="0"/>
-        </a:xfrm>
-      </p:grpSpPr>
-      <p:sp>
-        <p:nvSpPr>
-          <p:cNvPr id="206" name="Google Shape;206;g5e13918e3f_0_88:notes"/>
-          <p:cNvSpPr txBox="1">
-            <a:spLocks noGrp="1"/>
-          </p:cNvSpPr>
-          <p:nvPr>
-            <p:ph type="body" idx="1"/>
-          </p:nvPr>
-        </p:nvSpPr>
-        <p:spPr>
-          <a:xfrm>
-            <a:off x="685800" y="4400550"/>
-            <a:ext cx="5486400" cy="3600600"/>
-          </a:xfrm>
-          <a:prstGeom prst="rect">
-            <a:avLst/>
-          </a:prstGeom>
-        </p:spPr>
-        <p:txBody>
-          <a:bodyPr spcFirstLastPara="1" wrap="square" lIns="91425" tIns="45700" rIns="91425" bIns="45700" anchor="t" anchorCtr="0">
-            <a:noAutofit/>
-          </a:bodyPr>
-          <a:lstStyle/>
-          <a:p>
-            <a:pPr marL="457200" lvl="0" indent="-304800" algn="l" rtl="0">
-              <a:lnSpc>
-                <a:spcPct val="115000"/>
-              </a:lnSpc>
-              <a:spcBef>
-                <a:spcPts val="0"/>
-              </a:spcBef>
-              <a:spcAft>
-                <a:spcPts val="0"/>
-              </a:spcAft>
-              <a:buSzPts val="1200"/>
-              <a:buAutoNum type="arabicPeriod"/>
-            </a:pPr>
-            <a:r>
-              <a:rPr lang="en-US">
-                <a:solidFill>
-                  <a:srgbClr val="000000"/>
-                </a:solidFill>
-                <a:latin typeface="Arial"/>
-                <a:ea typeface="Arial"/>
-                <a:cs typeface="Arial"/>
-                <a:sym typeface="Arial"/>
-              </a:rPr>
-              <a:t>For example, a company may house all their data in a SQL Server database, but needs to gather their source data from Excel, CSV, Access, and JSON files. With ETL, you can take this disparate information, pull it into a staging area where you transform it, then write all the data into the target data store. </a:t>
-            </a:r>
-            <a:endParaRPr/>
-          </a:p>
-        </p:txBody>
-      </p:sp>
-      <p:sp>
-        <p:nvSpPr>
-          <p:cNvPr id="207" name="Google Shape;207;g5e13918e3f_0_88:notes"/>
-          <p:cNvSpPr>
-            <a:spLocks noGrp="1" noRot="1" noChangeAspect="1"/>
-          </p:cNvSpPr>
-          <p:nvPr>
-            <p:ph type="sldImg" idx="2"/>
-          </p:nvPr>
-        </p:nvSpPr>
-        <p:spPr>
-          <a:xfrm>
-            <a:off x="685800" y="1143000"/>
-            <a:ext cx="5486400" cy="3086100"/>
-          </a:xfrm>
-          <a:custGeom>
-            <a:avLst/>
-            <a:gdLst/>
-            <a:ahLst/>
-            <a:cxnLst/>
-            <a:rect l="l" t="t" r="r" b="b"/>
-            <a:pathLst>
-              <a:path w="120000" h="120000" extrusionOk="0">
-                <a:moveTo>
-                  <a:pt x="0" y="0"/>
-                </a:moveTo>
-                <a:lnTo>
-                  <a:pt x="120000" y="0"/>
-                </a:lnTo>
-                <a:lnTo>
-                  <a:pt x="120000" y="120000"/>
-                </a:lnTo>
-                <a:lnTo>
-                  <a:pt x="0" y="120000"/>
-                </a:lnTo>
-                <a:close/>
-              </a:path>
-            </a:pathLst>
-          </a:custGeom>
-        </p:spPr>
-      </p:sp>
-    </p:spTree>
-  </p:cSld>
-  <p:clrMapOvr>
-    <a:masterClrMapping/>
-  </p:clrMapOvr>
-</p:notes>
-</file>
-
-<file path=ppt/notesSlides/notesSlide6.xml><?xml version="1.0" encoding="utf-8"?>
-<p:notes xmlns:a="http://schemas.openxmlformats.org/drawingml/2006/main" xmlns:r="http://schemas.openxmlformats.org/officeDocument/2006/relationships" xmlns:p="http://schemas.openxmlformats.org/presentationml/2006/main" showMasterSp="0" showMasterPhAnim="0">
-  <p:cSld>
-    <p:spTree>
-      <p:nvGrpSpPr>
         <p:cNvPr id="1" name="Shape 213"/>
         <p:cNvGrpSpPr/>
         <p:nvPr/>
@@ -4429,7 +3569,7 @@
             </a:pPr>
             <a:fld id="{00000000-1234-1234-1234-123412341234}" type="slidenum">
               <a:rPr lang="en-US"/>
-              <a:t>6</a:t>
+              <a:t>5</a:t>
             </a:fld>
             <a:endParaRPr/>
           </a:p>
@@ -4443,7 +3583,7 @@
 </p:notes>
 </file>
 
-<file path=ppt/notesSlides/notesSlide7.xml><?xml version="1.0" encoding="utf-8"?>
+<file path=ppt/notesSlides/notesSlide6.xml><?xml version="1.0" encoding="utf-8"?>
 <p:notes xmlns:a="http://schemas.openxmlformats.org/drawingml/2006/main" xmlns:r="http://schemas.openxmlformats.org/officeDocument/2006/relationships" xmlns:p="http://schemas.openxmlformats.org/presentationml/2006/main" showMasterSp="0" showMasterPhAnim="0">
   <p:cSld>
     <p:spTree>
@@ -4579,7 +3719,7 @@
             </a:pPr>
             <a:fld id="{00000000-1234-1234-1234-123412341234}" type="slidenum">
               <a:rPr lang="en-US"/>
-              <a:t>7</a:t>
+              <a:t>6</a:t>
             </a:fld>
             <a:endParaRPr/>
           </a:p>
@@ -4593,7 +3733,7 @@
 </p:notes>
 </file>
 
-<file path=ppt/notesSlides/notesSlide8.xml><?xml version="1.0" encoding="utf-8"?>
+<file path=ppt/notesSlides/notesSlide7.xml><?xml version="1.0" encoding="utf-8"?>
 <p:notes xmlns:a="http://schemas.openxmlformats.org/drawingml/2006/main" xmlns:r="http://schemas.openxmlformats.org/officeDocument/2006/relationships" xmlns:p="http://schemas.openxmlformats.org/presentationml/2006/main" showMasterSp="0" showMasterPhAnim="0">
   <p:cSld>
     <p:spTree>
@@ -4729,7 +3869,7 @@
             </a:pPr>
             <a:fld id="{00000000-1234-1234-1234-123412341234}" type="slidenum">
               <a:rPr lang="en-US"/>
-              <a:t>8</a:t>
+              <a:t>7</a:t>
             </a:fld>
             <a:endParaRPr/>
           </a:p>
@@ -4743,7 +3883,7 @@
 </p:notes>
 </file>
 
-<file path=ppt/notesSlides/notesSlide9.xml><?xml version="1.0" encoding="utf-8"?>
+<file path=ppt/notesSlides/notesSlide8.xml><?xml version="1.0" encoding="utf-8"?>
 <p:notes xmlns:a="http://schemas.openxmlformats.org/drawingml/2006/main" xmlns:r="http://schemas.openxmlformats.org/officeDocument/2006/relationships" xmlns:p="http://schemas.openxmlformats.org/presentationml/2006/main" showMasterSp="0" showMasterPhAnim="0">
   <p:cSld>
     <p:spTree>
@@ -4964,6 +4104,134 @@
             <a:endParaRPr/>
           </a:p>
         </p:txBody>
+      </p:sp>
+    </p:spTree>
+  </p:cSld>
+  <p:clrMapOvr>
+    <a:masterClrMapping/>
+  </p:clrMapOvr>
+</p:notes>
+</file>
+
+<file path=ppt/notesSlides/notesSlide9.xml><?xml version="1.0" encoding="utf-8"?>
+<p:notes xmlns:a="http://schemas.openxmlformats.org/drawingml/2006/main" xmlns:r="http://schemas.openxmlformats.org/officeDocument/2006/relationships" xmlns:p="http://schemas.openxmlformats.org/presentationml/2006/main" showMasterSp="0" showMasterPhAnim="0">
+  <p:cSld>
+    <p:spTree>
+      <p:nvGrpSpPr>
+        <p:cNvPr id="1" name="Shape 247"/>
+        <p:cNvGrpSpPr/>
+        <p:nvPr/>
+      </p:nvGrpSpPr>
+      <p:grpSpPr>
+        <a:xfrm>
+          <a:off x="0" y="0"/>
+          <a:ext cx="0" cy="0"/>
+          <a:chOff x="0" y="0"/>
+          <a:chExt cx="0" cy="0"/>
+        </a:xfrm>
+      </p:grpSpPr>
+      <p:sp>
+        <p:nvSpPr>
+          <p:cNvPr id="248" name="Google Shape;248;g5275e2a24e_0_45:notes"/>
+          <p:cNvSpPr txBox="1">
+            <a:spLocks noGrp="1"/>
+          </p:cNvSpPr>
+          <p:nvPr>
+            <p:ph type="body" idx="1"/>
+          </p:nvPr>
+        </p:nvSpPr>
+        <p:spPr>
+          <a:xfrm>
+            <a:off x="685800" y="4400550"/>
+            <a:ext cx="5486400" cy="3600600"/>
+          </a:xfrm>
+          <a:prstGeom prst="rect">
+            <a:avLst/>
+          </a:prstGeom>
+          <a:noFill/>
+          <a:ln>
+            <a:noFill/>
+          </a:ln>
+        </p:spPr>
+        <p:txBody>
+          <a:bodyPr spcFirstLastPara="1" wrap="square" lIns="91425" tIns="45700" rIns="91425" bIns="45700" anchor="t" anchorCtr="0">
+            <a:noAutofit/>
+          </a:bodyPr>
+          <a:lstStyle/>
+          <a:p>
+            <a:pPr marL="0" lvl="0" indent="0" algn="l" rtl="0">
+              <a:lnSpc>
+                <a:spcPct val="100000"/>
+              </a:lnSpc>
+              <a:spcBef>
+                <a:spcPts val="0"/>
+              </a:spcBef>
+              <a:spcAft>
+                <a:spcPts val="0"/>
+              </a:spcAft>
+              <a:buSzPts val="1400"/>
+              <a:buNone/>
+            </a:pPr>
+            <a:r>
+              <a:rPr lang="en-US" dirty="0">
+                <a:hlinkClick r:id="rId3"/>
+              </a:rPr>
+              <a:t>NoSQL &amp; Hadoop Intro: https://datajobs.com/what-is-hadoop-and-nosql</a:t>
+            </a:r>
+            <a:endParaRPr dirty="0"/>
+          </a:p>
+        </p:txBody>
+      </p:sp>
+      <p:sp>
+        <p:nvSpPr>
+          <p:cNvPr id="249" name="Google Shape;249;g5275e2a24e_0_45:notes"/>
+          <p:cNvSpPr>
+            <a:spLocks noGrp="1" noRot="1" noChangeAspect="1"/>
+          </p:cNvSpPr>
+          <p:nvPr>
+            <p:ph type="sldImg" idx="2"/>
+          </p:nvPr>
+        </p:nvSpPr>
+        <p:spPr>
+          <a:xfrm>
+            <a:off x="685800" y="1143000"/>
+            <a:ext cx="5486400" cy="3086100"/>
+          </a:xfrm>
+          <a:custGeom>
+            <a:avLst/>
+            <a:gdLst/>
+            <a:ahLst/>
+            <a:cxnLst/>
+            <a:rect l="l" t="t" r="r" b="b"/>
+            <a:pathLst>
+              <a:path w="120000" h="120000" extrusionOk="0">
+                <a:moveTo>
+                  <a:pt x="0" y="0"/>
+                </a:moveTo>
+                <a:lnTo>
+                  <a:pt x="120000" y="0"/>
+                </a:lnTo>
+                <a:lnTo>
+                  <a:pt x="120000" y="120000"/>
+                </a:lnTo>
+                <a:lnTo>
+                  <a:pt x="0" y="120000"/>
+                </a:lnTo>
+                <a:close/>
+              </a:path>
+            </a:pathLst>
+          </a:custGeom>
+          <a:noFill/>
+          <a:ln w="12700" cap="flat" cmpd="sng">
+            <a:solidFill>
+              <a:srgbClr val="000000"/>
+            </a:solidFill>
+            <a:prstDash val="solid"/>
+            <a:round/>
+            <a:headEnd type="none" w="sm" len="sm"/>
+            <a:tailEnd type="none" w="sm" len="sm"/>
+          </a:ln>
+        </p:spPr>
       </p:sp>
     </p:spTree>
   </p:cSld>
@@ -23458,631 +22726,6 @@
   <p:cSld>
     <p:spTree>
       <p:nvGrpSpPr>
-        <p:cNvPr id="1" name="Shape 250"/>
-        <p:cNvGrpSpPr/>
-        <p:nvPr/>
-      </p:nvGrpSpPr>
-      <p:grpSpPr>
-        <a:xfrm>
-          <a:off x="0" y="0"/>
-          <a:ext cx="0" cy="0"/>
-          <a:chOff x="0" y="0"/>
-          <a:chExt cx="0" cy="0"/>
-        </a:xfrm>
-      </p:grpSpPr>
-      <p:sp>
-        <p:nvSpPr>
-          <p:cNvPr id="251" name="Google Shape;251;p37"/>
-          <p:cNvSpPr txBox="1">
-            <a:spLocks noGrp="1"/>
-          </p:cNvSpPr>
-          <p:nvPr>
-            <p:ph type="ctrTitle"/>
-          </p:nvPr>
-        </p:nvSpPr>
-        <p:spPr>
-          <a:xfrm>
-            <a:off x="913795" y="609600"/>
-            <a:ext cx="10353900" cy="970500"/>
-          </a:xfrm>
-          <a:prstGeom prst="rect">
-            <a:avLst/>
-          </a:prstGeom>
-          <a:noFill/>
-          <a:ln>
-            <a:noFill/>
-          </a:ln>
-          <a:effectLst>
-            <a:outerShdw blurRad="25400">
-              <a:srgbClr val="000000">
-                <a:alpha val="45490"/>
-              </a:srgbClr>
-            </a:outerShdw>
-          </a:effectLst>
-        </p:spPr>
-        <p:txBody>
-          <a:bodyPr spcFirstLastPara="1" wrap="square" lIns="91425" tIns="45700" rIns="91425" bIns="45700" anchor="ctr" anchorCtr="0">
-            <a:noAutofit/>
-          </a:bodyPr>
-          <a:lstStyle/>
-          <a:p>
-            <a:pPr marL="0" lvl="0" indent="0" algn="l" rtl="0">
-              <a:lnSpc>
-                <a:spcPct val="100000"/>
-              </a:lnSpc>
-              <a:spcBef>
-                <a:spcPts val="0"/>
-              </a:spcBef>
-              <a:spcAft>
-                <a:spcPts val="0"/>
-              </a:spcAft>
-              <a:buClr>
-                <a:schemeClr val="lt2"/>
-              </a:buClr>
-              <a:buSzPts val="4000"/>
-              <a:buFont typeface="Lustria"/>
-              <a:buNone/>
-            </a:pPr>
-            <a:r>
-              <a:rPr lang="en-US" sz="3000" dirty="0"/>
-              <a:t>What is NoSQL?</a:t>
-            </a:r>
-            <a:endParaRPr sz="3000" dirty="0"/>
-          </a:p>
-        </p:txBody>
-      </p:sp>
-      <p:sp>
-        <p:nvSpPr>
-          <p:cNvPr id="252" name="Google Shape;252;p37"/>
-          <p:cNvSpPr txBox="1"/>
-          <p:nvPr/>
-        </p:nvSpPr>
-        <p:spPr>
-          <a:xfrm>
-            <a:off x="443375" y="1580100"/>
-            <a:ext cx="11456700" cy="1417200"/>
-          </a:xfrm>
-          <a:prstGeom prst="rect">
-            <a:avLst/>
-          </a:prstGeom>
-          <a:noFill/>
-          <a:ln>
-            <a:noFill/>
-          </a:ln>
-        </p:spPr>
-        <p:txBody>
-          <a:bodyPr spcFirstLastPara="1" wrap="square" lIns="91425" tIns="91425" rIns="91425" bIns="91425" anchor="t" anchorCtr="0">
-            <a:noAutofit/>
-          </a:bodyPr>
-          <a:lstStyle/>
-          <a:p>
-            <a:pPr marL="457200" marR="0" lvl="0" indent="0" algn="l" rtl="0">
-              <a:lnSpc>
-                <a:spcPct val="100000"/>
-              </a:lnSpc>
-              <a:spcBef>
-                <a:spcPts val="0"/>
-              </a:spcBef>
-              <a:spcAft>
-                <a:spcPts val="0"/>
-              </a:spcAft>
-              <a:buNone/>
-            </a:pPr>
-            <a:r>
-              <a:rPr lang="en-US" sz="1800" dirty="0">
-                <a:latin typeface="Lato"/>
-                <a:ea typeface="Lato"/>
-                <a:cs typeface="Lato"/>
-                <a:sym typeface="Lato"/>
-              </a:rPr>
-              <a:t> NoSQL is a way of saying “non-relational” or an alternative to traditional relational databases. These database systems are not built on tables and do not need SQL language to be used to manipulate data. </a:t>
-            </a:r>
-          </a:p>
-          <a:p>
-            <a:pPr marL="457200" marR="0" lvl="0" indent="0" algn="l" rtl="0">
-              <a:lnSpc>
-                <a:spcPct val="100000"/>
-              </a:lnSpc>
-              <a:spcBef>
-                <a:spcPts val="0"/>
-              </a:spcBef>
-              <a:spcAft>
-                <a:spcPts val="0"/>
-              </a:spcAft>
-              <a:buNone/>
-            </a:pPr>
-            <a:endParaRPr lang="en-US" sz="1800" dirty="0">
-              <a:latin typeface="Lato"/>
-              <a:ea typeface="Lato"/>
-              <a:cs typeface="Lato"/>
-              <a:sym typeface="Lato"/>
-            </a:endParaRPr>
-          </a:p>
-          <a:p>
-            <a:pPr marL="457200" marR="0" lvl="0" indent="0" algn="l" rtl="0">
-              <a:lnSpc>
-                <a:spcPct val="100000"/>
-              </a:lnSpc>
-              <a:spcBef>
-                <a:spcPts val="0"/>
-              </a:spcBef>
-              <a:spcAft>
-                <a:spcPts val="0"/>
-              </a:spcAft>
-              <a:buNone/>
-            </a:pPr>
-            <a:r>
-              <a:rPr lang="en-US" sz="1800" dirty="0">
-                <a:latin typeface="Lato"/>
-                <a:ea typeface="Lato"/>
-                <a:cs typeface="Lato"/>
-                <a:sym typeface="Lato"/>
-              </a:rPr>
-              <a:t>NoSQL databases can handle semi-structured and unstructured data, which is essential in Data Science.</a:t>
-            </a:r>
-            <a:endParaRPr sz="1800" dirty="0">
-              <a:latin typeface="Lato"/>
-              <a:ea typeface="Lato"/>
-              <a:cs typeface="Lato"/>
-              <a:sym typeface="Lato"/>
-            </a:endParaRPr>
-          </a:p>
-          <a:p>
-            <a:pPr marL="457200" marR="0" lvl="0" indent="0" algn="l" rtl="0">
-              <a:lnSpc>
-                <a:spcPct val="100000"/>
-              </a:lnSpc>
-              <a:spcBef>
-                <a:spcPts val="0"/>
-              </a:spcBef>
-              <a:spcAft>
-                <a:spcPts val="0"/>
-              </a:spcAft>
-              <a:buNone/>
-            </a:pPr>
-            <a:endParaRPr sz="1800" dirty="0">
-              <a:latin typeface="Lato"/>
-              <a:ea typeface="Lato"/>
-              <a:cs typeface="Lato"/>
-              <a:sym typeface="Lato"/>
-            </a:endParaRPr>
-          </a:p>
-          <a:p>
-            <a:pPr marL="457200" marR="0" lvl="0" indent="0" algn="l" rtl="0">
-              <a:lnSpc>
-                <a:spcPct val="100000"/>
-              </a:lnSpc>
-              <a:spcBef>
-                <a:spcPts val="0"/>
-              </a:spcBef>
-              <a:spcAft>
-                <a:spcPts val="0"/>
-              </a:spcAft>
-              <a:buNone/>
-            </a:pPr>
-            <a:endParaRPr sz="1800" dirty="0">
-              <a:latin typeface="Lato"/>
-              <a:ea typeface="Lato"/>
-              <a:cs typeface="Lato"/>
-              <a:sym typeface="Lato"/>
-            </a:endParaRPr>
-          </a:p>
-          <a:p>
-            <a:pPr marL="457200" marR="0" lvl="0" indent="0" algn="l" rtl="0">
-              <a:lnSpc>
-                <a:spcPct val="100000"/>
-              </a:lnSpc>
-              <a:spcBef>
-                <a:spcPts val="0"/>
-              </a:spcBef>
-              <a:spcAft>
-                <a:spcPts val="0"/>
-              </a:spcAft>
-              <a:buNone/>
-            </a:pPr>
-            <a:endParaRPr sz="1800" dirty="0">
-              <a:latin typeface="Lato"/>
-              <a:ea typeface="Lato"/>
-              <a:cs typeface="Lato"/>
-              <a:sym typeface="Lato"/>
-            </a:endParaRPr>
-          </a:p>
-          <a:p>
-            <a:pPr marL="457200" marR="0" lvl="0" indent="0" algn="l" rtl="0">
-              <a:lnSpc>
-                <a:spcPct val="100000"/>
-              </a:lnSpc>
-              <a:spcBef>
-                <a:spcPts val="0"/>
-              </a:spcBef>
-              <a:spcAft>
-                <a:spcPts val="0"/>
-              </a:spcAft>
-              <a:buNone/>
-            </a:pPr>
-            <a:endParaRPr sz="1800" dirty="0">
-              <a:latin typeface="Lato"/>
-              <a:ea typeface="Lato"/>
-              <a:cs typeface="Lato"/>
-              <a:sym typeface="Lato"/>
-            </a:endParaRPr>
-          </a:p>
-        </p:txBody>
-      </p:sp>
-      <p:sp>
-        <p:nvSpPr>
-          <p:cNvPr id="253" name="Google Shape;253;p37"/>
-          <p:cNvSpPr txBox="1"/>
-          <p:nvPr/>
-        </p:nvSpPr>
-        <p:spPr>
-          <a:xfrm>
-            <a:off x="1108846" y="2851288"/>
-            <a:ext cx="4242384" cy="3502500"/>
-          </a:xfrm>
-          <a:prstGeom prst="rect">
-            <a:avLst/>
-          </a:prstGeom>
-          <a:noFill/>
-          <a:ln>
-            <a:noFill/>
-          </a:ln>
-        </p:spPr>
-        <p:txBody>
-          <a:bodyPr spcFirstLastPara="1" wrap="square" lIns="91425" tIns="91425" rIns="91425" bIns="91425" anchor="t" anchorCtr="0">
-            <a:noAutofit/>
-          </a:bodyPr>
-          <a:lstStyle/>
-          <a:p>
-            <a:pPr marL="0" lvl="0" indent="0" algn="ctr" rtl="0">
-              <a:spcBef>
-                <a:spcPts val="0"/>
-              </a:spcBef>
-              <a:spcAft>
-                <a:spcPts val="0"/>
-              </a:spcAft>
-              <a:buNone/>
-            </a:pPr>
-            <a:r>
-              <a:rPr lang="en-US" sz="1800" b="1" dirty="0">
-                <a:latin typeface="Lato"/>
-                <a:ea typeface="Lato"/>
-                <a:cs typeface="Lato"/>
-                <a:sym typeface="Lato"/>
-              </a:rPr>
-              <a:t>What are Some Examples </a:t>
-            </a:r>
-            <a:endParaRPr sz="1800" b="1" dirty="0">
-              <a:latin typeface="Lato"/>
-              <a:ea typeface="Lato"/>
-              <a:cs typeface="Lato"/>
-              <a:sym typeface="Lato"/>
-            </a:endParaRPr>
-          </a:p>
-          <a:p>
-            <a:pPr marL="0" lvl="0" indent="0" algn="ctr" rtl="0">
-              <a:spcBef>
-                <a:spcPts val="0"/>
-              </a:spcBef>
-              <a:spcAft>
-                <a:spcPts val="0"/>
-              </a:spcAft>
-              <a:buNone/>
-            </a:pPr>
-            <a:r>
-              <a:rPr lang="en-US" sz="1800" b="1" dirty="0">
-                <a:latin typeface="Lato"/>
-                <a:ea typeface="Lato"/>
-                <a:cs typeface="Lato"/>
-                <a:sym typeface="Lato"/>
-              </a:rPr>
-              <a:t>of NoSQL Databases?</a:t>
-            </a:r>
-          </a:p>
-          <a:p>
-            <a:pPr marL="0" lvl="0" indent="0" algn="ctr" rtl="0">
-              <a:spcBef>
-                <a:spcPts val="0"/>
-              </a:spcBef>
-              <a:spcAft>
-                <a:spcPts val="0"/>
-              </a:spcAft>
-              <a:buNone/>
-            </a:pPr>
-            <a:endParaRPr sz="1800" dirty="0">
-              <a:latin typeface="Lato"/>
-              <a:ea typeface="Lato"/>
-              <a:cs typeface="Lato"/>
-              <a:sym typeface="Lato"/>
-            </a:endParaRPr>
-          </a:p>
-          <a:p>
-            <a:pPr marL="457200" lvl="0" indent="-342900" algn="l" rtl="0">
-              <a:lnSpc>
-                <a:spcPct val="115000"/>
-              </a:lnSpc>
-              <a:spcBef>
-                <a:spcPts val="0"/>
-              </a:spcBef>
-              <a:spcAft>
-                <a:spcPts val="0"/>
-              </a:spcAft>
-              <a:buSzPts val="1800"/>
-              <a:buFont typeface="Lato"/>
-              <a:buChar char="●"/>
-            </a:pPr>
-            <a:r>
-              <a:rPr lang="en-US" sz="1800" dirty="0">
-                <a:latin typeface="Lato"/>
-                <a:ea typeface="Lato"/>
-                <a:cs typeface="Lato"/>
-                <a:sym typeface="Lato"/>
-              </a:rPr>
-              <a:t>MongoDB - Open Source</a:t>
-            </a:r>
-            <a:endParaRPr sz="1800" dirty="0">
-              <a:latin typeface="Lato"/>
-              <a:ea typeface="Lato"/>
-              <a:cs typeface="Lato"/>
-              <a:sym typeface="Lato"/>
-            </a:endParaRPr>
-          </a:p>
-          <a:p>
-            <a:pPr marL="457200" lvl="0" indent="-342900" algn="l" rtl="0">
-              <a:lnSpc>
-                <a:spcPct val="115000"/>
-              </a:lnSpc>
-              <a:spcBef>
-                <a:spcPts val="0"/>
-              </a:spcBef>
-              <a:spcAft>
-                <a:spcPts val="0"/>
-              </a:spcAft>
-              <a:buSzPts val="1800"/>
-              <a:buFont typeface="Lato"/>
-              <a:buChar char="●"/>
-            </a:pPr>
-            <a:r>
-              <a:rPr lang="en-US" sz="1800" dirty="0">
-                <a:latin typeface="Lato"/>
-                <a:ea typeface="Lato"/>
-                <a:cs typeface="Lato"/>
-                <a:sym typeface="Lato"/>
-              </a:rPr>
-              <a:t>Apache Cassandra - Open Source</a:t>
-            </a:r>
-          </a:p>
-          <a:p>
-            <a:pPr marL="457200" lvl="0" indent="-342900" algn="l" rtl="0">
-              <a:lnSpc>
-                <a:spcPct val="115000"/>
-              </a:lnSpc>
-              <a:spcBef>
-                <a:spcPts val="0"/>
-              </a:spcBef>
-              <a:spcAft>
-                <a:spcPts val="0"/>
-              </a:spcAft>
-              <a:buSzPts val="1800"/>
-              <a:buFont typeface="Lato"/>
-              <a:buChar char="●"/>
-            </a:pPr>
-            <a:r>
-              <a:rPr lang="en-US" sz="1800" dirty="0">
-                <a:latin typeface="Lato"/>
-                <a:ea typeface="Lato"/>
-                <a:cs typeface="Lato"/>
-                <a:sym typeface="Lato"/>
-              </a:rPr>
-              <a:t>Couchbase - Open Source</a:t>
-            </a:r>
-            <a:endParaRPr sz="1800" dirty="0">
-              <a:latin typeface="Lato"/>
-              <a:ea typeface="Lato"/>
-              <a:cs typeface="Lato"/>
-              <a:sym typeface="Lato"/>
-            </a:endParaRPr>
-          </a:p>
-          <a:p>
-            <a:pPr marL="457200" lvl="0" indent="-342900" algn="l" rtl="0">
-              <a:lnSpc>
-                <a:spcPct val="115000"/>
-              </a:lnSpc>
-              <a:spcBef>
-                <a:spcPts val="0"/>
-              </a:spcBef>
-              <a:spcAft>
-                <a:spcPts val="0"/>
-              </a:spcAft>
-              <a:buSzPts val="1800"/>
-              <a:buFont typeface="Lato"/>
-              <a:buChar char="●"/>
-            </a:pPr>
-            <a:r>
-              <a:rPr lang="en-US" sz="1800" dirty="0">
-                <a:latin typeface="Lato"/>
-                <a:ea typeface="Lato"/>
-                <a:cs typeface="Lato"/>
-                <a:sym typeface="Lato"/>
-              </a:rPr>
-              <a:t>MS Azure Cosmos DB</a:t>
-            </a:r>
-            <a:endParaRPr sz="1800" dirty="0">
-              <a:latin typeface="Lato"/>
-              <a:ea typeface="Lato"/>
-              <a:cs typeface="Lato"/>
-              <a:sym typeface="Lato"/>
-            </a:endParaRPr>
-          </a:p>
-          <a:p>
-            <a:pPr marL="457200" lvl="0" indent="-342900" algn="l" rtl="0">
-              <a:lnSpc>
-                <a:spcPct val="115000"/>
-              </a:lnSpc>
-              <a:spcBef>
-                <a:spcPts val="0"/>
-              </a:spcBef>
-              <a:spcAft>
-                <a:spcPts val="0"/>
-              </a:spcAft>
-              <a:buSzPts val="1800"/>
-              <a:buFont typeface="Lato"/>
-              <a:buChar char="●"/>
-            </a:pPr>
-            <a:r>
-              <a:rPr lang="en-US" sz="1800" dirty="0">
-                <a:latin typeface="Lato"/>
-                <a:ea typeface="Lato"/>
-                <a:cs typeface="Lato"/>
-                <a:sym typeface="Lato"/>
-              </a:rPr>
-              <a:t>Amazon DynamoDB</a:t>
-            </a:r>
-            <a:endParaRPr sz="1800" dirty="0">
-              <a:latin typeface="Lato"/>
-              <a:ea typeface="Lato"/>
-              <a:cs typeface="Lato"/>
-              <a:sym typeface="Lato"/>
-            </a:endParaRPr>
-          </a:p>
-          <a:p>
-            <a:pPr marL="457200" lvl="0" indent="-342900" algn="l" rtl="0">
-              <a:lnSpc>
-                <a:spcPct val="115000"/>
-              </a:lnSpc>
-              <a:spcBef>
-                <a:spcPts val="0"/>
-              </a:spcBef>
-              <a:spcAft>
-                <a:spcPts val="0"/>
-              </a:spcAft>
-              <a:buSzPts val="1800"/>
-              <a:buFont typeface="Lato"/>
-              <a:buChar char="●"/>
-            </a:pPr>
-            <a:r>
-              <a:rPr lang="en-US" sz="1800" dirty="0">
-                <a:latin typeface="Lato"/>
-                <a:ea typeface="Lato"/>
-                <a:cs typeface="Lato"/>
-                <a:sym typeface="Lato"/>
-              </a:rPr>
-              <a:t>Google Cloud Platform </a:t>
-            </a:r>
-            <a:endParaRPr sz="1800" dirty="0">
-              <a:latin typeface="Lato"/>
-              <a:ea typeface="Lato"/>
-              <a:cs typeface="Lato"/>
-              <a:sym typeface="Lato"/>
-            </a:endParaRPr>
-          </a:p>
-          <a:p>
-            <a:pPr marL="914400" lvl="1" indent="-342900" algn="l" rtl="0">
-              <a:lnSpc>
-                <a:spcPct val="115000"/>
-              </a:lnSpc>
-              <a:spcBef>
-                <a:spcPts val="0"/>
-              </a:spcBef>
-              <a:spcAft>
-                <a:spcPts val="0"/>
-              </a:spcAft>
-              <a:buSzPts val="1800"/>
-              <a:buFont typeface="Lato"/>
-              <a:buChar char="○"/>
-            </a:pPr>
-            <a:r>
-              <a:rPr lang="en-US" sz="1800" dirty="0">
-                <a:latin typeface="Lato"/>
-                <a:ea typeface="Lato"/>
-                <a:cs typeface="Lato"/>
-                <a:sym typeface="Lato"/>
-              </a:rPr>
-              <a:t>Cloud Datastore </a:t>
-            </a:r>
-            <a:endParaRPr sz="1800" dirty="0">
-              <a:latin typeface="Lato"/>
-              <a:ea typeface="Lato"/>
-              <a:cs typeface="Lato"/>
-              <a:sym typeface="Lato"/>
-            </a:endParaRPr>
-          </a:p>
-          <a:p>
-            <a:pPr marL="914400" lvl="1" indent="-342900" algn="l" rtl="0">
-              <a:lnSpc>
-                <a:spcPct val="115000"/>
-              </a:lnSpc>
-              <a:spcBef>
-                <a:spcPts val="0"/>
-              </a:spcBef>
-              <a:spcAft>
-                <a:spcPts val="0"/>
-              </a:spcAft>
-              <a:buSzPts val="1800"/>
-              <a:buFont typeface="Lato"/>
-              <a:buChar char="○"/>
-            </a:pPr>
-            <a:r>
-              <a:rPr lang="en-US" sz="1800" dirty="0">
-                <a:latin typeface="Lato"/>
-                <a:ea typeface="Lato"/>
-                <a:cs typeface="Lato"/>
-                <a:sym typeface="Lato"/>
-              </a:rPr>
-              <a:t>Cloud Bigtable</a:t>
-            </a:r>
-            <a:endParaRPr sz="1800" dirty="0">
-              <a:latin typeface="Lato"/>
-              <a:ea typeface="Lato"/>
-              <a:cs typeface="Lato"/>
-              <a:sym typeface="Lato"/>
-            </a:endParaRPr>
-          </a:p>
-        </p:txBody>
-      </p:sp>
-      <p:pic>
-        <p:nvPicPr>
-          <p:cNvPr id="2" name="Picture 1">
-            <a:extLst>
-              <a:ext uri="{FF2B5EF4-FFF2-40B4-BE49-F238E27FC236}">
-                <a16:creationId xmlns:a16="http://schemas.microsoft.com/office/drawing/2014/main" id="{1DA99889-3E80-4FD8-91A4-CB2EB07A095F}"/>
-              </a:ext>
-            </a:extLst>
-          </p:cNvPr>
-          <p:cNvPicPr>
-            <a:picLocks noChangeAspect="1"/>
-          </p:cNvPicPr>
-          <p:nvPr/>
-        </p:nvPicPr>
-        <p:blipFill>
-          <a:blip r:embed="rId3"/>
-          <a:stretch>
-            <a:fillRect/>
-          </a:stretch>
-        </p:blipFill>
-        <p:spPr>
-          <a:xfrm>
-            <a:off x="5617555" y="3089078"/>
-            <a:ext cx="5743575" cy="3429000"/>
-          </a:xfrm>
-          <a:prstGeom prst="rect">
-            <a:avLst/>
-          </a:prstGeom>
-        </p:spPr>
-      </p:pic>
-    </p:spTree>
-  </p:cSld>
-  <p:clrMapOvr>
-    <a:masterClrMapping/>
-  </p:clrMapOvr>
-</p:sld>
-</file>
-
-<file path=ppt/slides/slide11.xml><?xml version="1.0" encoding="utf-8"?>
-<p:sld xmlns:a="http://schemas.openxmlformats.org/drawingml/2006/main" xmlns:r="http://schemas.openxmlformats.org/officeDocument/2006/relationships" xmlns:p="http://schemas.openxmlformats.org/presentationml/2006/main">
-  <p:cSld>
-    <p:spTree>
-      <p:nvGrpSpPr>
         <p:cNvPr id="1" name="Shape 258"/>
         <p:cNvGrpSpPr/>
         <p:nvPr/>
@@ -24588,7 +23231,7 @@
 </p:sld>
 </file>
 
-<file path=ppt/slides/slide12.xml><?xml version="1.0" encoding="utf-8"?>
+<file path=ppt/slides/slide11.xml><?xml version="1.0" encoding="utf-8"?>
 <p:sld xmlns:a="http://schemas.openxmlformats.org/drawingml/2006/main" xmlns:r="http://schemas.openxmlformats.org/officeDocument/2006/relationships" xmlns:p="http://schemas.openxmlformats.org/presentationml/2006/main">
   <p:cSld>
     <p:spTree>
@@ -24742,7 +23385,7 @@
 </p:sld>
 </file>
 
-<file path=ppt/slides/slide13.xml><?xml version="1.0" encoding="utf-8"?>
+<file path=ppt/slides/slide12.xml><?xml version="1.0" encoding="utf-8"?>
 <p:sld xmlns:a="http://schemas.openxmlformats.org/drawingml/2006/main" xmlns:r="http://schemas.openxmlformats.org/officeDocument/2006/relationships" xmlns:p="http://schemas.openxmlformats.org/presentationml/2006/main">
   <p:cSld>
     <p:spTree>
@@ -25105,7 +23748,7 @@
 </p:sld>
 </file>
 
-<file path=ppt/slides/slide14.xml><?xml version="1.0" encoding="utf-8"?>
+<file path=ppt/slides/slide13.xml><?xml version="1.0" encoding="utf-8"?>
 <p:sld xmlns:a="http://schemas.openxmlformats.org/drawingml/2006/main" xmlns:r="http://schemas.openxmlformats.org/officeDocument/2006/relationships" xmlns:p="http://schemas.openxmlformats.org/presentationml/2006/main">
   <p:cSld>
     <p:spTree>
@@ -25749,7 +24392,7 @@
 </p:sld>
 </file>
 
-<file path=ppt/slides/slide15.xml><?xml version="1.0" encoding="utf-8"?>
+<file path=ppt/slides/slide14.xml><?xml version="1.0" encoding="utf-8"?>
 <p:sld xmlns:a="http://schemas.openxmlformats.org/drawingml/2006/main" xmlns:r="http://schemas.openxmlformats.org/officeDocument/2006/relationships" xmlns:p="http://schemas.openxmlformats.org/presentationml/2006/main">
   <p:cSld>
     <p:spTree>
@@ -26967,7 +25610,7 @@
 </p:sld>
 </file>
 
-<file path=ppt/slides/slide16.xml><?xml version="1.0" encoding="utf-8"?>
+<file path=ppt/slides/slide15.xml><?xml version="1.0" encoding="utf-8"?>
 <p:sld xmlns:a="http://schemas.openxmlformats.org/drawingml/2006/main" xmlns:r="http://schemas.openxmlformats.org/officeDocument/2006/relationships" xmlns:p="http://schemas.openxmlformats.org/presentationml/2006/main">
   <p:cSld>
     <p:spTree>
@@ -27034,429 +25677,7 @@
 </p:sld>
 </file>
 
-<file path=ppt/slides/slide17.xml><?xml version="1.0" encoding="utf-8"?>
-<p:sld xmlns:a="http://schemas.openxmlformats.org/drawingml/2006/main" xmlns:r="http://schemas.openxmlformats.org/officeDocument/2006/relationships" xmlns:p="http://schemas.openxmlformats.org/presentationml/2006/main">
-  <p:cSld>
-    <p:spTree>
-      <p:nvGrpSpPr>
-        <p:cNvPr id="1" name="Shape 301"/>
-        <p:cNvGrpSpPr/>
-        <p:nvPr/>
-      </p:nvGrpSpPr>
-      <p:grpSpPr>
-        <a:xfrm>
-          <a:off x="0" y="0"/>
-          <a:ext cx="0" cy="0"/>
-          <a:chOff x="0" y="0"/>
-          <a:chExt cx="0" cy="0"/>
-        </a:xfrm>
-      </p:grpSpPr>
-      <p:sp>
-        <p:nvSpPr>
-          <p:cNvPr id="302" name="Google Shape;302;p44"/>
-          <p:cNvSpPr txBox="1">
-            <a:spLocks noGrp="1"/>
-          </p:cNvSpPr>
-          <p:nvPr>
-            <p:ph type="ctrTitle"/>
-          </p:nvPr>
-        </p:nvSpPr>
-        <p:spPr>
-          <a:xfrm>
-            <a:off x="913795" y="609600"/>
-            <a:ext cx="10353900" cy="970500"/>
-          </a:xfrm>
-          <a:prstGeom prst="rect">
-            <a:avLst/>
-          </a:prstGeom>
-          <a:noFill/>
-          <a:ln>
-            <a:noFill/>
-          </a:ln>
-          <a:effectLst>
-            <a:outerShdw blurRad="25400">
-              <a:srgbClr val="000000">
-                <a:alpha val="45880"/>
-              </a:srgbClr>
-            </a:outerShdw>
-          </a:effectLst>
-        </p:spPr>
-        <p:txBody>
-          <a:bodyPr spcFirstLastPara="1" wrap="square" lIns="91425" tIns="45700" rIns="91425" bIns="45700" anchor="ctr" anchorCtr="0">
-            <a:noAutofit/>
-          </a:bodyPr>
-          <a:lstStyle/>
-          <a:p>
-            <a:pPr marL="0" lvl="0" indent="0" algn="l" rtl="0">
-              <a:spcBef>
-                <a:spcPts val="0"/>
-              </a:spcBef>
-              <a:spcAft>
-                <a:spcPts val="0"/>
-              </a:spcAft>
-              <a:buClr>
-                <a:schemeClr val="lt2"/>
-              </a:buClr>
-              <a:buSzPts val="4000"/>
-              <a:buFont typeface="Lustria"/>
-              <a:buNone/>
-            </a:pPr>
-            <a:r>
-              <a:rPr lang="en-US" sz="4800"/>
-              <a:t>Appendix A: ETL Using Python</a:t>
-            </a:r>
-            <a:endParaRPr sz="4800"/>
-          </a:p>
-        </p:txBody>
-      </p:sp>
-      <p:sp>
-        <p:nvSpPr>
-          <p:cNvPr id="303" name="Google Shape;303;p44"/>
-          <p:cNvSpPr txBox="1"/>
-          <p:nvPr/>
-        </p:nvSpPr>
-        <p:spPr>
-          <a:xfrm>
-            <a:off x="592075" y="1678775"/>
-            <a:ext cx="11130600" cy="4776300"/>
-          </a:xfrm>
-          <a:prstGeom prst="rect">
-            <a:avLst/>
-          </a:prstGeom>
-          <a:noFill/>
-          <a:ln>
-            <a:noFill/>
-          </a:ln>
-        </p:spPr>
-        <p:txBody>
-          <a:bodyPr spcFirstLastPara="1" wrap="square" lIns="91425" tIns="91425" rIns="91425" bIns="91425" anchor="t" anchorCtr="0">
-            <a:noAutofit/>
-          </a:bodyPr>
-          <a:lstStyle/>
-          <a:p>
-            <a:pPr marL="0" lvl="0" indent="0" algn="l" rtl="0">
-              <a:spcBef>
-                <a:spcPts val="0"/>
-              </a:spcBef>
-              <a:spcAft>
-                <a:spcPts val="0"/>
-              </a:spcAft>
-              <a:buClr>
-                <a:srgbClr val="000000"/>
-              </a:buClr>
-              <a:buSzPts val="1100"/>
-              <a:buFont typeface="Arial"/>
-              <a:buNone/>
-            </a:pPr>
-            <a:r>
-              <a:rPr lang="en-US" sz="1800"/>
-              <a:t>You can run an ETL process with either an ETL tool or by running scripts you design yourself. While there are many software based ETL tools on the market, it’s becoming more and more common to create ETL processes using a scripting language.</a:t>
-            </a:r>
-            <a:endParaRPr sz="1800"/>
-          </a:p>
-          <a:p>
-            <a:pPr marL="0" lvl="0" indent="0" algn="l" rtl="0">
-              <a:spcBef>
-                <a:spcPts val="0"/>
-              </a:spcBef>
-              <a:spcAft>
-                <a:spcPts val="0"/>
-              </a:spcAft>
-              <a:buNone/>
-            </a:pPr>
-            <a:endParaRPr sz="1800"/>
-          </a:p>
-          <a:p>
-            <a:pPr marL="0" lvl="0" indent="0" algn="l" rtl="0">
-              <a:spcBef>
-                <a:spcPts val="0"/>
-              </a:spcBef>
-              <a:spcAft>
-                <a:spcPts val="0"/>
-              </a:spcAft>
-              <a:buClr>
-                <a:srgbClr val="000000"/>
-              </a:buClr>
-              <a:buSzPts val="1100"/>
-              <a:buFont typeface="Arial"/>
-              <a:buNone/>
-            </a:pPr>
-            <a:endParaRPr sz="1800"/>
-          </a:p>
-          <a:p>
-            <a:pPr marL="0" lvl="0" indent="0" algn="l" rtl="0">
-              <a:spcBef>
-                <a:spcPts val="0"/>
-              </a:spcBef>
-              <a:spcAft>
-                <a:spcPts val="0"/>
-              </a:spcAft>
-              <a:buNone/>
-            </a:pPr>
-            <a:endParaRPr>
-              <a:latin typeface="Lato"/>
-              <a:ea typeface="Lato"/>
-              <a:cs typeface="Lato"/>
-              <a:sym typeface="Lato"/>
-            </a:endParaRPr>
-          </a:p>
-        </p:txBody>
-      </p:sp>
-      <p:sp>
-        <p:nvSpPr>
-          <p:cNvPr id="304" name="Google Shape;304;p44"/>
-          <p:cNvSpPr txBox="1"/>
-          <p:nvPr/>
-        </p:nvSpPr>
-        <p:spPr>
-          <a:xfrm>
-            <a:off x="216975" y="2726675"/>
-            <a:ext cx="5162700" cy="3000000"/>
-          </a:xfrm>
-          <a:prstGeom prst="rect">
-            <a:avLst/>
-          </a:prstGeom>
-          <a:noFill/>
-          <a:ln>
-            <a:noFill/>
-          </a:ln>
-        </p:spPr>
-        <p:txBody>
-          <a:bodyPr spcFirstLastPara="1" wrap="square" lIns="91425" tIns="91425" rIns="91425" bIns="91425" anchor="t" anchorCtr="0">
-            <a:noAutofit/>
-          </a:bodyPr>
-          <a:lstStyle/>
-          <a:p>
-            <a:pPr marL="0" lvl="0" indent="0" algn="l" rtl="0">
-              <a:spcBef>
-                <a:spcPts val="0"/>
-              </a:spcBef>
-              <a:spcAft>
-                <a:spcPts val="0"/>
-              </a:spcAft>
-              <a:buNone/>
-            </a:pPr>
-            <a:r>
-              <a:rPr lang="en-US" sz="1800" b="1"/>
-              <a:t>Why Python for ETL?</a:t>
-            </a:r>
-            <a:endParaRPr sz="1800" b="1"/>
-          </a:p>
-          <a:p>
-            <a:pPr marL="457200" lvl="0" indent="-342900" algn="l" rtl="0">
-              <a:spcBef>
-                <a:spcPts val="0"/>
-              </a:spcBef>
-              <a:spcAft>
-                <a:spcPts val="0"/>
-              </a:spcAft>
-              <a:buSzPts val="1800"/>
-              <a:buChar char="●"/>
-            </a:pPr>
-            <a:r>
-              <a:rPr lang="en-US" sz="1800"/>
-              <a:t>Common language for data scientists and data engineers. </a:t>
-            </a:r>
-            <a:endParaRPr sz="1800"/>
-          </a:p>
-          <a:p>
-            <a:pPr marL="457200" lvl="0" indent="0" algn="l" rtl="0">
-              <a:spcBef>
-                <a:spcPts val="0"/>
-              </a:spcBef>
-              <a:spcAft>
-                <a:spcPts val="0"/>
-              </a:spcAft>
-              <a:buNone/>
-            </a:pPr>
-            <a:endParaRPr sz="1800"/>
-          </a:p>
-          <a:p>
-            <a:pPr marL="457200" lvl="0" indent="-342900" algn="l" rtl="0">
-              <a:spcBef>
-                <a:spcPts val="0"/>
-              </a:spcBef>
-              <a:spcAft>
-                <a:spcPts val="0"/>
-              </a:spcAft>
-              <a:buSzPts val="1800"/>
-              <a:buChar char="●"/>
-            </a:pPr>
-            <a:r>
-              <a:rPr lang="en-US" sz="1800"/>
-              <a:t>Libraries that include ETL processes and connections to a variety of data sources</a:t>
-            </a:r>
-            <a:endParaRPr sz="1800"/>
-          </a:p>
-          <a:p>
-            <a:pPr marL="914400" lvl="1" indent="-342900" algn="l" rtl="0">
-              <a:spcBef>
-                <a:spcPts val="0"/>
-              </a:spcBef>
-              <a:spcAft>
-                <a:spcPts val="0"/>
-              </a:spcAft>
-              <a:buSzPts val="1800"/>
-              <a:buChar char="○"/>
-            </a:pPr>
-            <a:r>
-              <a:rPr lang="en-US" sz="1800"/>
-              <a:t>Databases, Files, APIs, etc.</a:t>
-            </a:r>
-            <a:endParaRPr sz="1800"/>
-          </a:p>
-          <a:p>
-            <a:pPr marL="914400" lvl="0" indent="0" algn="l" rtl="0">
-              <a:spcBef>
-                <a:spcPts val="0"/>
-              </a:spcBef>
-              <a:spcAft>
-                <a:spcPts val="0"/>
-              </a:spcAft>
-              <a:buNone/>
-            </a:pPr>
-            <a:endParaRPr sz="1800"/>
-          </a:p>
-          <a:p>
-            <a:pPr marL="457200" lvl="0" indent="-342900" algn="l" rtl="0">
-              <a:spcBef>
-                <a:spcPts val="0"/>
-              </a:spcBef>
-              <a:spcAft>
-                <a:spcPts val="0"/>
-              </a:spcAft>
-              <a:buSzPts val="1800"/>
-              <a:buChar char="●"/>
-            </a:pPr>
-            <a:r>
-              <a:rPr lang="en-US" sz="1800"/>
-              <a:t>Flexible -  Adjust “on the fly” to specific project needs.</a:t>
-            </a:r>
-            <a:endParaRPr sz="1800"/>
-          </a:p>
-          <a:p>
-            <a:pPr marL="457200" lvl="0" indent="0" algn="l" rtl="0">
-              <a:spcBef>
-                <a:spcPts val="0"/>
-              </a:spcBef>
-              <a:spcAft>
-                <a:spcPts val="0"/>
-              </a:spcAft>
-              <a:buNone/>
-            </a:pPr>
-            <a:endParaRPr sz="1800"/>
-          </a:p>
-          <a:p>
-            <a:pPr marL="457200" lvl="0" indent="-342900" algn="l" rtl="0">
-              <a:spcBef>
-                <a:spcPts val="0"/>
-              </a:spcBef>
-              <a:spcAft>
-                <a:spcPts val="0"/>
-              </a:spcAft>
-              <a:buSzPts val="1800"/>
-              <a:buChar char="●"/>
-            </a:pPr>
-            <a:r>
-              <a:rPr lang="en-US" sz="1800"/>
-              <a:t>The processes are also known as “Python Pipelines”.</a:t>
-            </a:r>
-            <a:endParaRPr/>
-          </a:p>
-        </p:txBody>
-      </p:sp>
-      <p:pic>
-        <p:nvPicPr>
-          <p:cNvPr id="305" name="Google Shape;305;p44"/>
-          <p:cNvPicPr preferRelativeResize="0"/>
-          <p:nvPr/>
-        </p:nvPicPr>
-        <p:blipFill>
-          <a:blip r:embed="rId3">
-            <a:alphaModFix/>
-          </a:blip>
-          <a:stretch>
-            <a:fillRect/>
-          </a:stretch>
-        </p:blipFill>
-        <p:spPr>
-          <a:xfrm>
-            <a:off x="5287625" y="2726685"/>
-            <a:ext cx="6812326" cy="3728389"/>
-          </a:xfrm>
-          <a:prstGeom prst="rect">
-            <a:avLst/>
-          </a:prstGeom>
-          <a:noFill/>
-          <a:ln>
-            <a:noFill/>
-          </a:ln>
-        </p:spPr>
-      </p:pic>
-      <p:sp>
-        <p:nvSpPr>
-          <p:cNvPr id="306" name="Google Shape;306;p44"/>
-          <p:cNvSpPr txBox="1"/>
-          <p:nvPr/>
-        </p:nvSpPr>
-        <p:spPr>
-          <a:xfrm>
-            <a:off x="5287625" y="6455075"/>
-            <a:ext cx="9905400" cy="352800"/>
-          </a:xfrm>
-          <a:prstGeom prst="rect">
-            <a:avLst/>
-          </a:prstGeom>
-          <a:noFill/>
-          <a:ln>
-            <a:noFill/>
-          </a:ln>
-        </p:spPr>
-        <p:txBody>
-          <a:bodyPr spcFirstLastPara="1" wrap="square" lIns="91425" tIns="91425" rIns="91425" bIns="91425" anchor="t" anchorCtr="0">
-            <a:noAutofit/>
-          </a:bodyPr>
-          <a:lstStyle/>
-          <a:p>
-            <a:pPr marL="0" lvl="0" indent="0" algn="l" rtl="0">
-              <a:spcBef>
-                <a:spcPts val="0"/>
-              </a:spcBef>
-              <a:spcAft>
-                <a:spcPts val="0"/>
-              </a:spcAft>
-              <a:buNone/>
-            </a:pPr>
-            <a:r>
-              <a:rPr lang="en-US" b="1"/>
-              <a:t>Python ETL &amp; Data-Cleaning Example</a:t>
-            </a:r>
-            <a:r>
-              <a:rPr lang="en-US"/>
-              <a:t> - </a:t>
-            </a:r>
-            <a:r>
-              <a:rPr lang="en-US" u="sng">
-                <a:solidFill>
-                  <a:schemeClr val="hlink"/>
-                </a:solidFill>
-                <a:hlinkClick r:id="rId4"/>
-              </a:rPr>
-              <a:t>Google Drive - Jupyter Notebook</a:t>
-            </a:r>
-            <a:endParaRPr/>
-          </a:p>
-        </p:txBody>
-      </p:sp>
-    </p:spTree>
-  </p:cSld>
-  <p:clrMapOvr>
-    <a:masterClrMapping/>
-  </p:clrMapOvr>
-</p:sld>
-</file>
-
-<file path=ppt/slides/slide18.xml><?xml version="1.0" encoding="utf-8"?>
+<file path=ppt/slides/slide16.xml><?xml version="1.0" encoding="utf-8"?>
 <p:sld xmlns:a="http://schemas.openxmlformats.org/drawingml/2006/main" xmlns:r="http://schemas.openxmlformats.org/officeDocument/2006/relationships" xmlns:p="http://schemas.openxmlformats.org/presentationml/2006/main">
   <p:cSld>
     <p:spTree>
@@ -27527,10 +25748,10 @@
               <a:buNone/>
             </a:pPr>
             <a:r>
-              <a:rPr lang="en-US" sz="4000"/>
-              <a:t>Appendix B - Moving MySQL DB to GCP</a:t>
+              <a:rPr lang="en-US" sz="4000" dirty="0"/>
+              <a:t>Exercise - Moving MySQL DB to GCP</a:t>
             </a:r>
-            <a:endParaRPr sz="4000"/>
+            <a:endParaRPr sz="4000" dirty="0"/>
           </a:p>
         </p:txBody>
       </p:sp>
@@ -27543,7 +25764,7 @@
         <p:spPr>
           <a:xfrm>
             <a:off x="0" y="1761825"/>
-            <a:ext cx="6129600" cy="3782100"/>
+            <a:ext cx="5939161" cy="3782100"/>
           </a:xfrm>
           <a:prstGeom prst="rect">
             <a:avLst/>
@@ -27571,7 +25792,7 @@
               </a:spcAft>
               <a:buNone/>
             </a:pPr>
-            <a:endParaRPr>
+            <a:endParaRPr dirty="0">
               <a:latin typeface="Lato"/>
               <a:ea typeface="Lato"/>
               <a:cs typeface="Lato"/>
@@ -27592,7 +25813,7 @@
               <a:buNone/>
             </a:pPr>
             <a:r>
-              <a:rPr lang="en-US" sz="1500">
+              <a:rPr lang="en-US" sz="1500" dirty="0">
                 <a:latin typeface="Lato"/>
                 <a:ea typeface="Lato"/>
                 <a:cs typeface="Lato"/>
@@ -27600,7 +25821,7 @@
               </a:rPr>
               <a:t>Step 1) Create a google account, then connect to the following URL:</a:t>
             </a:r>
-            <a:endParaRPr sz="1500">
+            <a:endParaRPr sz="1500" dirty="0">
               <a:latin typeface="Lato"/>
               <a:ea typeface="Lato"/>
               <a:cs typeface="Lato"/>
@@ -27623,7 +25844,7 @@
               <a:buChar char="●"/>
             </a:pPr>
             <a:r>
-              <a:rPr lang="en-US" sz="1500" u="sng">
+              <a:rPr lang="en-US" sz="1500" u="sng" dirty="0">
                 <a:solidFill>
                   <a:schemeClr val="hlink"/>
                 </a:solidFill>
@@ -27635,7 +25856,7 @@
               </a:rPr>
               <a:t>https://datastudio.google.com/data?search=mysql</a:t>
             </a:r>
-            <a:endParaRPr sz="1500">
+            <a:endParaRPr sz="1500" dirty="0">
               <a:latin typeface="Lato"/>
               <a:ea typeface="Lato"/>
               <a:cs typeface="Lato"/>
@@ -27655,7 +25876,7 @@
               </a:spcAft>
               <a:buNone/>
             </a:pPr>
-            <a:endParaRPr sz="1500">
+            <a:endParaRPr sz="1500" dirty="0">
               <a:latin typeface="Lato"/>
               <a:ea typeface="Lato"/>
               <a:cs typeface="Lato"/>
@@ -27676,7 +25897,7 @@
               <a:buNone/>
             </a:pPr>
             <a:r>
-              <a:rPr lang="en-US" sz="1500">
+              <a:rPr lang="en-US" sz="1500" dirty="0">
                 <a:latin typeface="Lato"/>
                 <a:ea typeface="Lato"/>
                 <a:cs typeface="Lato"/>
@@ -27684,7 +25905,7 @@
               </a:rPr>
               <a:t>Step 2) Create a SQL dump file of your local MySQL database</a:t>
             </a:r>
-            <a:endParaRPr sz="1500">
+            <a:endParaRPr sz="1500" dirty="0">
               <a:latin typeface="Lato"/>
               <a:ea typeface="Lato"/>
               <a:cs typeface="Lato"/>
@@ -27707,16 +25928,25 @@
               <a:buChar char="●"/>
             </a:pPr>
             <a:r>
-              <a:rPr lang="en-US" sz="1500" b="1" u="sng">
+              <a:rPr lang="en-US" sz="1500" b="1" u="sng" dirty="0" err="1">
                 <a:latin typeface="Lato"/>
                 <a:ea typeface="Lato"/>
                 <a:cs typeface="Lato"/>
                 <a:sym typeface="Lato"/>
               </a:rPr>
-              <a:t>cmd line</a:t>
+              <a:t>cmd</a:t>
             </a:r>
             <a:r>
-              <a:rPr lang="en-US" sz="1500">
+              <a:rPr lang="en-US" sz="1500" b="1" u="sng" dirty="0">
+                <a:latin typeface="Lato"/>
+                <a:ea typeface="Lato"/>
+                <a:cs typeface="Lato"/>
+                <a:sym typeface="Lato"/>
+              </a:rPr>
+              <a:t> line</a:t>
+            </a:r>
+            <a:r>
+              <a:rPr lang="en-US" sz="1500" dirty="0">
                 <a:latin typeface="Lato"/>
                 <a:ea typeface="Lato"/>
                 <a:cs typeface="Lato"/>
@@ -27724,7 +25954,7 @@
               </a:rPr>
               <a:t>: cd  C:\Program Files\MySQL\MySQL Workbench 8.0 CE</a:t>
             </a:r>
-            <a:endParaRPr sz="1500">
+            <a:endParaRPr sz="1500" dirty="0">
               <a:latin typeface="Lato"/>
               <a:ea typeface="Lato"/>
               <a:cs typeface="Lato"/>
@@ -27747,15 +25977,42 @@
               <a:buChar char="●"/>
             </a:pPr>
             <a:r>
-              <a:rPr lang="en-US" sz="1500">
+              <a:rPr lang="en-US" sz="1500" dirty="0" err="1">
                 <a:latin typeface="Lato"/>
                 <a:ea typeface="Lato"/>
                 <a:cs typeface="Lato"/>
                 <a:sym typeface="Lato"/>
               </a:rPr>
-              <a:t>mysqldump -u root -p world &gt; “C:\Data Manipulation\sql_world_dump.sql”</a:t>
+              <a:t>mysqldump</a:t>
             </a:r>
-            <a:endParaRPr sz="1500">
+            <a:r>
+              <a:rPr lang="en-US" sz="1500" dirty="0">
+                <a:latin typeface="Lato"/>
+                <a:ea typeface="Lato"/>
+                <a:cs typeface="Lato"/>
+                <a:sym typeface="Lato"/>
+              </a:rPr>
+              <a:t> -u root -p covid_19 &gt; (</a:t>
+            </a:r>
+            <a:r>
+              <a:rPr lang="en-US" sz="1500" dirty="0" err="1">
+                <a:latin typeface="Lato"/>
+                <a:ea typeface="Lato"/>
+                <a:cs typeface="Lato"/>
+                <a:sym typeface="Lato"/>
+              </a:rPr>
+              <a:t>dir</a:t>
+            </a:r>
+            <a:r>
+              <a:rPr lang="en-US" sz="1500" dirty="0">
+                <a:latin typeface="Lato"/>
+                <a:ea typeface="Lato"/>
+                <a:cs typeface="Lato"/>
+                <a:sym typeface="Lato"/>
+              </a:rPr>
+              <a:t>)\covid_19_dump.sql</a:t>
+            </a:r>
+            <a:endParaRPr sz="1500" dirty="0">
               <a:latin typeface="Lato"/>
               <a:ea typeface="Lato"/>
               <a:cs typeface="Lato"/>
@@ -27775,7 +26032,45 @@
               </a:spcAft>
               <a:buNone/>
             </a:pPr>
-            <a:endParaRPr sz="1500">
+            <a:endParaRPr sz="1500" dirty="0">
+              <a:latin typeface="Lato"/>
+              <a:ea typeface="Lato"/>
+              <a:cs typeface="Lato"/>
+              <a:sym typeface="Lato"/>
+            </a:endParaRPr>
+          </a:p>
+          <a:p>
+            <a:pPr lvl="0"/>
+            <a:r>
+              <a:rPr lang="en-US" sz="1500" dirty="0">
+                <a:latin typeface="Lato"/>
+                <a:ea typeface="Lato"/>
+                <a:cs typeface="Lato"/>
+                <a:sym typeface="Lato"/>
+              </a:rPr>
+              <a:t>Step 3)  In Google Cloud, “Create Bucket” using the following link: </a:t>
+            </a:r>
+            <a:r>
+              <a:rPr lang="en-US" dirty="0">
+                <a:hlinkClick r:id="rId4"/>
+              </a:rPr>
+              <a:t>Creating Storage Buckets</a:t>
+            </a:r>
+            <a:r>
+              <a:rPr lang="en-US" dirty="0"/>
+              <a:t> </a:t>
+            </a:r>
+            <a:r>
+              <a:rPr lang="en-US" dirty="0">
+                <a:sym typeface="Wingdings" panose="05000000000000000000" pitchFamily="2" charset="2"/>
+              </a:rPr>
+              <a:t> Click “Open the Cloud Storage browser”</a:t>
+            </a:r>
+            <a:endParaRPr lang="en-US" dirty="0"/>
+          </a:p>
+          <a:p>
+            <a:pPr lvl="0"/>
+            <a:endParaRPr sz="1500" dirty="0">
               <a:latin typeface="Lato"/>
               <a:ea typeface="Lato"/>
               <a:cs typeface="Lato"/>
@@ -27796,15 +26091,15 @@
               <a:buNone/>
             </a:pPr>
             <a:r>
-              <a:rPr lang="en-US" sz="1500">
+              <a:rPr lang="en-US" sz="1500" dirty="0">
                 <a:latin typeface="Lato"/>
                 <a:ea typeface="Lato"/>
                 <a:cs typeface="Lato"/>
                 <a:sym typeface="Lato"/>
               </a:rPr>
-              <a:t>Step 3)  Create a Cloud Storage bucket</a:t>
+              <a:t>Step 4)  Upload the Covid-19 SQL dump file to the storage bucket</a:t>
             </a:r>
-            <a:endParaRPr sz="1500">
+            <a:endParaRPr sz="1500" dirty="0">
               <a:latin typeface="Lato"/>
               <a:ea typeface="Lato"/>
               <a:cs typeface="Lato"/>
@@ -27824,7 +26119,115 @@
               </a:spcAft>
               <a:buNone/>
             </a:pPr>
-            <a:endParaRPr sz="1500">
+            <a:endParaRPr sz="1500" dirty="0">
+              <a:latin typeface="Lato"/>
+              <a:ea typeface="Lato"/>
+              <a:cs typeface="Lato"/>
+              <a:sym typeface="Lato"/>
+            </a:endParaRPr>
+          </a:p>
+          <a:p>
+            <a:r>
+              <a:rPr lang="en-US" sz="1500" dirty="0">
+                <a:latin typeface="Lato"/>
+                <a:ea typeface="Lato"/>
+                <a:cs typeface="Lato"/>
+                <a:sym typeface="Lato"/>
+              </a:rPr>
+              <a:t>Step 5) Go to the Cloud SQL Instances page in GCP using the following link: </a:t>
+            </a:r>
+            <a:r>
+              <a:rPr lang="en-US" sz="1200" dirty="0">
+                <a:latin typeface="Lato"/>
+                <a:ea typeface="Lato"/>
+                <a:cs typeface="Lato"/>
+                <a:sym typeface="Lato"/>
+                <a:hlinkClick r:id="rId5"/>
+              </a:rPr>
+              <a:t>https://cloud.google.com/sql/docs/mysql/import-export/importing</a:t>
+            </a:r>
+            <a:endParaRPr sz="1500" dirty="0">
+              <a:latin typeface="Lato"/>
+              <a:ea typeface="Lato"/>
+              <a:cs typeface="Lato"/>
+              <a:sym typeface="Lato"/>
+            </a:endParaRPr>
+          </a:p>
+          <a:p>
+            <a:pPr marL="457200" marR="0" lvl="0" indent="-323850" algn="l" rtl="0">
+              <a:lnSpc>
+                <a:spcPct val="100000"/>
+              </a:lnSpc>
+              <a:spcBef>
+                <a:spcPts val="0"/>
+              </a:spcBef>
+              <a:spcAft>
+                <a:spcPts val="0"/>
+              </a:spcAft>
+              <a:buSzPts val="1500"/>
+              <a:buFont typeface="Lato"/>
+              <a:buChar char="●"/>
+            </a:pPr>
+            <a:r>
+              <a:rPr lang="en-US" sz="1500" dirty="0">
+                <a:latin typeface="Lato"/>
+                <a:ea typeface="Lato"/>
+                <a:cs typeface="Lato"/>
+                <a:sym typeface="Lato"/>
+              </a:rPr>
+              <a:t>Select the  “Go to the Cloud SQL Instance Page” </a:t>
+            </a:r>
+          </a:p>
+          <a:p>
+            <a:pPr marL="457200" marR="0" lvl="0" indent="-323850" algn="l" rtl="0">
+              <a:lnSpc>
+                <a:spcPct val="100000"/>
+              </a:lnSpc>
+              <a:spcBef>
+                <a:spcPts val="0"/>
+              </a:spcBef>
+              <a:spcAft>
+                <a:spcPts val="0"/>
+              </a:spcAft>
+              <a:buSzPts val="1500"/>
+              <a:buFont typeface="Lato"/>
+              <a:buChar char="●"/>
+            </a:pPr>
+            <a:r>
+              <a:rPr lang="en-US" sz="1500" dirty="0">
+                <a:latin typeface="Lato"/>
+                <a:ea typeface="Lato"/>
+                <a:cs typeface="Lato"/>
+                <a:sym typeface="Lato"/>
+              </a:rPr>
+              <a:t>Select “Create Instance”</a:t>
+            </a:r>
+          </a:p>
+          <a:p>
+            <a:pPr marL="457200" marR="0" lvl="0" indent="-323850" algn="l" rtl="0">
+              <a:lnSpc>
+                <a:spcPct val="100000"/>
+              </a:lnSpc>
+              <a:spcBef>
+                <a:spcPts val="0"/>
+              </a:spcBef>
+              <a:spcAft>
+                <a:spcPts val="0"/>
+              </a:spcAft>
+              <a:buSzPts val="1500"/>
+              <a:buFont typeface="Lato"/>
+              <a:buChar char="●"/>
+            </a:pPr>
+            <a:r>
+              <a:rPr lang="en-US" sz="1500" dirty="0">
+                <a:latin typeface="Lato"/>
+                <a:ea typeface="Lato"/>
+                <a:cs typeface="Lato"/>
+                <a:sym typeface="Lato"/>
+              </a:rPr>
+              <a:t>Select “MySQL”</a:t>
+            </a:r>
+            <a:endParaRPr sz="1500" dirty="0">
               <a:latin typeface="Lato"/>
               <a:ea typeface="Lato"/>
               <a:cs typeface="Lato"/>
@@ -27844,207 +26247,7 @@
               </a:spcAft>
               <a:buNone/>
             </a:pPr>
-            <a:r>
-              <a:rPr lang="en-US" sz="1500">
-                <a:latin typeface="Lato"/>
-                <a:ea typeface="Lato"/>
-                <a:cs typeface="Lato"/>
-                <a:sym typeface="Lato"/>
-              </a:rPr>
-              <a:t>Step 4)  Upload SQL dump  file to Cloud Storage bucket</a:t>
-            </a:r>
-            <a:endParaRPr sz="1500">
-              <a:latin typeface="Lato"/>
-              <a:ea typeface="Lato"/>
-              <a:cs typeface="Lato"/>
-              <a:sym typeface="Lato"/>
-            </a:endParaRPr>
-          </a:p>
-          <a:p>
-            <a:pPr marL="0" marR="0" lvl="0" indent="0" algn="l" rtl="0">
-              <a:lnSpc>
-                <a:spcPct val="100000"/>
-              </a:lnSpc>
-              <a:spcBef>
-                <a:spcPts val="0"/>
-              </a:spcBef>
-              <a:spcAft>
-                <a:spcPts val="0"/>
-              </a:spcAft>
-              <a:buNone/>
-            </a:pPr>
-            <a:endParaRPr sz="1500">
-              <a:latin typeface="Lato"/>
-              <a:ea typeface="Lato"/>
-              <a:cs typeface="Lato"/>
-              <a:sym typeface="Lato"/>
-            </a:endParaRPr>
-          </a:p>
-          <a:p>
-            <a:pPr marL="0" marR="0" lvl="0" indent="0" algn="l" rtl="0">
-              <a:lnSpc>
-                <a:spcPct val="100000"/>
-              </a:lnSpc>
-              <a:spcBef>
-                <a:spcPts val="0"/>
-              </a:spcBef>
-              <a:spcAft>
-                <a:spcPts val="0"/>
-              </a:spcAft>
-              <a:buNone/>
-            </a:pPr>
-            <a:r>
-              <a:rPr lang="en-US" sz="1500">
-                <a:latin typeface="Lato"/>
-                <a:ea typeface="Lato"/>
-                <a:cs typeface="Lato"/>
-                <a:sym typeface="Lato"/>
-              </a:rPr>
-              <a:t>Step 5) Go to the Cloud SQL Instances page in GCP</a:t>
-            </a:r>
-            <a:endParaRPr sz="1500">
-              <a:latin typeface="Lato"/>
-              <a:ea typeface="Lato"/>
-              <a:cs typeface="Lato"/>
-              <a:sym typeface="Lato"/>
-            </a:endParaRPr>
-          </a:p>
-          <a:p>
-            <a:pPr marL="457200" marR="0" lvl="0" indent="-323850" algn="l" rtl="0">
-              <a:lnSpc>
-                <a:spcPct val="100000"/>
-              </a:lnSpc>
-              <a:spcBef>
-                <a:spcPts val="0"/>
-              </a:spcBef>
-              <a:spcAft>
-                <a:spcPts val="0"/>
-              </a:spcAft>
-              <a:buSzPts val="1500"/>
-              <a:buFont typeface="Lato"/>
-              <a:buChar char="●"/>
-            </a:pPr>
-            <a:r>
-              <a:rPr lang="en-US" sz="1500">
-                <a:latin typeface="Lato"/>
-                <a:ea typeface="Lato"/>
-                <a:cs typeface="Lato"/>
-                <a:sym typeface="Lato"/>
-              </a:rPr>
-              <a:t>Use “Cloud SQL Instance Page” on link below</a:t>
-            </a:r>
-            <a:endParaRPr sz="1500">
-              <a:latin typeface="Lato"/>
-              <a:ea typeface="Lato"/>
-              <a:cs typeface="Lato"/>
-              <a:sym typeface="Lato"/>
-            </a:endParaRPr>
-          </a:p>
-          <a:p>
-            <a:pPr marL="457200" marR="0" lvl="0" indent="-323850" algn="l" rtl="0">
-              <a:lnSpc>
-                <a:spcPct val="100000"/>
-              </a:lnSpc>
-              <a:spcBef>
-                <a:spcPts val="0"/>
-              </a:spcBef>
-              <a:spcAft>
-                <a:spcPts val="0"/>
-              </a:spcAft>
-              <a:buSzPts val="1500"/>
-              <a:buFont typeface="Lato"/>
-              <a:buChar char="●"/>
-            </a:pPr>
-            <a:r>
-              <a:rPr lang="en-US" sz="1500">
-                <a:latin typeface="Lato"/>
-                <a:ea typeface="Lato"/>
-                <a:cs typeface="Lato"/>
-                <a:sym typeface="Lato"/>
-              </a:rPr>
-              <a:t>Select “Create Instance”</a:t>
-            </a:r>
-            <a:endParaRPr sz="1500">
-              <a:latin typeface="Lato"/>
-              <a:ea typeface="Lato"/>
-              <a:cs typeface="Lato"/>
-              <a:sym typeface="Lato"/>
-            </a:endParaRPr>
-          </a:p>
-          <a:p>
-            <a:pPr marL="457200" marR="0" lvl="0" indent="-323850" algn="l" rtl="0">
-              <a:lnSpc>
-                <a:spcPct val="100000"/>
-              </a:lnSpc>
-              <a:spcBef>
-                <a:spcPts val="0"/>
-              </a:spcBef>
-              <a:spcAft>
-                <a:spcPts val="0"/>
-              </a:spcAft>
-              <a:buSzPts val="1500"/>
-              <a:buFont typeface="Lato"/>
-              <a:buChar char="●"/>
-            </a:pPr>
-            <a:r>
-              <a:rPr lang="en-US" sz="1500">
-                <a:latin typeface="Lato"/>
-                <a:ea typeface="Lato"/>
-                <a:cs typeface="Lato"/>
-                <a:sym typeface="Lato"/>
-              </a:rPr>
-              <a:t>Select “MySQL”</a:t>
-            </a:r>
-            <a:endParaRPr sz="1500">
-              <a:latin typeface="Lato"/>
-              <a:ea typeface="Lato"/>
-              <a:cs typeface="Lato"/>
-              <a:sym typeface="Lato"/>
-            </a:endParaRPr>
-          </a:p>
-          <a:p>
-            <a:pPr marL="0" marR="0" lvl="0" indent="0" algn="l" rtl="0">
-              <a:lnSpc>
-                <a:spcPct val="100000"/>
-              </a:lnSpc>
-              <a:spcBef>
-                <a:spcPts val="0"/>
-              </a:spcBef>
-              <a:spcAft>
-                <a:spcPts val="0"/>
-              </a:spcAft>
-              <a:buNone/>
-            </a:pPr>
-            <a:endParaRPr>
-              <a:latin typeface="Lato"/>
-              <a:ea typeface="Lato"/>
-              <a:cs typeface="Lato"/>
-              <a:sym typeface="Lato"/>
-            </a:endParaRPr>
-          </a:p>
-          <a:p>
-            <a:pPr marL="0" marR="0" lvl="0" indent="0" algn="l" rtl="0">
-              <a:lnSpc>
-                <a:spcPct val="100000"/>
-              </a:lnSpc>
-              <a:spcBef>
-                <a:spcPts val="0"/>
-              </a:spcBef>
-              <a:spcAft>
-                <a:spcPts val="0"/>
-              </a:spcAft>
-              <a:buNone/>
-            </a:pPr>
-            <a:r>
-              <a:rPr lang="en-US">
-                <a:latin typeface="Lato"/>
-                <a:ea typeface="Lato"/>
-                <a:cs typeface="Lato"/>
-                <a:sym typeface="Lato"/>
-              </a:rPr>
-              <a:t>Steps at: https://cloud.google.com/sql/docs/mysql/import-export/importing</a:t>
-            </a:r>
-            <a:endParaRPr>
+            <a:endParaRPr dirty="0">
               <a:latin typeface="Lato"/>
               <a:ea typeface="Lato"/>
               <a:cs typeface="Lato"/>
@@ -28064,7 +26267,7 @@
               </a:spcAft>
               <a:buNone/>
             </a:pPr>
-            <a:endParaRPr>
+            <a:endParaRPr dirty="0">
               <a:latin typeface="Lato"/>
               <a:ea typeface="Lato"/>
               <a:cs typeface="Lato"/>
@@ -28084,7 +26287,7 @@
               </a:spcAft>
               <a:buNone/>
             </a:pPr>
-            <a:endParaRPr>
+            <a:endParaRPr dirty="0">
               <a:latin typeface="Lato"/>
               <a:ea typeface="Lato"/>
               <a:cs typeface="Lato"/>
@@ -28101,8 +26304,8 @@
         </p:nvSpPr>
         <p:spPr>
           <a:xfrm>
-            <a:off x="6129650" y="1685625"/>
-            <a:ext cx="6369600" cy="3782100"/>
+            <a:off x="5897731" y="1544177"/>
+            <a:ext cx="6294269" cy="5016668"/>
           </a:xfrm>
           <a:prstGeom prst="rect">
             <a:avLst/>
@@ -28130,7 +26333,119 @@
               </a:spcAft>
               <a:buNone/>
             </a:pPr>
-            <a:endParaRPr sz="1500">
+            <a:endParaRPr lang="en-US" dirty="0">
+              <a:sym typeface="Lato"/>
+            </a:endParaRPr>
+          </a:p>
+          <a:p>
+            <a:pPr marL="0" marR="0" lvl="0" indent="0" algn="l" rtl="0">
+              <a:lnSpc>
+                <a:spcPct val="100000"/>
+              </a:lnSpc>
+              <a:spcBef>
+                <a:spcPts val="0"/>
+              </a:spcBef>
+              <a:spcAft>
+                <a:spcPts val="0"/>
+              </a:spcAft>
+              <a:buNone/>
+            </a:pPr>
+            <a:r>
+              <a:rPr lang="en-US" dirty="0">
+                <a:sym typeface="Lato"/>
+              </a:rPr>
+              <a:t>Step 6) Fill-in the “Create a </a:t>
+            </a:r>
+            <a:r>
+              <a:rPr lang="en-US" dirty="0" err="1">
+                <a:sym typeface="Lato"/>
+              </a:rPr>
+              <a:t>MySql</a:t>
+            </a:r>
+            <a:r>
+              <a:rPr lang="en-US" dirty="0">
+                <a:sym typeface="Lato"/>
+              </a:rPr>
+              <a:t> Second Generation instance”</a:t>
+            </a:r>
+          </a:p>
+          <a:p>
+            <a:pPr marL="457200" lvl="0" indent="-323850" algn="l" rtl="0">
+              <a:spcBef>
+                <a:spcPts val="0"/>
+              </a:spcBef>
+              <a:spcAft>
+                <a:spcPts val="0"/>
+              </a:spcAft>
+              <a:buSzPts val="1500"/>
+              <a:buFont typeface="Lato"/>
+              <a:buChar char="●"/>
+            </a:pPr>
+            <a:r>
+              <a:rPr lang="en-US" dirty="0">
+                <a:sym typeface="Lato"/>
+              </a:rPr>
+              <a:t>Instance ID:  (database name)</a:t>
+            </a:r>
+          </a:p>
+          <a:p>
+            <a:pPr marL="457200" marR="0" lvl="0" indent="-323850" algn="l" rtl="0">
+              <a:lnSpc>
+                <a:spcPct val="100000"/>
+              </a:lnSpc>
+              <a:spcBef>
+                <a:spcPts val="0"/>
+              </a:spcBef>
+              <a:spcAft>
+                <a:spcPts val="0"/>
+              </a:spcAft>
+              <a:buSzPts val="1500"/>
+              <a:buFont typeface="Lato"/>
+              <a:buChar char="●"/>
+            </a:pPr>
+            <a:r>
+              <a:rPr lang="en-US" dirty="0">
+                <a:sym typeface="Lato"/>
+              </a:rPr>
+              <a:t>Select “No Password” </a:t>
+            </a:r>
+          </a:p>
+          <a:p>
+            <a:pPr marL="457200" marR="0" lvl="0" indent="-323850" algn="l" rtl="0">
+              <a:lnSpc>
+                <a:spcPct val="100000"/>
+              </a:lnSpc>
+              <a:spcBef>
+                <a:spcPts val="0"/>
+              </a:spcBef>
+              <a:spcAft>
+                <a:spcPts val="0"/>
+              </a:spcAft>
+              <a:buSzPts val="1500"/>
+              <a:buFont typeface="Lato"/>
+              <a:buChar char="●"/>
+            </a:pPr>
+            <a:r>
+              <a:rPr lang="en-US" dirty="0">
+                <a:sym typeface="Lato"/>
+              </a:rPr>
+              <a:t>Select “Create” </a:t>
+            </a:r>
+          </a:p>
+          <a:p>
+            <a:pPr marL="457200" marR="0" lvl="0" indent="0" algn="l" rtl="0">
+              <a:lnSpc>
+                <a:spcPct val="100000"/>
+              </a:lnSpc>
+              <a:spcBef>
+                <a:spcPts val="0"/>
+              </a:spcBef>
+              <a:spcAft>
+                <a:spcPts val="0"/>
+              </a:spcAft>
+              <a:buNone/>
+            </a:pPr>
+            <a:endParaRPr sz="1500" dirty="0">
               <a:latin typeface="Lato"/>
               <a:ea typeface="Lato"/>
               <a:cs typeface="Lato"/>
@@ -28151,15 +26466,15 @@
               <a:buNone/>
             </a:pPr>
             <a:r>
-              <a:rPr lang="en-US" sz="1500">
+              <a:rPr lang="en-US" sz="1500" dirty="0">
                 <a:latin typeface="Lato"/>
                 <a:ea typeface="Lato"/>
                 <a:cs typeface="Lato"/>
                 <a:sym typeface="Lato"/>
               </a:rPr>
-              <a:t>Step 6) Fill-in the “Create a MySql Second Generation instance”</a:t>
+              <a:t>Step 7) “SQL Instances” should now appear: select the instance from 6)</a:t>
             </a:r>
-            <a:endParaRPr sz="1500">
+            <a:endParaRPr sz="1500" dirty="0">
               <a:latin typeface="Lato"/>
               <a:ea typeface="Lato"/>
               <a:cs typeface="Lato"/>
@@ -28167,27 +26482,48 @@
             </a:endParaRPr>
           </a:p>
           <a:p>
-            <a:pPr marL="457200" lvl="0" indent="-323850" algn="l" rtl="0">
-              <a:spcBef>
-                <a:spcPts val="0"/>
-              </a:spcBef>
-              <a:spcAft>
-                <a:spcPts val="0"/>
-              </a:spcAft>
-              <a:buSzPts val="1500"/>
-              <a:buFont typeface="Lato"/>
-              <a:buChar char="●"/>
+            <a:pPr marL="0" marR="0" lvl="0" indent="0" algn="l" rtl="0">
+              <a:lnSpc>
+                <a:spcPct val="100000"/>
+              </a:lnSpc>
+              <a:spcBef>
+                <a:spcPts val="0"/>
+              </a:spcBef>
+              <a:spcAft>
+                <a:spcPts val="0"/>
+              </a:spcAft>
+              <a:buNone/>
+            </a:pPr>
+            <a:endParaRPr sz="1500" dirty="0">
+              <a:latin typeface="Lato"/>
+              <a:ea typeface="Lato"/>
+              <a:cs typeface="Lato"/>
+              <a:sym typeface="Lato"/>
+            </a:endParaRPr>
+          </a:p>
+          <a:p>
+            <a:pPr marL="0" marR="0" lvl="0" indent="0" algn="l" rtl="0">
+              <a:lnSpc>
+                <a:spcPct val="100000"/>
+              </a:lnSpc>
+              <a:spcBef>
+                <a:spcPts val="0"/>
+              </a:spcBef>
+              <a:spcAft>
+                <a:spcPts val="0"/>
+              </a:spcAft>
+              <a:buNone/>
             </a:pPr>
             <a:r>
-              <a:rPr lang="en-US" sz="1500">
+              <a:rPr lang="en-US" sz="1500" dirty="0">
                 <a:latin typeface="Lato"/>
                 <a:ea typeface="Lato"/>
                 <a:cs typeface="Lato"/>
                 <a:sym typeface="Lato"/>
               </a:rPr>
-              <a:t>Instance ID:  (database name)</a:t>
+              <a:t>Step 8) Click “Import” in the button bar.</a:t>
             </a:r>
-            <a:endParaRPr sz="1500">
+            <a:endParaRPr sz="1500" dirty="0">
               <a:latin typeface="Lato"/>
               <a:ea typeface="Lato"/>
               <a:cs typeface="Lato"/>
@@ -28210,15 +26546,15 @@
               <a:buChar char="●"/>
             </a:pPr>
             <a:r>
-              <a:rPr lang="en-US" sz="1500">
+              <a:rPr lang="en-US" sz="1500" dirty="0">
                 <a:latin typeface="Lato"/>
                 <a:ea typeface="Lato"/>
                 <a:cs typeface="Lato"/>
                 <a:sym typeface="Lato"/>
               </a:rPr>
-              <a:t>Select “No Password” </a:t>
+              <a:t>Enter the path to the bucket and SQL dump file you uploaded</a:t>
             </a:r>
-            <a:endParaRPr sz="1500">
+            <a:endParaRPr sz="1500" dirty="0">
               <a:latin typeface="Lato"/>
               <a:ea typeface="Lato"/>
               <a:cs typeface="Lato"/>
@@ -28241,15 +26577,281 @@
               <a:buChar char="●"/>
             </a:pPr>
             <a:r>
-              <a:rPr lang="en-US" sz="1500">
+              <a:rPr lang="en-US" sz="1500" dirty="0">
                 <a:latin typeface="Lato"/>
                 <a:ea typeface="Lato"/>
                 <a:cs typeface="Lato"/>
                 <a:sym typeface="Lato"/>
               </a:rPr>
-              <a:t>Select “Create” </a:t>
+              <a:t>Format of import - “SQL” Select Database -  (database name)</a:t>
             </a:r>
-            <a:endParaRPr sz="1500">
+            <a:endParaRPr sz="1500" dirty="0">
+              <a:latin typeface="Lato"/>
+              <a:ea typeface="Lato"/>
+              <a:cs typeface="Lato"/>
+              <a:sym typeface="Lato"/>
+            </a:endParaRPr>
+          </a:p>
+          <a:p>
+            <a:pPr marL="0" marR="0" lvl="0" indent="0" algn="l" rtl="0">
+              <a:lnSpc>
+                <a:spcPct val="100000"/>
+              </a:lnSpc>
+              <a:spcBef>
+                <a:spcPts val="0"/>
+              </a:spcBef>
+              <a:spcAft>
+                <a:spcPts val="0"/>
+              </a:spcAft>
+              <a:buNone/>
+            </a:pPr>
+            <a:endParaRPr dirty="0">
+              <a:latin typeface="Lato"/>
+              <a:ea typeface="Lato"/>
+              <a:cs typeface="Lato"/>
+              <a:sym typeface="Lato"/>
+            </a:endParaRPr>
+          </a:p>
+          <a:p>
+            <a:pPr marL="0" marR="0" lvl="0" indent="0" algn="l" rtl="0">
+              <a:lnSpc>
+                <a:spcPct val="100000"/>
+              </a:lnSpc>
+              <a:spcBef>
+                <a:spcPts val="0"/>
+              </a:spcBef>
+              <a:spcAft>
+                <a:spcPts val="0"/>
+              </a:spcAft>
+              <a:buNone/>
+            </a:pPr>
+            <a:r>
+              <a:rPr lang="en-US" dirty="0">
+                <a:latin typeface="Lato"/>
+                <a:ea typeface="Lato"/>
+                <a:cs typeface="Lato"/>
+                <a:sym typeface="Lato"/>
+              </a:rPr>
+              <a:t>Step 9) Navigate back to Google Data Studio → Connect to Data</a:t>
+            </a:r>
+            <a:endParaRPr dirty="0">
+              <a:latin typeface="Lato"/>
+              <a:ea typeface="Lato"/>
+              <a:cs typeface="Lato"/>
+              <a:sym typeface="Lato"/>
+            </a:endParaRPr>
+          </a:p>
+          <a:p>
+            <a:pPr marL="457200" marR="0" lvl="0" indent="-317500" algn="l" rtl="0">
+              <a:lnSpc>
+                <a:spcPct val="100000"/>
+              </a:lnSpc>
+              <a:spcBef>
+                <a:spcPts val="0"/>
+              </a:spcBef>
+              <a:spcAft>
+                <a:spcPts val="0"/>
+              </a:spcAft>
+              <a:buSzPts val="1400"/>
+              <a:buFont typeface="Lato"/>
+              <a:buChar char="●"/>
+            </a:pPr>
+            <a:r>
+              <a:rPr lang="en-US" dirty="0">
+                <a:latin typeface="Lato"/>
+                <a:ea typeface="Lato"/>
+                <a:cs typeface="Lato"/>
+                <a:sym typeface="Lato"/>
+              </a:rPr>
+              <a:t>Select “Cloud SQL for MySQL” connector - “Create </a:t>
+            </a:r>
+            <a:r>
+              <a:rPr lang="en-US" dirty="0" err="1">
+                <a:latin typeface="Lato"/>
+                <a:ea typeface="Lato"/>
+                <a:cs typeface="Lato"/>
+                <a:sym typeface="Lato"/>
+              </a:rPr>
+              <a:t>Datasource</a:t>
+            </a:r>
+            <a:r>
+              <a:rPr lang="en-US" dirty="0">
+                <a:latin typeface="Lato"/>
+                <a:ea typeface="Lato"/>
+                <a:cs typeface="Lato"/>
+                <a:sym typeface="Lato"/>
+              </a:rPr>
+              <a:t>”</a:t>
+            </a:r>
+            <a:endParaRPr dirty="0">
+              <a:latin typeface="Lato"/>
+              <a:ea typeface="Lato"/>
+              <a:cs typeface="Lato"/>
+              <a:sym typeface="Lato"/>
+            </a:endParaRPr>
+          </a:p>
+          <a:p>
+            <a:pPr marL="457200" marR="0" lvl="0" indent="-317500" algn="l" rtl="0">
+              <a:lnSpc>
+                <a:spcPct val="100000"/>
+              </a:lnSpc>
+              <a:spcBef>
+                <a:spcPts val="0"/>
+              </a:spcBef>
+              <a:spcAft>
+                <a:spcPts val="0"/>
+              </a:spcAft>
+              <a:buSzPts val="1400"/>
+              <a:buFont typeface="Lato"/>
+              <a:buChar char="●"/>
+            </a:pPr>
+            <a:r>
+              <a:rPr lang="en-US" dirty="0">
+                <a:latin typeface="Lato"/>
+                <a:ea typeface="Lato"/>
+                <a:cs typeface="Lato"/>
+                <a:sym typeface="Lato"/>
+              </a:rPr>
+              <a:t>Authorize connection</a:t>
+            </a:r>
+          </a:p>
+          <a:p>
+            <a:pPr marL="139700" lvl="3">
+              <a:buSzPts val="1400"/>
+            </a:pPr>
+            <a:endParaRPr dirty="0">
+              <a:latin typeface="Lato"/>
+              <a:ea typeface="Lato"/>
+              <a:cs typeface="Lato"/>
+              <a:sym typeface="Lato"/>
+            </a:endParaRPr>
+          </a:p>
+          <a:p>
+            <a:pPr lvl="0"/>
+            <a:r>
+              <a:rPr lang="en-US" dirty="0">
+                <a:latin typeface="Lato"/>
+                <a:ea typeface="Lato"/>
+                <a:cs typeface="Lato"/>
+                <a:sym typeface="Lato"/>
+              </a:rPr>
+              <a:t>Step 10) Provide Instance Information (via BASIC connection)</a:t>
+            </a:r>
+          </a:p>
+          <a:p>
+            <a:pPr marL="457200" lvl="3" indent="-317500">
+              <a:buSzPts val="1400"/>
+              <a:buFont typeface="Lato"/>
+              <a:buChar char="●"/>
+            </a:pPr>
+            <a:r>
+              <a:rPr lang="en-US" dirty="0">
+                <a:latin typeface="Lato"/>
+                <a:ea typeface="Lato"/>
+                <a:cs typeface="Lato"/>
+                <a:sym typeface="Lato"/>
+              </a:rPr>
+              <a:t>Instance Connection Name:                                                                    </a:t>
+            </a:r>
+            <a:r>
+              <a:rPr lang="en-US" dirty="0" err="1">
+                <a:latin typeface="Lato"/>
+                <a:ea typeface="Lato"/>
+                <a:cs typeface="Lato"/>
+                <a:sym typeface="Lato"/>
+              </a:rPr>
+              <a:t>jdbc:google:mysql</a:t>
+            </a:r>
+            <a:r>
+              <a:rPr lang="en-US" dirty="0">
+                <a:latin typeface="Lato"/>
+                <a:ea typeface="Lato"/>
+                <a:cs typeface="Lato"/>
+                <a:sym typeface="Lato"/>
+              </a:rPr>
+              <a:t>://aaaa-1528141291560:us-central1:covid19</a:t>
+            </a:r>
+          </a:p>
+          <a:p>
+            <a:pPr marL="457200" lvl="3" indent="-317500">
+              <a:buSzPts val="1400"/>
+              <a:buFont typeface="Lato"/>
+              <a:buChar char="●"/>
+            </a:pPr>
+            <a:r>
+              <a:rPr lang="en-US" dirty="0">
+                <a:latin typeface="Lato"/>
+                <a:ea typeface="Lato"/>
+                <a:cs typeface="Lato"/>
+                <a:sym typeface="Lato"/>
+              </a:rPr>
+              <a:t>Database: </a:t>
+            </a:r>
+            <a:r>
+              <a:rPr lang="en-US" dirty="0">
+                <a:sym typeface="Lato"/>
+              </a:rPr>
+              <a:t>(database name)</a:t>
+            </a:r>
+          </a:p>
+          <a:p>
+            <a:pPr marL="457200" lvl="3" indent="-317500">
+              <a:buSzPts val="1400"/>
+              <a:buFont typeface="Lato"/>
+              <a:buChar char="●"/>
+            </a:pPr>
+            <a:r>
+              <a:rPr lang="en-US" dirty="0">
+                <a:latin typeface="Lato"/>
+                <a:ea typeface="Lato"/>
+                <a:cs typeface="Lato"/>
+                <a:sym typeface="Lato"/>
+              </a:rPr>
+              <a:t>Username &amp; Pass: root/root</a:t>
+            </a:r>
+          </a:p>
+          <a:p>
+            <a:endParaRPr lang="en-US" dirty="0">
+              <a:latin typeface="Lato"/>
+              <a:ea typeface="Lato"/>
+              <a:cs typeface="Lato"/>
+              <a:sym typeface="Lato"/>
+            </a:endParaRPr>
+          </a:p>
+          <a:p>
+            <a:r>
+              <a:rPr lang="en-US" dirty="0">
+                <a:latin typeface="Lato"/>
+                <a:ea typeface="Lato"/>
+                <a:cs typeface="Lato"/>
+                <a:sym typeface="Lato"/>
+              </a:rPr>
+              <a:t>Step 11) Navigate back to Google Data Studio → Connect to Data</a:t>
+            </a:r>
+          </a:p>
+          <a:p>
+            <a:pPr marL="0" marR="0" lvl="0" indent="0" algn="l" rtl="0">
+              <a:lnSpc>
+                <a:spcPct val="100000"/>
+              </a:lnSpc>
+              <a:spcBef>
+                <a:spcPts val="0"/>
+              </a:spcBef>
+              <a:spcAft>
+                <a:spcPts val="0"/>
+              </a:spcAft>
+              <a:buNone/>
+            </a:pPr>
+            <a:r>
+              <a:rPr lang="en-US" dirty="0">
+                <a:latin typeface="Lato"/>
+                <a:ea typeface="Lato"/>
+                <a:cs typeface="Lato"/>
+                <a:sym typeface="Lato"/>
+              </a:rPr>
+              <a:t> </a:t>
+            </a:r>
+            <a:endParaRPr dirty="0">
               <a:latin typeface="Lato"/>
               <a:ea typeface="Lato"/>
               <a:cs typeface="Lato"/>
@@ -28269,409 +26871,7 @@
               </a:spcAft>
               <a:buNone/>
             </a:pPr>
-            <a:endParaRPr sz="1500">
-              <a:latin typeface="Lato"/>
-              <a:ea typeface="Lato"/>
-              <a:cs typeface="Lato"/>
-              <a:sym typeface="Lato"/>
-            </a:endParaRPr>
-          </a:p>
-          <a:p>
-            <a:pPr marL="0" marR="0" lvl="0" indent="0" algn="l" rtl="0">
-              <a:lnSpc>
-                <a:spcPct val="100000"/>
-              </a:lnSpc>
-              <a:spcBef>
-                <a:spcPts val="0"/>
-              </a:spcBef>
-              <a:spcAft>
-                <a:spcPts val="0"/>
-              </a:spcAft>
-              <a:buNone/>
-            </a:pPr>
-            <a:r>
-              <a:rPr lang="en-US" sz="1500">
-                <a:latin typeface="Lato"/>
-                <a:ea typeface="Lato"/>
-                <a:cs typeface="Lato"/>
-                <a:sym typeface="Lato"/>
-              </a:rPr>
-              <a:t>Step 7) “SQL Instances” should now appear - select the instance from 6)</a:t>
-            </a:r>
-            <a:endParaRPr sz="1500">
-              <a:latin typeface="Lato"/>
-              <a:ea typeface="Lato"/>
-              <a:cs typeface="Lato"/>
-              <a:sym typeface="Lato"/>
-            </a:endParaRPr>
-          </a:p>
-          <a:p>
-            <a:pPr marL="0" marR="0" lvl="0" indent="0" algn="l" rtl="0">
-              <a:lnSpc>
-                <a:spcPct val="100000"/>
-              </a:lnSpc>
-              <a:spcBef>
-                <a:spcPts val="0"/>
-              </a:spcBef>
-              <a:spcAft>
-                <a:spcPts val="0"/>
-              </a:spcAft>
-              <a:buNone/>
-            </a:pPr>
-            <a:endParaRPr sz="1500">
-              <a:latin typeface="Lato"/>
-              <a:ea typeface="Lato"/>
-              <a:cs typeface="Lato"/>
-              <a:sym typeface="Lato"/>
-            </a:endParaRPr>
-          </a:p>
-          <a:p>
-            <a:pPr marL="0" marR="0" lvl="0" indent="0" algn="l" rtl="0">
-              <a:lnSpc>
-                <a:spcPct val="100000"/>
-              </a:lnSpc>
-              <a:spcBef>
-                <a:spcPts val="0"/>
-              </a:spcBef>
-              <a:spcAft>
-                <a:spcPts val="0"/>
-              </a:spcAft>
-              <a:buNone/>
-            </a:pPr>
-            <a:r>
-              <a:rPr lang="en-US" sz="1500">
-                <a:latin typeface="Lato"/>
-                <a:ea typeface="Lato"/>
-                <a:cs typeface="Lato"/>
-                <a:sym typeface="Lato"/>
-              </a:rPr>
-              <a:t>Step 8) Click Import in the button bar.</a:t>
-            </a:r>
-            <a:endParaRPr sz="1500">
-              <a:latin typeface="Lato"/>
-              <a:ea typeface="Lato"/>
-              <a:cs typeface="Lato"/>
-              <a:sym typeface="Lato"/>
-            </a:endParaRPr>
-          </a:p>
-          <a:p>
-            <a:pPr marL="457200" marR="0" lvl="0" indent="-323850" algn="l" rtl="0">
-              <a:lnSpc>
-                <a:spcPct val="100000"/>
-              </a:lnSpc>
-              <a:spcBef>
-                <a:spcPts val="0"/>
-              </a:spcBef>
-              <a:spcAft>
-                <a:spcPts val="0"/>
-              </a:spcAft>
-              <a:buSzPts val="1500"/>
-              <a:buFont typeface="Lato"/>
-              <a:buChar char="●"/>
-            </a:pPr>
-            <a:r>
-              <a:rPr lang="en-US" sz="1500">
-                <a:latin typeface="Lato"/>
-                <a:ea typeface="Lato"/>
-                <a:cs typeface="Lato"/>
-                <a:sym typeface="Lato"/>
-              </a:rPr>
-              <a:t>Enter the path to the bucket and SQL dump file you uploaded</a:t>
-            </a:r>
-            <a:endParaRPr sz="1500">
-              <a:latin typeface="Lato"/>
-              <a:ea typeface="Lato"/>
-              <a:cs typeface="Lato"/>
-              <a:sym typeface="Lato"/>
-            </a:endParaRPr>
-          </a:p>
-          <a:p>
-            <a:pPr marL="457200" marR="0" lvl="0" indent="-323850" algn="l" rtl="0">
-              <a:lnSpc>
-                <a:spcPct val="100000"/>
-              </a:lnSpc>
-              <a:spcBef>
-                <a:spcPts val="0"/>
-              </a:spcBef>
-              <a:spcAft>
-                <a:spcPts val="0"/>
-              </a:spcAft>
-              <a:buSzPts val="1500"/>
-              <a:buFont typeface="Lato"/>
-              <a:buChar char="●"/>
-            </a:pPr>
-            <a:r>
-              <a:rPr lang="en-US" sz="1500">
-                <a:latin typeface="Lato"/>
-                <a:ea typeface="Lato"/>
-                <a:cs typeface="Lato"/>
-                <a:sym typeface="Lato"/>
-              </a:rPr>
-              <a:t>Format of import - “SQL”</a:t>
-            </a:r>
-            <a:endParaRPr sz="1500">
-              <a:latin typeface="Lato"/>
-              <a:ea typeface="Lato"/>
-              <a:cs typeface="Lato"/>
-              <a:sym typeface="Lato"/>
-            </a:endParaRPr>
-          </a:p>
-          <a:p>
-            <a:pPr marL="457200" marR="0" lvl="0" indent="-323850" algn="l" rtl="0">
-              <a:lnSpc>
-                <a:spcPct val="100000"/>
-              </a:lnSpc>
-              <a:spcBef>
-                <a:spcPts val="0"/>
-              </a:spcBef>
-              <a:spcAft>
-                <a:spcPts val="0"/>
-              </a:spcAft>
-              <a:buSzPts val="1500"/>
-              <a:buFont typeface="Lato"/>
-              <a:buChar char="●"/>
-            </a:pPr>
-            <a:r>
-              <a:rPr lang="en-US" sz="1500">
-                <a:latin typeface="Lato"/>
-                <a:ea typeface="Lato"/>
-                <a:cs typeface="Lato"/>
-                <a:sym typeface="Lato"/>
-              </a:rPr>
-              <a:t>Select Database -  “mysql</a:t>
-            </a:r>
-            <a:endParaRPr sz="1500">
-              <a:latin typeface="Lato"/>
-              <a:ea typeface="Lato"/>
-              <a:cs typeface="Lato"/>
-              <a:sym typeface="Lato"/>
-            </a:endParaRPr>
-          </a:p>
-          <a:p>
-            <a:pPr marL="0" marR="0" lvl="0" indent="0" algn="l" rtl="0">
-              <a:lnSpc>
-                <a:spcPct val="100000"/>
-              </a:lnSpc>
-              <a:spcBef>
-                <a:spcPts val="0"/>
-              </a:spcBef>
-              <a:spcAft>
-                <a:spcPts val="0"/>
-              </a:spcAft>
-              <a:buNone/>
-            </a:pPr>
-            <a:endParaRPr>
-              <a:latin typeface="Lato"/>
-              <a:ea typeface="Lato"/>
-              <a:cs typeface="Lato"/>
-              <a:sym typeface="Lato"/>
-            </a:endParaRPr>
-          </a:p>
-          <a:p>
-            <a:pPr marL="0" marR="0" lvl="0" indent="0" algn="l" rtl="0">
-              <a:lnSpc>
-                <a:spcPct val="100000"/>
-              </a:lnSpc>
-              <a:spcBef>
-                <a:spcPts val="0"/>
-              </a:spcBef>
-              <a:spcAft>
-                <a:spcPts val="0"/>
-              </a:spcAft>
-              <a:buNone/>
-            </a:pPr>
-            <a:endParaRPr>
-              <a:latin typeface="Lato"/>
-              <a:ea typeface="Lato"/>
-              <a:cs typeface="Lato"/>
-              <a:sym typeface="Lato"/>
-            </a:endParaRPr>
-          </a:p>
-          <a:p>
-            <a:pPr marL="0" marR="0" lvl="0" indent="0" algn="l" rtl="0">
-              <a:lnSpc>
-                <a:spcPct val="100000"/>
-              </a:lnSpc>
-              <a:spcBef>
-                <a:spcPts val="0"/>
-              </a:spcBef>
-              <a:spcAft>
-                <a:spcPts val="0"/>
-              </a:spcAft>
-              <a:buNone/>
-            </a:pPr>
-            <a:r>
-              <a:rPr lang="en-US">
-                <a:latin typeface="Lato"/>
-                <a:ea typeface="Lato"/>
-                <a:cs typeface="Lato"/>
-                <a:sym typeface="Lato"/>
-              </a:rPr>
-              <a:t>Step 9) Navigate bace to Google Data Studio → Connect to Data</a:t>
-            </a:r>
-            <a:endParaRPr>
-              <a:latin typeface="Lato"/>
-              <a:ea typeface="Lato"/>
-              <a:cs typeface="Lato"/>
-              <a:sym typeface="Lato"/>
-            </a:endParaRPr>
-          </a:p>
-          <a:p>
-            <a:pPr marL="457200" marR="0" lvl="0" indent="-317500" algn="l" rtl="0">
-              <a:lnSpc>
-                <a:spcPct val="100000"/>
-              </a:lnSpc>
-              <a:spcBef>
-                <a:spcPts val="0"/>
-              </a:spcBef>
-              <a:spcAft>
-                <a:spcPts val="0"/>
-              </a:spcAft>
-              <a:buSzPts val="1400"/>
-              <a:buFont typeface="Lato"/>
-              <a:buChar char="●"/>
-            </a:pPr>
-            <a:r>
-              <a:rPr lang="en-US">
-                <a:latin typeface="Lato"/>
-                <a:ea typeface="Lato"/>
-                <a:cs typeface="Lato"/>
-                <a:sym typeface="Lato"/>
-              </a:rPr>
-              <a:t>Select “Cloud SQL for MySQL” connector “ - “Create Datasource</a:t>
-            </a:r>
-            <a:endParaRPr>
-              <a:latin typeface="Lato"/>
-              <a:ea typeface="Lato"/>
-              <a:cs typeface="Lato"/>
-              <a:sym typeface="Lato"/>
-            </a:endParaRPr>
-          </a:p>
-          <a:p>
-            <a:pPr marL="457200" marR="0" lvl="0" indent="-317500" algn="l" rtl="0">
-              <a:lnSpc>
-                <a:spcPct val="100000"/>
-              </a:lnSpc>
-              <a:spcBef>
-                <a:spcPts val="0"/>
-              </a:spcBef>
-              <a:spcAft>
-                <a:spcPts val="0"/>
-              </a:spcAft>
-              <a:buSzPts val="1400"/>
-              <a:buFont typeface="Lato"/>
-              <a:buChar char="●"/>
-            </a:pPr>
-            <a:r>
-              <a:rPr lang="en-US">
-                <a:latin typeface="Lato"/>
-                <a:ea typeface="Lato"/>
-                <a:cs typeface="Lato"/>
-                <a:sym typeface="Lato"/>
-              </a:rPr>
-              <a:t>Authorize connection</a:t>
-            </a:r>
-            <a:endParaRPr>
-              <a:latin typeface="Lato"/>
-              <a:ea typeface="Lato"/>
-              <a:cs typeface="Lato"/>
-              <a:sym typeface="Lato"/>
-            </a:endParaRPr>
-          </a:p>
-          <a:p>
-            <a:pPr marL="457200" marR="0" lvl="0" indent="-317500" algn="l" rtl="0">
-              <a:lnSpc>
-                <a:spcPct val="100000"/>
-              </a:lnSpc>
-              <a:spcBef>
-                <a:spcPts val="0"/>
-              </a:spcBef>
-              <a:spcAft>
-                <a:spcPts val="0"/>
-              </a:spcAft>
-              <a:buSzPts val="1400"/>
-              <a:buFont typeface="Lato"/>
-              <a:buChar char="●"/>
-            </a:pPr>
-            <a:r>
-              <a:rPr lang="en-US">
-                <a:latin typeface="Lato"/>
-                <a:ea typeface="Lato"/>
-                <a:cs typeface="Lato"/>
-                <a:sym typeface="Lato"/>
-              </a:rPr>
-              <a:t>Provide Instance Connection Name/Database/Username &amp; Pass</a:t>
-            </a:r>
-            <a:endParaRPr>
-              <a:latin typeface="Lato"/>
-              <a:ea typeface="Lato"/>
-              <a:cs typeface="Lato"/>
-              <a:sym typeface="Lato"/>
-            </a:endParaRPr>
-          </a:p>
-          <a:p>
-            <a:pPr marL="457200" marR="0" lvl="0" indent="0" algn="l" rtl="0">
-              <a:lnSpc>
-                <a:spcPct val="100000"/>
-              </a:lnSpc>
-              <a:spcBef>
-                <a:spcPts val="0"/>
-              </a:spcBef>
-              <a:spcAft>
-                <a:spcPts val="0"/>
-              </a:spcAft>
-              <a:buNone/>
-            </a:pPr>
-            <a:endParaRPr>
-              <a:latin typeface="Lato"/>
-              <a:ea typeface="Lato"/>
-              <a:cs typeface="Lato"/>
-              <a:sym typeface="Lato"/>
-            </a:endParaRPr>
-          </a:p>
-          <a:p>
-            <a:pPr marL="0" marR="0" lvl="0" indent="0" algn="l" rtl="0">
-              <a:lnSpc>
-                <a:spcPct val="100000"/>
-              </a:lnSpc>
-              <a:spcBef>
-                <a:spcPts val="0"/>
-              </a:spcBef>
-              <a:spcAft>
-                <a:spcPts val="0"/>
-              </a:spcAft>
-              <a:buNone/>
-            </a:pPr>
-            <a:r>
-              <a:rPr lang="en-US">
-                <a:latin typeface="Lato"/>
-                <a:ea typeface="Lato"/>
-                <a:cs typeface="Lato"/>
-                <a:sym typeface="Lato"/>
-              </a:rPr>
-              <a:t>Step 10) Create using MySQL cloud datasource in Google </a:t>
-            </a:r>
-            <a:endParaRPr>
-              <a:latin typeface="Lato"/>
-              <a:ea typeface="Lato"/>
-              <a:cs typeface="Lato"/>
-              <a:sym typeface="Lato"/>
-            </a:endParaRPr>
-          </a:p>
-          <a:p>
-            <a:pPr marL="457200" marR="0" lvl="0" indent="0" algn="l" rtl="0">
-              <a:lnSpc>
-                <a:spcPct val="100000"/>
-              </a:lnSpc>
-              <a:spcBef>
-                <a:spcPts val="0"/>
-              </a:spcBef>
-              <a:spcAft>
-                <a:spcPts val="0"/>
-              </a:spcAft>
-              <a:buNone/>
-            </a:pPr>
-            <a:endParaRPr>
+            <a:endParaRPr dirty="0">
               <a:latin typeface="Lato"/>
               <a:ea typeface="Lato"/>
               <a:cs typeface="Lato"/>
@@ -29072,12 +27272,8 @@
               <a:buNone/>
             </a:pPr>
             <a:r>
-              <a:rPr lang="en-US" sz="3000" dirty="0" err="1"/>
-              <a:t>NoSql</a:t>
-            </a:r>
-            <a:r>
               <a:rPr lang="en-US" sz="3000" dirty="0"/>
-              <a:t> Introduction</a:t>
+              <a:t>NoSQL Introduction</a:t>
             </a:r>
             <a:endParaRPr sz="3000" dirty="0"/>
           </a:p>
@@ -29097,11 +27293,7 @@
             </a:pPr>
             <a:r>
               <a:rPr lang="en-US" sz="3000" dirty="0"/>
-              <a:t>Finish </a:t>
-            </a:r>
-            <a:r>
-              <a:rPr lang="en-US" sz="3000"/>
-              <a:t>Class Project</a:t>
+              <a:t>Finish Class Project</a:t>
             </a:r>
             <a:endParaRPr sz="3000" dirty="0"/>
           </a:p>
@@ -29324,7 +27516,7 @@
             </a:pPr>
             <a:r>
               <a:rPr lang="en-US" sz="2400" dirty="0"/>
-              <a:t>Know the degree to which knowing one tool well qualifies you to work with similar tools</a:t>
+              <a:t>Know the degree to knowing one tool qualifies you to work with similar tools</a:t>
             </a:r>
             <a:endParaRPr sz="2400" dirty="0"/>
           </a:p>
@@ -29359,340 +27551,6 @@
 </file>
 
 <file path=ppt/slides/slide5.xml><?xml version="1.0" encoding="utf-8"?>
-<p:sld xmlns:a="http://schemas.openxmlformats.org/drawingml/2006/main" xmlns:r="http://schemas.openxmlformats.org/officeDocument/2006/relationships" xmlns:p="http://schemas.openxmlformats.org/presentationml/2006/main">
-  <p:cSld>
-    <p:spTree>
-      <p:nvGrpSpPr>
-        <p:cNvPr id="1" name="Shape 208"/>
-        <p:cNvGrpSpPr/>
-        <p:nvPr/>
-      </p:nvGrpSpPr>
-      <p:grpSpPr>
-        <a:xfrm>
-          <a:off x="0" y="0"/>
-          <a:ext cx="0" cy="0"/>
-          <a:chOff x="0" y="0"/>
-          <a:chExt cx="0" cy="0"/>
-        </a:xfrm>
-      </p:grpSpPr>
-      <p:sp>
-        <p:nvSpPr>
-          <p:cNvPr id="209" name="Google Shape;209;p32"/>
-          <p:cNvSpPr txBox="1">
-            <a:spLocks noGrp="1"/>
-          </p:cNvSpPr>
-          <p:nvPr>
-            <p:ph type="ctrTitle"/>
-          </p:nvPr>
-        </p:nvSpPr>
-        <p:spPr>
-          <a:xfrm>
-            <a:off x="913795" y="609600"/>
-            <a:ext cx="10353900" cy="970500"/>
-          </a:xfrm>
-          <a:prstGeom prst="rect">
-            <a:avLst/>
-          </a:prstGeom>
-          <a:noFill/>
-          <a:ln>
-            <a:noFill/>
-          </a:ln>
-          <a:effectLst>
-            <a:outerShdw blurRad="25400">
-              <a:srgbClr val="000000">
-                <a:alpha val="45880"/>
-              </a:srgbClr>
-            </a:outerShdw>
-          </a:effectLst>
-        </p:spPr>
-        <p:txBody>
-          <a:bodyPr spcFirstLastPara="1" wrap="square" lIns="91425" tIns="45700" rIns="91425" bIns="45700" anchor="ctr" anchorCtr="0">
-            <a:noAutofit/>
-          </a:bodyPr>
-          <a:lstStyle/>
-          <a:p>
-            <a:pPr marL="0" lvl="0" indent="0" algn="l" rtl="0">
-              <a:spcBef>
-                <a:spcPts val="0"/>
-              </a:spcBef>
-              <a:spcAft>
-                <a:spcPts val="0"/>
-              </a:spcAft>
-              <a:buClr>
-                <a:schemeClr val="lt2"/>
-              </a:buClr>
-              <a:buSzPts val="4000"/>
-              <a:buFont typeface="Lustria"/>
-              <a:buNone/>
-            </a:pPr>
-            <a:r>
-              <a:rPr lang="en-US" sz="4800"/>
-              <a:t>What is ETL?</a:t>
-            </a:r>
-            <a:endParaRPr sz="4800"/>
-          </a:p>
-        </p:txBody>
-      </p:sp>
-      <p:pic>
-        <p:nvPicPr>
-          <p:cNvPr id="210" name="Google Shape;210;p32"/>
-          <p:cNvPicPr preferRelativeResize="0"/>
-          <p:nvPr/>
-        </p:nvPicPr>
-        <p:blipFill>
-          <a:blip r:embed="rId3">
-            <a:alphaModFix/>
-          </a:blip>
-          <a:stretch>
-            <a:fillRect/>
-          </a:stretch>
-        </p:blipFill>
-        <p:spPr>
-          <a:xfrm>
-            <a:off x="6322489" y="3159925"/>
-            <a:ext cx="5782011" cy="2529625"/>
-          </a:xfrm>
-          <a:prstGeom prst="rect">
-            <a:avLst/>
-          </a:prstGeom>
-          <a:noFill/>
-          <a:ln>
-            <a:noFill/>
-          </a:ln>
-        </p:spPr>
-      </p:pic>
-      <p:sp>
-        <p:nvSpPr>
-          <p:cNvPr id="211" name="Google Shape;211;p32"/>
-          <p:cNvSpPr txBox="1"/>
-          <p:nvPr/>
-        </p:nvSpPr>
-        <p:spPr>
-          <a:xfrm>
-            <a:off x="1044525" y="1739125"/>
-            <a:ext cx="10625400" cy="3000000"/>
-          </a:xfrm>
-          <a:prstGeom prst="rect">
-            <a:avLst/>
-          </a:prstGeom>
-          <a:noFill/>
-          <a:ln>
-            <a:noFill/>
-          </a:ln>
-        </p:spPr>
-        <p:txBody>
-          <a:bodyPr spcFirstLastPara="1" wrap="square" lIns="91425" tIns="91425" rIns="91425" bIns="91425" anchor="t" anchorCtr="0">
-            <a:noAutofit/>
-          </a:bodyPr>
-          <a:lstStyle/>
-          <a:p>
-            <a:pPr marL="0" lvl="0" indent="0" algn="l" rtl="0">
-              <a:spcBef>
-                <a:spcPts val="0"/>
-              </a:spcBef>
-              <a:spcAft>
-                <a:spcPts val="0"/>
-              </a:spcAft>
-              <a:buNone/>
-            </a:pPr>
-            <a:r>
-              <a:rPr lang="en-US" sz="2000"/>
-              <a:t>ETL is short for Extract, Transform, and Load. These functions that let you take data from different formats, manipulate the data in a staging area, then write data to a target database.</a:t>
-            </a:r>
-            <a:endParaRPr sz="2000"/>
-          </a:p>
-          <a:p>
-            <a:pPr marL="0" lvl="0" indent="0" algn="l" rtl="0">
-              <a:spcBef>
-                <a:spcPts val="0"/>
-              </a:spcBef>
-              <a:spcAft>
-                <a:spcPts val="0"/>
-              </a:spcAft>
-              <a:buNone/>
-            </a:pPr>
-            <a:endParaRPr sz="1800"/>
-          </a:p>
-        </p:txBody>
-      </p:sp>
-      <p:sp>
-        <p:nvSpPr>
-          <p:cNvPr id="212" name="Google Shape;212;p32"/>
-          <p:cNvSpPr txBox="1"/>
-          <p:nvPr/>
-        </p:nvSpPr>
-        <p:spPr>
-          <a:xfrm>
-            <a:off x="65400" y="2689550"/>
-            <a:ext cx="6377400" cy="3000000"/>
-          </a:xfrm>
-          <a:prstGeom prst="rect">
-            <a:avLst/>
-          </a:prstGeom>
-          <a:noFill/>
-          <a:ln>
-            <a:noFill/>
-          </a:ln>
-        </p:spPr>
-        <p:txBody>
-          <a:bodyPr spcFirstLastPara="1" wrap="square" lIns="91425" tIns="91425" rIns="91425" bIns="91425" anchor="t" anchorCtr="0">
-            <a:noAutofit/>
-          </a:bodyPr>
-          <a:lstStyle/>
-          <a:p>
-            <a:pPr marL="457200" lvl="0" indent="-342900" algn="l" rtl="0">
-              <a:spcBef>
-                <a:spcPts val="0"/>
-              </a:spcBef>
-              <a:spcAft>
-                <a:spcPts val="0"/>
-              </a:spcAft>
-              <a:buSzPts val="1800"/>
-              <a:buAutoNum type="arabicPeriod"/>
-            </a:pPr>
-            <a:r>
-              <a:rPr lang="en-US" sz="1800" b="1"/>
-              <a:t>The Extract stage</a:t>
-            </a:r>
-            <a:r>
-              <a:rPr lang="en-US" sz="1800"/>
-              <a:t> lets you take data from different sources and allows you to pull it into a centralized staging area.</a:t>
-            </a:r>
-            <a:endParaRPr sz="1800"/>
-          </a:p>
-          <a:p>
-            <a:pPr marL="457200" lvl="0" indent="0" algn="l" rtl="0">
-              <a:spcBef>
-                <a:spcPts val="0"/>
-              </a:spcBef>
-              <a:spcAft>
-                <a:spcPts val="0"/>
-              </a:spcAft>
-              <a:buNone/>
-            </a:pPr>
-            <a:endParaRPr sz="1800"/>
-          </a:p>
-          <a:p>
-            <a:pPr marL="457200" lvl="0" indent="-342900" algn="l" rtl="0">
-              <a:spcBef>
-                <a:spcPts val="0"/>
-              </a:spcBef>
-              <a:spcAft>
-                <a:spcPts val="0"/>
-              </a:spcAft>
-              <a:buSzPts val="1800"/>
-              <a:buAutoNum type="arabicPeriod"/>
-            </a:pPr>
-            <a:r>
-              <a:rPr lang="en-US" sz="1800" b="1"/>
-              <a:t>The Transform stage</a:t>
-            </a:r>
-            <a:r>
-              <a:rPr lang="en-US" sz="1800"/>
-              <a:t> lets you manipulate the data with certain rules applied on the extracted data. </a:t>
-            </a:r>
-            <a:endParaRPr sz="1800"/>
-          </a:p>
-          <a:p>
-            <a:pPr marL="457200" lvl="0" indent="0" algn="l" rtl="0">
-              <a:spcBef>
-                <a:spcPts val="0"/>
-              </a:spcBef>
-              <a:spcAft>
-                <a:spcPts val="0"/>
-              </a:spcAft>
-              <a:buNone/>
-            </a:pPr>
-            <a:r>
-              <a:rPr lang="en-US" sz="1800"/>
-              <a:t>The goal is to load this data into the end, target database in a </a:t>
-            </a:r>
-            <a:r>
-              <a:rPr lang="en-US" sz="1800" u="sng"/>
-              <a:t>cleansed</a:t>
-            </a:r>
-            <a:r>
-              <a:rPr lang="en-US" sz="1800"/>
-              <a:t>, </a:t>
-            </a:r>
-            <a:r>
-              <a:rPr lang="en-US" sz="1800" u="sng"/>
-              <a:t>uniform</a:t>
-            </a:r>
-            <a:r>
-              <a:rPr lang="en-US" sz="1800"/>
-              <a:t> format. </a:t>
-            </a:r>
-            <a:endParaRPr sz="1800"/>
-          </a:p>
-          <a:p>
-            <a:pPr marL="457200" lvl="0" indent="0" algn="l" rtl="0">
-              <a:spcBef>
-                <a:spcPts val="0"/>
-              </a:spcBef>
-              <a:spcAft>
-                <a:spcPts val="0"/>
-              </a:spcAft>
-              <a:buNone/>
-            </a:pPr>
-            <a:endParaRPr sz="1800"/>
-          </a:p>
-          <a:p>
-            <a:pPr marL="457200" lvl="0" indent="-342900" algn="l" rtl="0">
-              <a:spcBef>
-                <a:spcPts val="0"/>
-              </a:spcBef>
-              <a:spcAft>
-                <a:spcPts val="0"/>
-              </a:spcAft>
-              <a:buSzPts val="1800"/>
-              <a:buAutoNum type="arabicPeriod"/>
-            </a:pPr>
-            <a:r>
-              <a:rPr lang="en-US" sz="1800" b="1"/>
-              <a:t>The Load stage</a:t>
-            </a:r>
-            <a:r>
-              <a:rPr lang="en-US" sz="1800"/>
-              <a:t> is the process of writing the data into the final, target database. This final target can be an </a:t>
-            </a:r>
-            <a:r>
-              <a:rPr lang="en-US" sz="1800" u="sng"/>
-              <a:t>operational data store</a:t>
-            </a:r>
-            <a:r>
-              <a:rPr lang="en-US" sz="1800"/>
-              <a:t>, </a:t>
-            </a:r>
-            <a:r>
-              <a:rPr lang="en-US" sz="1800" u="sng"/>
-              <a:t>data marts</a:t>
-            </a:r>
-            <a:r>
-              <a:rPr lang="en-US" sz="1800"/>
-              <a:t>, or a </a:t>
-            </a:r>
-            <a:r>
-              <a:rPr lang="en-US" sz="1800" u="sng"/>
-              <a:t>data warehouse</a:t>
-            </a:r>
-            <a:r>
-              <a:rPr lang="en-US" sz="1800"/>
-              <a:t>. </a:t>
-            </a:r>
-            <a:endParaRPr sz="1800"/>
-          </a:p>
-        </p:txBody>
-      </p:sp>
-    </p:spTree>
-  </p:cSld>
-  <p:clrMapOvr>
-    <a:masterClrMapping/>
-  </p:clrMapOvr>
-</p:sld>
-</file>
-
-<file path=ppt/slides/slide6.xml><?xml version="1.0" encoding="utf-8"?>
 <p:sld xmlns:a="http://schemas.openxmlformats.org/drawingml/2006/main" xmlns:r="http://schemas.openxmlformats.org/officeDocument/2006/relationships" xmlns:p="http://schemas.openxmlformats.org/presentationml/2006/main">
   <p:cSld>
     <p:spTree>
@@ -30270,7 +28128,7 @@
 </p:sld>
 </file>
 
-<file path=ppt/slides/slide7.xml><?xml version="1.0" encoding="utf-8"?>
+<file path=ppt/slides/slide6.xml><?xml version="1.0" encoding="utf-8"?>
 <p:sld xmlns:a="http://schemas.openxmlformats.org/drawingml/2006/main" xmlns:r="http://schemas.openxmlformats.org/officeDocument/2006/relationships" xmlns:p="http://schemas.openxmlformats.org/presentationml/2006/main">
   <p:cSld>
     <p:spTree>
@@ -30555,7 +28413,7 @@
 </p:sld>
 </file>
 
-<file path=ppt/slides/slide8.xml><?xml version="1.0" encoding="utf-8"?>
+<file path=ppt/slides/slide7.xml><?xml version="1.0" encoding="utf-8"?>
 <p:sld xmlns:a="http://schemas.openxmlformats.org/drawingml/2006/main" xmlns:r="http://schemas.openxmlformats.org/officeDocument/2006/relationships" xmlns:p="http://schemas.openxmlformats.org/presentationml/2006/main">
   <p:cSld>
     <p:spTree>
@@ -30707,7 +28565,7 @@
 </p:sld>
 </file>
 
-<file path=ppt/slides/slide9.xml><?xml version="1.0" encoding="utf-8"?>
+<file path=ppt/slides/slide8.xml><?xml version="1.0" encoding="utf-8"?>
 <p:sld xmlns:a="http://schemas.openxmlformats.org/drawingml/2006/main" xmlns:r="http://schemas.openxmlformats.org/officeDocument/2006/relationships" xmlns:p="http://schemas.openxmlformats.org/presentationml/2006/main">
   <p:cSld>
     <p:spTree>
@@ -31486,6 +29344,631 @@
           </a:p>
         </p:txBody>
       </p:sp>
+    </p:spTree>
+  </p:cSld>
+  <p:clrMapOvr>
+    <a:masterClrMapping/>
+  </p:clrMapOvr>
+</p:sld>
+</file>
+
+<file path=ppt/slides/slide9.xml><?xml version="1.0" encoding="utf-8"?>
+<p:sld xmlns:a="http://schemas.openxmlformats.org/drawingml/2006/main" xmlns:r="http://schemas.openxmlformats.org/officeDocument/2006/relationships" xmlns:p="http://schemas.openxmlformats.org/presentationml/2006/main">
+  <p:cSld>
+    <p:spTree>
+      <p:nvGrpSpPr>
+        <p:cNvPr id="1" name="Shape 250"/>
+        <p:cNvGrpSpPr/>
+        <p:nvPr/>
+      </p:nvGrpSpPr>
+      <p:grpSpPr>
+        <a:xfrm>
+          <a:off x="0" y="0"/>
+          <a:ext cx="0" cy="0"/>
+          <a:chOff x="0" y="0"/>
+          <a:chExt cx="0" cy="0"/>
+        </a:xfrm>
+      </p:grpSpPr>
+      <p:sp>
+        <p:nvSpPr>
+          <p:cNvPr id="251" name="Google Shape;251;p37"/>
+          <p:cNvSpPr txBox="1">
+            <a:spLocks noGrp="1"/>
+          </p:cNvSpPr>
+          <p:nvPr>
+            <p:ph type="ctrTitle"/>
+          </p:nvPr>
+        </p:nvSpPr>
+        <p:spPr>
+          <a:xfrm>
+            <a:off x="913795" y="609600"/>
+            <a:ext cx="10353900" cy="970500"/>
+          </a:xfrm>
+          <a:prstGeom prst="rect">
+            <a:avLst/>
+          </a:prstGeom>
+          <a:noFill/>
+          <a:ln>
+            <a:noFill/>
+          </a:ln>
+          <a:effectLst>
+            <a:outerShdw blurRad="25400">
+              <a:srgbClr val="000000">
+                <a:alpha val="45490"/>
+              </a:srgbClr>
+            </a:outerShdw>
+          </a:effectLst>
+        </p:spPr>
+        <p:txBody>
+          <a:bodyPr spcFirstLastPara="1" wrap="square" lIns="91425" tIns="45700" rIns="91425" bIns="45700" anchor="ctr" anchorCtr="0">
+            <a:noAutofit/>
+          </a:bodyPr>
+          <a:lstStyle/>
+          <a:p>
+            <a:pPr marL="0" lvl="0" indent="0" algn="l" rtl="0">
+              <a:lnSpc>
+                <a:spcPct val="100000"/>
+              </a:lnSpc>
+              <a:spcBef>
+                <a:spcPts val="0"/>
+              </a:spcBef>
+              <a:spcAft>
+                <a:spcPts val="0"/>
+              </a:spcAft>
+              <a:buClr>
+                <a:schemeClr val="lt2"/>
+              </a:buClr>
+              <a:buSzPts val="4000"/>
+              <a:buFont typeface="Lustria"/>
+              <a:buNone/>
+            </a:pPr>
+            <a:r>
+              <a:rPr lang="en-US" sz="3000" dirty="0"/>
+              <a:t>What is NoSQL?</a:t>
+            </a:r>
+            <a:endParaRPr sz="3000" dirty="0"/>
+          </a:p>
+        </p:txBody>
+      </p:sp>
+      <p:sp>
+        <p:nvSpPr>
+          <p:cNvPr id="252" name="Google Shape;252;p37"/>
+          <p:cNvSpPr txBox="1"/>
+          <p:nvPr/>
+        </p:nvSpPr>
+        <p:spPr>
+          <a:xfrm>
+            <a:off x="443375" y="1580100"/>
+            <a:ext cx="11456700" cy="1417200"/>
+          </a:xfrm>
+          <a:prstGeom prst="rect">
+            <a:avLst/>
+          </a:prstGeom>
+          <a:noFill/>
+          <a:ln>
+            <a:noFill/>
+          </a:ln>
+        </p:spPr>
+        <p:txBody>
+          <a:bodyPr spcFirstLastPara="1" wrap="square" lIns="91425" tIns="91425" rIns="91425" bIns="91425" anchor="t" anchorCtr="0">
+            <a:noAutofit/>
+          </a:bodyPr>
+          <a:lstStyle/>
+          <a:p>
+            <a:pPr marL="457200" marR="0" lvl="0" indent="0" algn="l" rtl="0">
+              <a:lnSpc>
+                <a:spcPct val="100000"/>
+              </a:lnSpc>
+              <a:spcBef>
+                <a:spcPts val="0"/>
+              </a:spcBef>
+              <a:spcAft>
+                <a:spcPts val="0"/>
+              </a:spcAft>
+              <a:buNone/>
+            </a:pPr>
+            <a:r>
+              <a:rPr lang="en-US" sz="1800" dirty="0">
+                <a:latin typeface="Lato"/>
+                <a:ea typeface="Lato"/>
+                <a:cs typeface="Lato"/>
+                <a:sym typeface="Lato"/>
+              </a:rPr>
+              <a:t> NoSQL is a way of saying “non-relational” or an alternative to traditional relational databases. These database systems are not built on tables and do not need SQL language to be used to manipulate data. </a:t>
+            </a:r>
+          </a:p>
+          <a:p>
+            <a:pPr marL="457200" marR="0" lvl="0" indent="0" algn="l" rtl="0">
+              <a:lnSpc>
+                <a:spcPct val="100000"/>
+              </a:lnSpc>
+              <a:spcBef>
+                <a:spcPts val="0"/>
+              </a:spcBef>
+              <a:spcAft>
+                <a:spcPts val="0"/>
+              </a:spcAft>
+              <a:buNone/>
+            </a:pPr>
+            <a:endParaRPr lang="en-US" sz="1800" dirty="0">
+              <a:latin typeface="Lato"/>
+              <a:ea typeface="Lato"/>
+              <a:cs typeface="Lato"/>
+              <a:sym typeface="Lato"/>
+            </a:endParaRPr>
+          </a:p>
+          <a:p>
+            <a:pPr marL="457200" marR="0" lvl="0" indent="0" algn="l" rtl="0">
+              <a:lnSpc>
+                <a:spcPct val="100000"/>
+              </a:lnSpc>
+              <a:spcBef>
+                <a:spcPts val="0"/>
+              </a:spcBef>
+              <a:spcAft>
+                <a:spcPts val="0"/>
+              </a:spcAft>
+              <a:buNone/>
+            </a:pPr>
+            <a:r>
+              <a:rPr lang="en-US" sz="1800" dirty="0">
+                <a:latin typeface="Lato"/>
+                <a:ea typeface="Lato"/>
+                <a:cs typeface="Lato"/>
+                <a:sym typeface="Lato"/>
+              </a:rPr>
+              <a:t>NoSQL databases can handle semi-structured and unstructured data, which is essential in Data Science.</a:t>
+            </a:r>
+            <a:endParaRPr sz="1800" dirty="0">
+              <a:latin typeface="Lato"/>
+              <a:ea typeface="Lato"/>
+              <a:cs typeface="Lato"/>
+              <a:sym typeface="Lato"/>
+            </a:endParaRPr>
+          </a:p>
+          <a:p>
+            <a:pPr marL="457200" marR="0" lvl="0" indent="0" algn="l" rtl="0">
+              <a:lnSpc>
+                <a:spcPct val="100000"/>
+              </a:lnSpc>
+              <a:spcBef>
+                <a:spcPts val="0"/>
+              </a:spcBef>
+              <a:spcAft>
+                <a:spcPts val="0"/>
+              </a:spcAft>
+              <a:buNone/>
+            </a:pPr>
+            <a:endParaRPr sz="1800" dirty="0">
+              <a:latin typeface="Lato"/>
+              <a:ea typeface="Lato"/>
+              <a:cs typeface="Lato"/>
+              <a:sym typeface="Lato"/>
+            </a:endParaRPr>
+          </a:p>
+          <a:p>
+            <a:pPr marL="457200" marR="0" lvl="0" indent="0" algn="l" rtl="0">
+              <a:lnSpc>
+                <a:spcPct val="100000"/>
+              </a:lnSpc>
+              <a:spcBef>
+                <a:spcPts val="0"/>
+              </a:spcBef>
+              <a:spcAft>
+                <a:spcPts val="0"/>
+              </a:spcAft>
+              <a:buNone/>
+            </a:pPr>
+            <a:endParaRPr sz="1800" dirty="0">
+              <a:latin typeface="Lato"/>
+              <a:ea typeface="Lato"/>
+              <a:cs typeface="Lato"/>
+              <a:sym typeface="Lato"/>
+            </a:endParaRPr>
+          </a:p>
+          <a:p>
+            <a:pPr marL="457200" marR="0" lvl="0" indent="0" algn="l" rtl="0">
+              <a:lnSpc>
+                <a:spcPct val="100000"/>
+              </a:lnSpc>
+              <a:spcBef>
+                <a:spcPts val="0"/>
+              </a:spcBef>
+              <a:spcAft>
+                <a:spcPts val="0"/>
+              </a:spcAft>
+              <a:buNone/>
+            </a:pPr>
+            <a:endParaRPr sz="1800" dirty="0">
+              <a:latin typeface="Lato"/>
+              <a:ea typeface="Lato"/>
+              <a:cs typeface="Lato"/>
+              <a:sym typeface="Lato"/>
+            </a:endParaRPr>
+          </a:p>
+          <a:p>
+            <a:pPr marL="457200" marR="0" lvl="0" indent="0" algn="l" rtl="0">
+              <a:lnSpc>
+                <a:spcPct val="100000"/>
+              </a:lnSpc>
+              <a:spcBef>
+                <a:spcPts val="0"/>
+              </a:spcBef>
+              <a:spcAft>
+                <a:spcPts val="0"/>
+              </a:spcAft>
+              <a:buNone/>
+            </a:pPr>
+            <a:endParaRPr sz="1800" dirty="0">
+              <a:latin typeface="Lato"/>
+              <a:ea typeface="Lato"/>
+              <a:cs typeface="Lato"/>
+              <a:sym typeface="Lato"/>
+            </a:endParaRPr>
+          </a:p>
+        </p:txBody>
+      </p:sp>
+      <p:sp>
+        <p:nvSpPr>
+          <p:cNvPr id="253" name="Google Shape;253;p37"/>
+          <p:cNvSpPr txBox="1"/>
+          <p:nvPr/>
+        </p:nvSpPr>
+        <p:spPr>
+          <a:xfrm>
+            <a:off x="1108846" y="2851288"/>
+            <a:ext cx="4242384" cy="3502500"/>
+          </a:xfrm>
+          <a:prstGeom prst="rect">
+            <a:avLst/>
+          </a:prstGeom>
+          <a:noFill/>
+          <a:ln>
+            <a:noFill/>
+          </a:ln>
+        </p:spPr>
+        <p:txBody>
+          <a:bodyPr spcFirstLastPara="1" wrap="square" lIns="91425" tIns="91425" rIns="91425" bIns="91425" anchor="t" anchorCtr="0">
+            <a:noAutofit/>
+          </a:bodyPr>
+          <a:lstStyle/>
+          <a:p>
+            <a:pPr marL="0" lvl="0" indent="0" algn="ctr" rtl="0">
+              <a:spcBef>
+                <a:spcPts val="0"/>
+              </a:spcBef>
+              <a:spcAft>
+                <a:spcPts val="0"/>
+              </a:spcAft>
+              <a:buNone/>
+            </a:pPr>
+            <a:r>
+              <a:rPr lang="en-US" sz="1800" b="1" dirty="0">
+                <a:latin typeface="Lato"/>
+                <a:ea typeface="Lato"/>
+                <a:cs typeface="Lato"/>
+                <a:sym typeface="Lato"/>
+              </a:rPr>
+              <a:t>What are Some Examples </a:t>
+            </a:r>
+            <a:endParaRPr sz="1800" b="1" dirty="0">
+              <a:latin typeface="Lato"/>
+              <a:ea typeface="Lato"/>
+              <a:cs typeface="Lato"/>
+              <a:sym typeface="Lato"/>
+            </a:endParaRPr>
+          </a:p>
+          <a:p>
+            <a:pPr marL="0" lvl="0" indent="0" algn="ctr" rtl="0">
+              <a:spcBef>
+                <a:spcPts val="0"/>
+              </a:spcBef>
+              <a:spcAft>
+                <a:spcPts val="0"/>
+              </a:spcAft>
+              <a:buNone/>
+            </a:pPr>
+            <a:r>
+              <a:rPr lang="en-US" sz="1800" b="1" dirty="0">
+                <a:latin typeface="Lato"/>
+                <a:ea typeface="Lato"/>
+                <a:cs typeface="Lato"/>
+                <a:sym typeface="Lato"/>
+              </a:rPr>
+              <a:t>of NoSQL Databases?</a:t>
+            </a:r>
+          </a:p>
+          <a:p>
+            <a:pPr marL="0" lvl="0" indent="0" algn="ctr" rtl="0">
+              <a:spcBef>
+                <a:spcPts val="0"/>
+              </a:spcBef>
+              <a:spcAft>
+                <a:spcPts val="0"/>
+              </a:spcAft>
+              <a:buNone/>
+            </a:pPr>
+            <a:endParaRPr sz="1800" dirty="0">
+              <a:latin typeface="Lato"/>
+              <a:ea typeface="Lato"/>
+              <a:cs typeface="Lato"/>
+              <a:sym typeface="Lato"/>
+            </a:endParaRPr>
+          </a:p>
+          <a:p>
+            <a:pPr marL="457200" lvl="0" indent="-342900" algn="l" rtl="0">
+              <a:lnSpc>
+                <a:spcPct val="115000"/>
+              </a:lnSpc>
+              <a:spcBef>
+                <a:spcPts val="0"/>
+              </a:spcBef>
+              <a:spcAft>
+                <a:spcPts val="0"/>
+              </a:spcAft>
+              <a:buSzPts val="1800"/>
+              <a:buFont typeface="Lato"/>
+              <a:buChar char="●"/>
+            </a:pPr>
+            <a:r>
+              <a:rPr lang="en-US" sz="1800" dirty="0">
+                <a:latin typeface="Lato"/>
+                <a:ea typeface="Lato"/>
+                <a:cs typeface="Lato"/>
+                <a:sym typeface="Lato"/>
+              </a:rPr>
+              <a:t>MongoDB - Open Source</a:t>
+            </a:r>
+            <a:endParaRPr sz="1800" dirty="0">
+              <a:latin typeface="Lato"/>
+              <a:ea typeface="Lato"/>
+              <a:cs typeface="Lato"/>
+              <a:sym typeface="Lato"/>
+            </a:endParaRPr>
+          </a:p>
+          <a:p>
+            <a:pPr marL="457200" lvl="0" indent="-342900" algn="l" rtl="0">
+              <a:lnSpc>
+                <a:spcPct val="115000"/>
+              </a:lnSpc>
+              <a:spcBef>
+                <a:spcPts val="0"/>
+              </a:spcBef>
+              <a:spcAft>
+                <a:spcPts val="0"/>
+              </a:spcAft>
+              <a:buSzPts val="1800"/>
+              <a:buFont typeface="Lato"/>
+              <a:buChar char="●"/>
+            </a:pPr>
+            <a:r>
+              <a:rPr lang="en-US" sz="1800" dirty="0">
+                <a:latin typeface="Lato"/>
+                <a:ea typeface="Lato"/>
+                <a:cs typeface="Lato"/>
+                <a:sym typeface="Lato"/>
+              </a:rPr>
+              <a:t>Apache Cassandra - Open Source</a:t>
+            </a:r>
+          </a:p>
+          <a:p>
+            <a:pPr marL="457200" lvl="0" indent="-342900" algn="l" rtl="0">
+              <a:lnSpc>
+                <a:spcPct val="115000"/>
+              </a:lnSpc>
+              <a:spcBef>
+                <a:spcPts val="0"/>
+              </a:spcBef>
+              <a:spcAft>
+                <a:spcPts val="0"/>
+              </a:spcAft>
+              <a:buSzPts val="1800"/>
+              <a:buFont typeface="Lato"/>
+              <a:buChar char="●"/>
+            </a:pPr>
+            <a:r>
+              <a:rPr lang="en-US" sz="1800" dirty="0">
+                <a:latin typeface="Lato"/>
+                <a:ea typeface="Lato"/>
+                <a:cs typeface="Lato"/>
+                <a:sym typeface="Lato"/>
+              </a:rPr>
+              <a:t>Couchbase - Open Source</a:t>
+            </a:r>
+            <a:endParaRPr sz="1800" dirty="0">
+              <a:latin typeface="Lato"/>
+              <a:ea typeface="Lato"/>
+              <a:cs typeface="Lato"/>
+              <a:sym typeface="Lato"/>
+            </a:endParaRPr>
+          </a:p>
+          <a:p>
+            <a:pPr marL="457200" lvl="0" indent="-342900" algn="l" rtl="0">
+              <a:lnSpc>
+                <a:spcPct val="115000"/>
+              </a:lnSpc>
+              <a:spcBef>
+                <a:spcPts val="0"/>
+              </a:spcBef>
+              <a:spcAft>
+                <a:spcPts val="0"/>
+              </a:spcAft>
+              <a:buSzPts val="1800"/>
+              <a:buFont typeface="Lato"/>
+              <a:buChar char="●"/>
+            </a:pPr>
+            <a:r>
+              <a:rPr lang="en-US" sz="1800" dirty="0">
+                <a:latin typeface="Lato"/>
+                <a:ea typeface="Lato"/>
+                <a:cs typeface="Lato"/>
+                <a:sym typeface="Lato"/>
+              </a:rPr>
+              <a:t>MS Azure Cosmos DB</a:t>
+            </a:r>
+            <a:endParaRPr sz="1800" dirty="0">
+              <a:latin typeface="Lato"/>
+              <a:ea typeface="Lato"/>
+              <a:cs typeface="Lato"/>
+              <a:sym typeface="Lato"/>
+            </a:endParaRPr>
+          </a:p>
+          <a:p>
+            <a:pPr marL="457200" lvl="0" indent="-342900" algn="l" rtl="0">
+              <a:lnSpc>
+                <a:spcPct val="115000"/>
+              </a:lnSpc>
+              <a:spcBef>
+                <a:spcPts val="0"/>
+              </a:spcBef>
+              <a:spcAft>
+                <a:spcPts val="0"/>
+              </a:spcAft>
+              <a:buSzPts val="1800"/>
+              <a:buFont typeface="Lato"/>
+              <a:buChar char="●"/>
+            </a:pPr>
+            <a:r>
+              <a:rPr lang="en-US" sz="1800" dirty="0">
+                <a:latin typeface="Lato"/>
+                <a:ea typeface="Lato"/>
+                <a:cs typeface="Lato"/>
+                <a:sym typeface="Lato"/>
+              </a:rPr>
+              <a:t>Amazon DynamoDB</a:t>
+            </a:r>
+            <a:endParaRPr sz="1800" dirty="0">
+              <a:latin typeface="Lato"/>
+              <a:ea typeface="Lato"/>
+              <a:cs typeface="Lato"/>
+              <a:sym typeface="Lato"/>
+            </a:endParaRPr>
+          </a:p>
+          <a:p>
+            <a:pPr marL="457200" lvl="0" indent="-342900" algn="l" rtl="0">
+              <a:lnSpc>
+                <a:spcPct val="115000"/>
+              </a:lnSpc>
+              <a:spcBef>
+                <a:spcPts val="0"/>
+              </a:spcBef>
+              <a:spcAft>
+                <a:spcPts val="0"/>
+              </a:spcAft>
+              <a:buSzPts val="1800"/>
+              <a:buFont typeface="Lato"/>
+              <a:buChar char="●"/>
+            </a:pPr>
+            <a:r>
+              <a:rPr lang="en-US" sz="1800" dirty="0">
+                <a:latin typeface="Lato"/>
+                <a:ea typeface="Lato"/>
+                <a:cs typeface="Lato"/>
+                <a:sym typeface="Lato"/>
+              </a:rPr>
+              <a:t>Google Cloud Platform </a:t>
+            </a:r>
+            <a:endParaRPr sz="1800" dirty="0">
+              <a:latin typeface="Lato"/>
+              <a:ea typeface="Lato"/>
+              <a:cs typeface="Lato"/>
+              <a:sym typeface="Lato"/>
+            </a:endParaRPr>
+          </a:p>
+          <a:p>
+            <a:pPr marL="914400" lvl="1" indent="-342900" algn="l" rtl="0">
+              <a:lnSpc>
+                <a:spcPct val="115000"/>
+              </a:lnSpc>
+              <a:spcBef>
+                <a:spcPts val="0"/>
+              </a:spcBef>
+              <a:spcAft>
+                <a:spcPts val="0"/>
+              </a:spcAft>
+              <a:buSzPts val="1800"/>
+              <a:buFont typeface="Lato"/>
+              <a:buChar char="○"/>
+            </a:pPr>
+            <a:r>
+              <a:rPr lang="en-US" sz="1800" dirty="0">
+                <a:latin typeface="Lato"/>
+                <a:ea typeface="Lato"/>
+                <a:cs typeface="Lato"/>
+                <a:sym typeface="Lato"/>
+              </a:rPr>
+              <a:t>Cloud Datastore </a:t>
+            </a:r>
+            <a:endParaRPr sz="1800" dirty="0">
+              <a:latin typeface="Lato"/>
+              <a:ea typeface="Lato"/>
+              <a:cs typeface="Lato"/>
+              <a:sym typeface="Lato"/>
+            </a:endParaRPr>
+          </a:p>
+          <a:p>
+            <a:pPr marL="914400" lvl="1" indent="-342900" algn="l" rtl="0">
+              <a:lnSpc>
+                <a:spcPct val="115000"/>
+              </a:lnSpc>
+              <a:spcBef>
+                <a:spcPts val="0"/>
+              </a:spcBef>
+              <a:spcAft>
+                <a:spcPts val="0"/>
+              </a:spcAft>
+              <a:buSzPts val="1800"/>
+              <a:buFont typeface="Lato"/>
+              <a:buChar char="○"/>
+            </a:pPr>
+            <a:r>
+              <a:rPr lang="en-US" sz="1800" dirty="0">
+                <a:latin typeface="Lato"/>
+                <a:ea typeface="Lato"/>
+                <a:cs typeface="Lato"/>
+                <a:sym typeface="Lato"/>
+              </a:rPr>
+              <a:t>Cloud Bigtable</a:t>
+            </a:r>
+            <a:endParaRPr sz="1800" dirty="0">
+              <a:latin typeface="Lato"/>
+              <a:ea typeface="Lato"/>
+              <a:cs typeface="Lato"/>
+              <a:sym typeface="Lato"/>
+            </a:endParaRPr>
+          </a:p>
+        </p:txBody>
+      </p:sp>
+      <p:pic>
+        <p:nvPicPr>
+          <p:cNvPr id="2" name="Picture 1">
+            <a:extLst>
+              <a:ext uri="{FF2B5EF4-FFF2-40B4-BE49-F238E27FC236}">
+                <a16:creationId xmlns:a16="http://schemas.microsoft.com/office/drawing/2014/main" id="{1DA99889-3E80-4FD8-91A4-CB2EB07A095F}"/>
+              </a:ext>
+            </a:extLst>
+          </p:cNvPr>
+          <p:cNvPicPr>
+            <a:picLocks noChangeAspect="1"/>
+          </p:cNvPicPr>
+          <p:nvPr/>
+        </p:nvPicPr>
+        <p:blipFill>
+          <a:blip r:embed="rId3"/>
+          <a:stretch>
+            <a:fillRect/>
+          </a:stretch>
+        </p:blipFill>
+        <p:spPr>
+          <a:xfrm>
+            <a:off x="5617555" y="3089078"/>
+            <a:ext cx="5743575" cy="3429000"/>
+          </a:xfrm>
+          <a:prstGeom prst="rect">
+            <a:avLst/>
+          </a:prstGeom>
+        </p:spPr>
+      </p:pic>
     </p:spTree>
   </p:cSld>
   <p:clrMapOvr>

--- a/Lectures/(8) Tools for Data Manipulation _ Management.pptx
+++ b/Lectures/(8) Tools for Data Manipulation _ Management.pptx
@@ -23,8 +23,8 @@
     <p:sldId id="269" r:id="rId14"/>
     <p:sldId id="270" r:id="rId15"/>
     <p:sldId id="271" r:id="rId16"/>
-    <p:sldId id="272" r:id="rId17"/>
-    <p:sldId id="274" r:id="rId18"/>
+    <p:sldId id="274" r:id="rId17"/>
+    <p:sldId id="272" r:id="rId18"/>
   </p:sldIdLst>
   <p:sldSz cx="12192000" cy="6858000"/>
   <p:notesSz cx="6858000" cy="9144000"/>
@@ -2461,6 +2461,173 @@
   <p:cSld>
     <p:spTree>
       <p:nvGrpSpPr>
+        <p:cNvPr id="1" name="Shape 307"/>
+        <p:cNvGrpSpPr/>
+        <p:nvPr/>
+      </p:nvGrpSpPr>
+      <p:grpSpPr>
+        <a:xfrm>
+          <a:off x="0" y="0"/>
+          <a:ext cx="0" cy="0"/>
+          <a:chOff x="0" y="0"/>
+          <a:chExt cx="0" cy="0"/>
+        </a:xfrm>
+      </p:grpSpPr>
+      <p:sp>
+        <p:nvSpPr>
+          <p:cNvPr id="308" name="Google Shape;308;g5275e2a24e_0_238:notes"/>
+          <p:cNvSpPr txBox="1">
+            <a:spLocks noGrp="1"/>
+          </p:cNvSpPr>
+          <p:nvPr>
+            <p:ph type="body" idx="1"/>
+          </p:nvPr>
+        </p:nvSpPr>
+        <p:spPr>
+          <a:xfrm>
+            <a:off x="685800" y="4400550"/>
+            <a:ext cx="5486400" cy="3600600"/>
+          </a:xfrm>
+          <a:prstGeom prst="rect">
+            <a:avLst/>
+          </a:prstGeom>
+          <a:noFill/>
+          <a:ln>
+            <a:noFill/>
+          </a:ln>
+        </p:spPr>
+        <p:txBody>
+          <a:bodyPr spcFirstLastPara="1" wrap="square" lIns="91425" tIns="45700" rIns="91425" bIns="45700" anchor="t" anchorCtr="0">
+            <a:noAutofit/>
+          </a:bodyPr>
+          <a:lstStyle/>
+          <a:p>
+            <a:pPr marL="0" marR="0" lvl="0" indent="0" algn="l" rtl="0">
+              <a:lnSpc>
+                <a:spcPct val="100000"/>
+              </a:lnSpc>
+              <a:spcBef>
+                <a:spcPts val="0"/>
+              </a:spcBef>
+              <a:spcAft>
+                <a:spcPts val="0"/>
+              </a:spcAft>
+              <a:buNone/>
+            </a:pPr>
+            <a:r>
+              <a:rPr lang="en-US" dirty="0">
+                <a:latin typeface="Lato"/>
+                <a:ea typeface="Lato"/>
+                <a:cs typeface="Lato"/>
+                <a:sym typeface="Lato"/>
+              </a:rPr>
+              <a:t>Steps at: https://cloud.google.com/sql/docs/mysql/import-export/importing</a:t>
+            </a:r>
+          </a:p>
+          <a:p>
+            <a:pPr marL="0" marR="0" lvl="0" indent="0" algn="l" rtl="0">
+              <a:lnSpc>
+                <a:spcPct val="100000"/>
+              </a:lnSpc>
+              <a:spcBef>
+                <a:spcPts val="0"/>
+              </a:spcBef>
+              <a:spcAft>
+                <a:spcPts val="0"/>
+              </a:spcAft>
+              <a:buNone/>
+            </a:pPr>
+            <a:r>
+              <a:rPr lang="en-US" dirty="0">
+                <a:latin typeface="Lato"/>
+                <a:ea typeface="Lato"/>
+                <a:cs typeface="Lato"/>
+                <a:sym typeface="Lato"/>
+              </a:rPr>
+              <a:t>If “SUPER” access is needed on dump file import to “MySQL” database – create a new database via google cloud </a:t>
+            </a:r>
+            <a:r>
+              <a:rPr lang="en-US" dirty="0" err="1">
+                <a:latin typeface="Lato"/>
+                <a:ea typeface="Lato"/>
+                <a:cs typeface="Lato"/>
+                <a:sym typeface="Lato"/>
+              </a:rPr>
+              <a:t>sql</a:t>
+            </a:r>
+            <a:endParaRPr lang="en-US" dirty="0">
+              <a:latin typeface="Lato"/>
+              <a:ea typeface="Lato"/>
+              <a:cs typeface="Lato"/>
+              <a:sym typeface="Lato"/>
+            </a:endParaRPr>
+          </a:p>
+        </p:txBody>
+      </p:sp>
+      <p:sp>
+        <p:nvSpPr>
+          <p:cNvPr id="309" name="Google Shape;309;g5275e2a24e_0_238:notes"/>
+          <p:cNvSpPr>
+            <a:spLocks noGrp="1" noRot="1" noChangeAspect="1"/>
+          </p:cNvSpPr>
+          <p:nvPr>
+            <p:ph type="sldImg" idx="2"/>
+          </p:nvPr>
+        </p:nvSpPr>
+        <p:spPr>
+          <a:xfrm>
+            <a:off x="685800" y="1143000"/>
+            <a:ext cx="5486400" cy="3086100"/>
+          </a:xfrm>
+          <a:custGeom>
+            <a:avLst/>
+            <a:gdLst/>
+            <a:ahLst/>
+            <a:cxnLst/>
+            <a:rect l="l" t="t" r="r" b="b"/>
+            <a:pathLst>
+              <a:path w="120000" h="120000" extrusionOk="0">
+                <a:moveTo>
+                  <a:pt x="0" y="0"/>
+                </a:moveTo>
+                <a:lnTo>
+                  <a:pt x="120000" y="0"/>
+                </a:lnTo>
+                <a:lnTo>
+                  <a:pt x="120000" y="120000"/>
+                </a:lnTo>
+                <a:lnTo>
+                  <a:pt x="0" y="120000"/>
+                </a:lnTo>
+                <a:close/>
+              </a:path>
+            </a:pathLst>
+          </a:custGeom>
+          <a:noFill/>
+          <a:ln w="12700" cap="flat" cmpd="sng">
+            <a:solidFill>
+              <a:srgbClr val="000000"/>
+            </a:solidFill>
+            <a:prstDash val="solid"/>
+            <a:round/>
+            <a:headEnd type="none" w="sm" len="sm"/>
+            <a:tailEnd type="none" w="sm" len="sm"/>
+          </a:ln>
+        </p:spPr>
+      </p:sp>
+    </p:spTree>
+  </p:cSld>
+  <p:clrMapOvr>
+    <a:masterClrMapping/>
+  </p:clrMapOvr>
+</p:notes>
+</file>
+
+<file path=ppt/notesSlides/notesSlide16.xml><?xml version="1.0" encoding="utf-8"?>
+<p:notes xmlns:a="http://schemas.openxmlformats.org/drawingml/2006/main" xmlns:r="http://schemas.openxmlformats.org/officeDocument/2006/relationships" xmlns:p="http://schemas.openxmlformats.org/presentationml/2006/main" showMasterSp="0" showMasterPhAnim="0">
+  <p:cSld>
+    <p:spTree>
+      <p:nvGrpSpPr>
         <p:cNvPr id="1" name="Shape 292"/>
         <p:cNvGrpSpPr/>
         <p:nvPr/>
@@ -2592,178 +2759,11 @@
             </a:pPr>
             <a:fld id="{00000000-1234-1234-1234-123412341234}" type="slidenum">
               <a:rPr lang="en-US"/>
-              <a:t>15</a:t>
+              <a:t>16</a:t>
             </a:fld>
             <a:endParaRPr/>
           </a:p>
         </p:txBody>
-      </p:sp>
-    </p:spTree>
-  </p:cSld>
-  <p:clrMapOvr>
-    <a:masterClrMapping/>
-  </p:clrMapOvr>
-</p:notes>
-</file>
-
-<file path=ppt/notesSlides/notesSlide16.xml><?xml version="1.0" encoding="utf-8"?>
-<p:notes xmlns:a="http://schemas.openxmlformats.org/drawingml/2006/main" xmlns:r="http://schemas.openxmlformats.org/officeDocument/2006/relationships" xmlns:p="http://schemas.openxmlformats.org/presentationml/2006/main" showMasterSp="0" showMasterPhAnim="0">
-  <p:cSld>
-    <p:spTree>
-      <p:nvGrpSpPr>
-        <p:cNvPr id="1" name="Shape 307"/>
-        <p:cNvGrpSpPr/>
-        <p:nvPr/>
-      </p:nvGrpSpPr>
-      <p:grpSpPr>
-        <a:xfrm>
-          <a:off x="0" y="0"/>
-          <a:ext cx="0" cy="0"/>
-          <a:chOff x="0" y="0"/>
-          <a:chExt cx="0" cy="0"/>
-        </a:xfrm>
-      </p:grpSpPr>
-      <p:sp>
-        <p:nvSpPr>
-          <p:cNvPr id="308" name="Google Shape;308;g5275e2a24e_0_238:notes"/>
-          <p:cNvSpPr txBox="1">
-            <a:spLocks noGrp="1"/>
-          </p:cNvSpPr>
-          <p:nvPr>
-            <p:ph type="body" idx="1"/>
-          </p:nvPr>
-        </p:nvSpPr>
-        <p:spPr>
-          <a:xfrm>
-            <a:off x="685800" y="4400550"/>
-            <a:ext cx="5486400" cy="3600600"/>
-          </a:xfrm>
-          <a:prstGeom prst="rect">
-            <a:avLst/>
-          </a:prstGeom>
-          <a:noFill/>
-          <a:ln>
-            <a:noFill/>
-          </a:ln>
-        </p:spPr>
-        <p:txBody>
-          <a:bodyPr spcFirstLastPara="1" wrap="square" lIns="91425" tIns="45700" rIns="91425" bIns="45700" anchor="t" anchorCtr="0">
-            <a:noAutofit/>
-          </a:bodyPr>
-          <a:lstStyle/>
-          <a:p>
-            <a:pPr marL="0" marR="0" lvl="0" indent="0" algn="l" rtl="0">
-              <a:lnSpc>
-                <a:spcPct val="100000"/>
-              </a:lnSpc>
-              <a:spcBef>
-                <a:spcPts val="0"/>
-              </a:spcBef>
-              <a:spcAft>
-                <a:spcPts val="0"/>
-              </a:spcAft>
-              <a:buNone/>
-            </a:pPr>
-            <a:r>
-              <a:rPr lang="en-US" dirty="0">
-                <a:latin typeface="Lato"/>
-                <a:ea typeface="Lato"/>
-                <a:cs typeface="Lato"/>
-                <a:sym typeface="Lato"/>
-              </a:rPr>
-              <a:t>Steps at: https://cloud.google.com/sql/docs/mysql/import-export/importing</a:t>
-            </a:r>
-          </a:p>
-          <a:p>
-            <a:pPr marL="0" marR="0" lvl="0" indent="0" algn="l" rtl="0">
-              <a:lnSpc>
-                <a:spcPct val="100000"/>
-              </a:lnSpc>
-              <a:spcBef>
-                <a:spcPts val="0"/>
-              </a:spcBef>
-              <a:spcAft>
-                <a:spcPts val="0"/>
-              </a:spcAft>
-              <a:buNone/>
-            </a:pPr>
-            <a:r>
-              <a:rPr lang="en-US" dirty="0">
-                <a:latin typeface="Lato"/>
-                <a:ea typeface="Lato"/>
-                <a:cs typeface="Lato"/>
-                <a:sym typeface="Lato"/>
-              </a:rPr>
-              <a:t>If “SUPER” access is needed on dump file import to “MySQL” database – create a new database via google cloud </a:t>
-            </a:r>
-            <a:r>
-              <a:rPr lang="en-US" dirty="0" err="1">
-                <a:latin typeface="Lato"/>
-                <a:ea typeface="Lato"/>
-                <a:cs typeface="Lato"/>
-                <a:sym typeface="Lato"/>
-              </a:rPr>
-              <a:t>sql</a:t>
-            </a:r>
-            <a:endParaRPr lang="en-US" dirty="0">
-              <a:latin typeface="Lato"/>
-              <a:ea typeface="Lato"/>
-              <a:cs typeface="Lato"/>
-              <a:sym typeface="Lato"/>
-            </a:endParaRPr>
-          </a:p>
-        </p:txBody>
-      </p:sp>
-      <p:sp>
-        <p:nvSpPr>
-          <p:cNvPr id="309" name="Google Shape;309;g5275e2a24e_0_238:notes"/>
-          <p:cNvSpPr>
-            <a:spLocks noGrp="1" noRot="1" noChangeAspect="1"/>
-          </p:cNvSpPr>
-          <p:nvPr>
-            <p:ph type="sldImg" idx="2"/>
-          </p:nvPr>
-        </p:nvSpPr>
-        <p:spPr>
-          <a:xfrm>
-            <a:off x="685800" y="1143000"/>
-            <a:ext cx="5486400" cy="3086100"/>
-          </a:xfrm>
-          <a:custGeom>
-            <a:avLst/>
-            <a:gdLst/>
-            <a:ahLst/>
-            <a:cxnLst/>
-            <a:rect l="l" t="t" r="r" b="b"/>
-            <a:pathLst>
-              <a:path w="120000" h="120000" extrusionOk="0">
-                <a:moveTo>
-                  <a:pt x="0" y="0"/>
-                </a:moveTo>
-                <a:lnTo>
-                  <a:pt x="120000" y="0"/>
-                </a:lnTo>
-                <a:lnTo>
-                  <a:pt x="120000" y="120000"/>
-                </a:lnTo>
-                <a:lnTo>
-                  <a:pt x="0" y="120000"/>
-                </a:lnTo>
-                <a:close/>
-              </a:path>
-            </a:pathLst>
-          </a:custGeom>
-          <a:noFill/>
-          <a:ln w="12700" cap="flat" cmpd="sng">
-            <a:solidFill>
-              <a:srgbClr val="000000"/>
-            </a:solidFill>
-            <a:prstDash val="solid"/>
-            <a:round/>
-            <a:headEnd type="none" w="sm" len="sm"/>
-            <a:tailEnd type="none" w="sm" len="sm"/>
-          </a:ln>
-        </p:spPr>
       </p:sp>
     </p:spTree>
   </p:cSld>
@@ -25615,73 +25615,6 @@
   <p:cSld>
     <p:spTree>
       <p:nvGrpSpPr>
-        <p:cNvPr id="1" name="Shape 296"/>
-        <p:cNvGrpSpPr/>
-        <p:nvPr/>
-      </p:nvGrpSpPr>
-      <p:grpSpPr>
-        <a:xfrm>
-          <a:off x="0" y="0"/>
-          <a:ext cx="0" cy="0"/>
-          <a:chOff x="0" y="0"/>
-          <a:chExt cx="0" cy="0"/>
-        </a:xfrm>
-      </p:grpSpPr>
-      <p:sp>
-        <p:nvSpPr>
-          <p:cNvPr id="297" name="Google Shape;297;p43"/>
-          <p:cNvSpPr txBox="1">
-            <a:spLocks noGrp="1"/>
-          </p:cNvSpPr>
-          <p:nvPr>
-            <p:ph type="ctrTitle"/>
-          </p:nvPr>
-        </p:nvSpPr>
-        <p:spPr>
-          <a:xfrm>
-            <a:off x="972600" y="1763275"/>
-            <a:ext cx="11801700" cy="2219700"/>
-          </a:xfrm>
-          <a:prstGeom prst="rect">
-            <a:avLst/>
-          </a:prstGeom>
-        </p:spPr>
-        <p:txBody>
-          <a:bodyPr spcFirstLastPara="1" wrap="square" lIns="121900" tIns="121900" rIns="121900" bIns="121900" anchor="t" anchorCtr="0">
-            <a:noAutofit/>
-          </a:bodyPr>
-          <a:lstStyle/>
-          <a:p>
-            <a:pPr marL="0" lvl="0" indent="0" algn="l" rtl="0">
-              <a:spcBef>
-                <a:spcPts val="0"/>
-              </a:spcBef>
-              <a:spcAft>
-                <a:spcPts val="0"/>
-              </a:spcAft>
-              <a:buNone/>
-            </a:pPr>
-            <a:r>
-              <a:rPr lang="en-US"/>
-              <a:t>Thank you!</a:t>
-            </a:r>
-            <a:endParaRPr/>
-          </a:p>
-        </p:txBody>
-      </p:sp>
-    </p:spTree>
-  </p:cSld>
-  <p:clrMapOvr>
-    <a:masterClrMapping/>
-  </p:clrMapOvr>
-</p:sld>
-</file>
-
-<file path=ppt/slides/slide16.xml><?xml version="1.0" encoding="utf-8"?>
-<p:sld xmlns:a="http://schemas.openxmlformats.org/drawingml/2006/main" xmlns:r="http://schemas.openxmlformats.org/officeDocument/2006/relationships" xmlns:p="http://schemas.openxmlformats.org/presentationml/2006/main">
-  <p:cSld>
-    <p:spTree>
-      <p:nvGrpSpPr>
         <p:cNvPr id="1" name="Shape 310"/>
         <p:cNvGrpSpPr/>
         <p:nvPr/>
@@ -26877,6 +26810,73 @@
               <a:cs typeface="Lato"/>
               <a:sym typeface="Lato"/>
             </a:endParaRPr>
+          </a:p>
+        </p:txBody>
+      </p:sp>
+    </p:spTree>
+  </p:cSld>
+  <p:clrMapOvr>
+    <a:masterClrMapping/>
+  </p:clrMapOvr>
+</p:sld>
+</file>
+
+<file path=ppt/slides/slide16.xml><?xml version="1.0" encoding="utf-8"?>
+<p:sld xmlns:a="http://schemas.openxmlformats.org/drawingml/2006/main" xmlns:r="http://schemas.openxmlformats.org/officeDocument/2006/relationships" xmlns:p="http://schemas.openxmlformats.org/presentationml/2006/main">
+  <p:cSld>
+    <p:spTree>
+      <p:nvGrpSpPr>
+        <p:cNvPr id="1" name="Shape 296"/>
+        <p:cNvGrpSpPr/>
+        <p:nvPr/>
+      </p:nvGrpSpPr>
+      <p:grpSpPr>
+        <a:xfrm>
+          <a:off x="0" y="0"/>
+          <a:ext cx="0" cy="0"/>
+          <a:chOff x="0" y="0"/>
+          <a:chExt cx="0" cy="0"/>
+        </a:xfrm>
+      </p:grpSpPr>
+      <p:sp>
+        <p:nvSpPr>
+          <p:cNvPr id="297" name="Google Shape;297;p43"/>
+          <p:cNvSpPr txBox="1">
+            <a:spLocks noGrp="1"/>
+          </p:cNvSpPr>
+          <p:nvPr>
+            <p:ph type="ctrTitle"/>
+          </p:nvPr>
+        </p:nvSpPr>
+        <p:spPr>
+          <a:xfrm>
+            <a:off x="972600" y="1763275"/>
+            <a:ext cx="11801700" cy="2219700"/>
+          </a:xfrm>
+          <a:prstGeom prst="rect">
+            <a:avLst/>
+          </a:prstGeom>
+        </p:spPr>
+        <p:txBody>
+          <a:bodyPr spcFirstLastPara="1" wrap="square" lIns="121900" tIns="121900" rIns="121900" bIns="121900" anchor="t" anchorCtr="0">
+            <a:noAutofit/>
+          </a:bodyPr>
+          <a:lstStyle/>
+          <a:p>
+            <a:pPr marL="0" lvl="0" indent="0" algn="l" rtl="0">
+              <a:spcBef>
+                <a:spcPts val="0"/>
+              </a:spcBef>
+              <a:spcAft>
+                <a:spcPts val="0"/>
+              </a:spcAft>
+              <a:buNone/>
+            </a:pPr>
+            <a:r>
+              <a:rPr lang="en-US"/>
+              <a:t>Thank you!</a:t>
+            </a:r>
+            <a:endParaRPr/>
           </a:p>
         </p:txBody>
       </p:sp>

--- a/Lectures/(8) Tools for Data Manipulation _ Management.pptx
+++ b/Lectures/(8) Tools for Data Manipulation _ Management.pptx
@@ -4177,6 +4177,32 @@
                 <a:hlinkClick r:id="rId3"/>
               </a:rPr>
               <a:t>NoSQL &amp; Hadoop Intro: https://datajobs.com/what-is-hadoop-and-nosql</a:t>
+            </a:r>
+            <a:endParaRPr lang="en-US" dirty="0"/>
+          </a:p>
+          <a:p>
+            <a:pPr marL="0" lvl="0" indent="0" algn="l" rtl="0">
+              <a:lnSpc>
+                <a:spcPct val="100000"/>
+              </a:lnSpc>
+              <a:spcBef>
+                <a:spcPts val="0"/>
+              </a:spcBef>
+              <a:spcAft>
+                <a:spcPts val="0"/>
+              </a:spcAft>
+              <a:buSzPts val="1400"/>
+              <a:buNone/>
+            </a:pPr>
+            <a:r>
+              <a:rPr lang="en-US" dirty="0"/>
+              <a:t>Comparison: </a:t>
+            </a:r>
+            <a:r>
+              <a:rPr lang="en-US" dirty="0">
+                <a:hlinkClick r:id="rId4"/>
+              </a:rPr>
+              <a:t>https://www.quora.com/What-are-the-main-differences-between-the-four-types-of-NoSql-databases-KeyValue-Store-Column-Oriented-Store-Document-Oriented-Graph-Database#:~:text=The%20only%20real%20difference%20is,the%20format%20of%20each%20value.</a:t>
             </a:r>
             <a:endParaRPr dirty="0"/>
           </a:p>
@@ -24413,11 +24439,17 @@
         <p:nvGraphicFramePr>
           <p:cNvPr id="290" name="Google Shape;290;p42"/>
           <p:cNvGraphicFramePr/>
-          <p:nvPr/>
+          <p:nvPr>
+            <p:extLst>
+              <p:ext uri="{D42A27DB-BD31-4B8C-83A1-F6EECF244321}">
+                <p14:modId xmlns:p14="http://schemas.microsoft.com/office/powerpoint/2010/main" val="2332733320"/>
+              </p:ext>
+            </p:extLst>
+          </p:nvPr>
         </p:nvGraphicFramePr>
         <p:xfrm>
-          <a:off x="373713" y="1669175"/>
-          <a:ext cx="11444550" cy="5248100"/>
+          <a:off x="457199" y="1669175"/>
+          <a:ext cx="11294532" cy="5218322"/>
         </p:xfrm>
         <a:graphic>
           <a:graphicData uri="http://schemas.openxmlformats.org/drawingml/2006/table">
@@ -24429,21 +24461,21 @@
                 <a:tableStyleId>{FA9B7535-07B7-4EA8-9E1C-266842263CEE}</a:tableStyleId>
               </a:tblPr>
               <a:tblGrid>
-                <a:gridCol w="1318675">
+                <a:gridCol w="1301389">
                   <a:extLst>
                     <a:ext uri="{9D8B030D-6E8A-4147-A177-3AD203B41FA5}">
                       <a16:colId xmlns:a16="http://schemas.microsoft.com/office/drawing/2014/main" val="20000"/>
                     </a:ext>
                   </a:extLst>
                 </a:gridCol>
-                <a:gridCol w="5673750">
+                <a:gridCol w="5599377">
                   <a:extLst>
                     <a:ext uri="{9D8B030D-6E8A-4147-A177-3AD203B41FA5}">
                       <a16:colId xmlns:a16="http://schemas.microsoft.com/office/drawing/2014/main" val="20001"/>
                     </a:ext>
                   </a:extLst>
                 </a:gridCol>
-                <a:gridCol w="4452125">
+                <a:gridCol w="4393766">
                   <a:extLst>
                     <a:ext uri="{9D8B030D-6E8A-4147-A177-3AD203B41FA5}">
                       <a16:colId xmlns:a16="http://schemas.microsoft.com/office/drawing/2014/main" val="20002"/>
@@ -24451,7 +24483,7 @@
                   </a:extLst>
                 </a:gridCol>
               </a:tblGrid>
-              <a:tr h="375975">
+              <a:tr h="378500">
                 <a:tc>
                   <a:txBody>
                     <a:bodyPr/>
@@ -24581,7 +24613,7 @@
                   </a:ext>
                 </a:extLst>
               </a:tr>
-              <a:tr h="601575">
+              <a:tr h="605600">
                 <a:tc>
                   <a:txBody>
                     <a:bodyPr/>
@@ -24721,7 +24753,7 @@
                   </a:ext>
                 </a:extLst>
               </a:tr>
-              <a:tr h="827150">
+              <a:tr h="832701">
                 <a:tc>
                   <a:txBody>
                     <a:bodyPr/>
@@ -24861,7 +24893,7 @@
                   </a:ext>
                 </a:extLst>
               </a:tr>
-              <a:tr h="601575">
+              <a:tr h="605600">
                 <a:tc>
                   <a:txBody>
                     <a:bodyPr/>
@@ -25001,7 +25033,7 @@
                   </a:ext>
                 </a:extLst>
               </a:tr>
-              <a:tr h="752300">
+              <a:tr h="722522">
                 <a:tc>
                   <a:txBody>
                     <a:bodyPr/>
@@ -25117,7 +25149,7 @@
                   </a:ext>
                 </a:extLst>
               </a:tr>
-              <a:tr h="827150">
+              <a:tr h="832701">
                 <a:tc>
                   <a:txBody>
                     <a:bodyPr/>
@@ -25257,7 +25289,7 @@
                   </a:ext>
                 </a:extLst>
               </a:tr>
-              <a:tr h="601575">
+              <a:tr h="605600">
                 <a:tc>
                   <a:txBody>
                     <a:bodyPr/>
@@ -25320,14 +25352,14 @@
                         <a:buNone/>
                       </a:pPr>
                       <a:r>
-                        <a:rPr lang="en-US" sz="1500">
+                        <a:rPr lang="en-US" sz="1500" dirty="0">
                           <a:highlight>
                             <a:srgbClr val="FFFFFF"/>
                           </a:highlight>
                         </a:rPr>
                         <a:t>A scalable, fully managed enterprise data warehouse (EDW) with SQL and fast ad-hoc queries.</a:t>
                       </a:r>
-                      <a:endParaRPr sz="1500">
+                      <a:endParaRPr sz="1500" dirty="0">
                         <a:highlight>
                           <a:srgbClr val="FFFFFF"/>
                         </a:highlight>
@@ -25397,7 +25429,7 @@
                   </a:ext>
                 </a:extLst>
               </a:tr>
-              <a:tr h="601575">
+              <a:tr h="605600">
                 <a:tc>
                   <a:txBody>
                     <a:bodyPr/>
@@ -25491,14 +25523,14 @@
                         <a:buNone/>
                       </a:pPr>
                       <a:r>
-                        <a:rPr lang="en-US" sz="1500">
+                        <a:rPr lang="en-US" sz="1500" dirty="0">
                           <a:highlight>
                             <a:srgbClr val="FFFFFF"/>
                           </a:highlight>
                         </a:rPr>
                         <a:t>End-user interaction with docs and files</a:t>
                       </a:r>
-                      <a:endParaRPr sz="1500">
+                      <a:endParaRPr sz="1500" dirty="0">
                         <a:highlight>
                           <a:srgbClr val="FFFFFF"/>
                         </a:highlight>
@@ -25515,14 +25547,14 @@
                         <a:buNone/>
                       </a:pPr>
                       <a:r>
-                        <a:rPr lang="en-US" sz="1500">
+                        <a:rPr lang="en-US" sz="1500" dirty="0">
                           <a:highlight>
                             <a:srgbClr val="FFFFFF"/>
                           </a:highlight>
                         </a:rPr>
                         <a:t>Collaborative creation and editing, Syncing files</a:t>
                       </a:r>
-                      <a:endParaRPr sz="1500">
+                      <a:endParaRPr sz="1500" dirty="0">
                         <a:highlight>
                           <a:srgbClr val="FFFFFF"/>
                         </a:highlight>
@@ -28231,11 +28263,11 @@
             </a:r>
             <a:r>
               <a:rPr lang="en-US" sz="1800" dirty="0"/>
-              <a:t> and Big </a:t>
+              <a:t> and </a:t>
             </a:r>
             <a:r>
               <a:rPr lang="en-US" sz="1800" u="sng" dirty="0"/>
-              <a:t>Data</a:t>
+              <a:t>Big Data</a:t>
             </a:r>
             <a:r>
               <a:rPr lang="en-US" sz="1800" dirty="0"/>
@@ -28359,7 +28391,7 @@
             </a:pPr>
             <a:r>
               <a:rPr lang="en-US" sz="1800" dirty="0"/>
-              <a:t>It has many integrations that support systems that are databases, cloud based software, and many file formats.</a:t>
+              <a:t>It has many integrations that support systems that are databases, cloud-based software, and many file formats.</a:t>
             </a:r>
             <a:endParaRPr sz="1800" dirty="0"/>
           </a:p>
@@ -29961,7 +29993,7 @@
         </p:blipFill>
         <p:spPr>
           <a:xfrm>
-            <a:off x="5617555" y="3089078"/>
+            <a:off x="5524120" y="2961044"/>
             <a:ext cx="5743575" cy="3429000"/>
           </a:xfrm>
           <a:prstGeom prst="rect">

--- a/Lectures/(8) Tools for Data Manipulation _ Management.pptx
+++ b/Lectures/(8) Tools for Data Manipulation _ Management.pptx
@@ -1979,10 +1979,24 @@
               <a:buNone/>
             </a:pPr>
             <a:r>
+              <a:rPr lang="en-US" dirty="0"/>
+              <a:t>SQL Relational vs. </a:t>
+            </a:r>
+            <a:r>
               <a:rPr lang="en-US"/>
-              <a:t>Relationship:   OLTP = Source for OLAP </a:t>
+              <a:t>MongoDB terminology</a:t>
             </a:r>
-            <a:endParaRPr/>
+            <a:r>
+              <a:rPr lang="en-US" dirty="0"/>
+              <a:t>:  </a:t>
+            </a:r>
+            <a:r>
+              <a:rPr lang="en-US" dirty="0">
+                <a:hlinkClick r:id="rId3"/>
+              </a:rPr>
+              <a:t>https://docs.mongodb.com/manual/reference/sql-comparison/</a:t>
+            </a:r>
+            <a:endParaRPr dirty="0"/>
           </a:p>
         </p:txBody>
       </p:sp>
